--- a/JavaFX meetup juli 2016.pptx
+++ b/JavaFX meetup juli 2016.pptx
@@ -120,7 +120,7 @@
   </p:defaultTextStyle>
   <p:extLst>
     <p:ext uri="{EFAFB233-063F-42B5-8137-9DF3F51BA10A}">
-      <p15:sldGuideLst xmlns:p15="http://schemas.microsoft.com/office/powerpoint/2012/main" xmlns="">
+      <p15:sldGuideLst xmlns="" xmlns:p15="http://schemas.microsoft.com/office/powerpoint/2012/main">
         <p15:guide id="1" orient="horz" pos="835">
           <p15:clr>
             <a:srgbClr val="A4A3A4"/>
@@ -184,7 +184,7 @@
       </p15:sldGuideLst>
     </p:ext>
     <p:ext uri="{2D200454-40CA-4A62-9FC3-DE9A4176ACB9}">
-      <p15:notesGuideLst xmlns:p15="http://schemas.microsoft.com/office/powerpoint/2012/main" xmlns="">
+      <p15:notesGuideLst xmlns="" xmlns:p15="http://schemas.microsoft.com/office/powerpoint/2012/main">
         <p15:guide id="1" orient="horz" pos="2880">
           <p15:clr>
             <a:srgbClr val="A4A3A4"/>
@@ -297,7 +297,7 @@
                 <a:latin typeface="Arial" pitchFamily="34" charset="0"/>
               </a:rPr>
               <a:pPr/>
-              <a:t>7/12/2016</a:t>
+              <a:t>7/13/2016</a:t>
             </a:fld>
             <a:endParaRPr lang="en-US" dirty="0">
               <a:latin typeface="Arial" pitchFamily="34" charset="0"/>
@@ -381,7 +381,7 @@
     </p:spTree>
     <p:extLst>
       <p:ext uri="{BB962C8B-B14F-4D97-AF65-F5344CB8AC3E}">
-        <p14:creationId xmlns:p14="http://schemas.microsoft.com/office/powerpoint/2010/main" xmlns="" val="3809342365"/>
+        <p14:creationId xmlns="" xmlns:p14="http://schemas.microsoft.com/office/powerpoint/2010/main" val="3809342365"/>
       </p:ext>
     </p:extLst>
   </p:cSld>
@@ -476,7 +476,7 @@
             <a:fld id="{B5D7A87D-1CDA-443F-BAE3-82C9C05446C3}" type="datetimeFigureOut">
               <a:rPr lang="en-US" smtClean="0"/>
               <a:pPr/>
-              <a:t>7/12/2016</a:t>
+              <a:t>7/13/2016</a:t>
             </a:fld>
             <a:endParaRPr lang="en-US" dirty="0"/>
           </a:p>
@@ -651,7 +651,7 @@
     </p:spTree>
     <p:extLst>
       <p:ext uri="{BB962C8B-B14F-4D97-AF65-F5344CB8AC3E}">
-        <p14:creationId xmlns:p14="http://schemas.microsoft.com/office/powerpoint/2010/main" xmlns="" val="3116277547"/>
+        <p14:creationId xmlns="" xmlns:p14="http://schemas.microsoft.com/office/powerpoint/2010/main" val="3116277547"/>
       </p:ext>
     </p:extLst>
   </p:cSld>
@@ -828,7 +828,7 @@
     </p:spTree>
     <p:extLst>
       <p:ext uri="{BB962C8B-B14F-4D97-AF65-F5344CB8AC3E}">
-        <p14:creationId xmlns:p14="http://schemas.microsoft.com/office/powerpoint/2010/main" xmlns="" val="3950182644"/>
+        <p14:creationId xmlns="" xmlns:p14="http://schemas.microsoft.com/office/powerpoint/2010/main" val="3950182644"/>
       </p:ext>
     </p:extLst>
   </p:cSld>
@@ -868,7 +868,7 @@
             <a:grayscl/>
             <a:extLst>
               <a:ext uri="{28A0092B-C50C-407E-A947-70E740481C1C}">
-                <a14:useLocalDpi xmlns:a14="http://schemas.microsoft.com/office/drawing/2010/main" xmlns="" val="0"/>
+                <a14:useLocalDpi xmlns="" xmlns:a14="http://schemas.microsoft.com/office/drawing/2010/main" val="0"/>
               </a:ext>
             </a:extLst>
           </a:blip>
@@ -889,7 +889,7 @@
           </a:ln>
           <a:extLst>
             <a:ext uri="{909E8E84-426E-40DD-AFC4-6F175D3DCCD1}">
-              <a14:hiddenFill xmlns:a14="http://schemas.microsoft.com/office/drawing/2010/main" xmlns="">
+              <a14:hiddenFill xmlns="" xmlns:a14="http://schemas.microsoft.com/office/drawing/2010/main">
                 <a:solidFill>
                   <a:srgbClr val="FFFFFF"/>
                 </a:solidFill>
@@ -37672,7 +37672,7 @@
             <a:grayscl/>
             <a:extLst>
               <a:ext uri="{28A0092B-C50C-407E-A947-70E740481C1C}">
-                <a14:useLocalDpi xmlns:a14="http://schemas.microsoft.com/office/drawing/2010/main" xmlns="" val="0"/>
+                <a14:useLocalDpi xmlns="" xmlns:a14="http://schemas.microsoft.com/office/drawing/2010/main" val="0"/>
               </a:ext>
             </a:extLst>
           </a:blip>
@@ -37693,7 +37693,7 @@
           </a:ln>
           <a:extLst>
             <a:ext uri="{909E8E84-426E-40DD-AFC4-6F175D3DCCD1}">
-              <a14:hiddenFill xmlns:a14="http://schemas.microsoft.com/office/drawing/2010/main" xmlns="">
+              <a14:hiddenFill xmlns="" xmlns:a14="http://schemas.microsoft.com/office/drawing/2010/main">
                 <a:solidFill>
                   <a:srgbClr val="FFFFFF"/>
                 </a:solidFill>
@@ -45005,7 +45005,7 @@
     </p:spTree>
     <p:extLst>
       <p:ext uri="{BB962C8B-B14F-4D97-AF65-F5344CB8AC3E}">
-        <p14:creationId xmlns:p14="http://schemas.microsoft.com/office/powerpoint/2010/main" xmlns="" val="3697878167"/>
+        <p14:creationId xmlns="" xmlns:p14="http://schemas.microsoft.com/office/powerpoint/2010/main" val="3697878167"/>
       </p:ext>
     </p:extLst>
   </p:cSld>
@@ -45167,64 +45167,7 @@
                   <a:lin ang="0" scaled="1"/>
                 </a:gradFill>
               </a:rPr>
-              <a:t> </a:t>
-            </a:r>
-            <a:r>
-              <a:rPr lang="de-DE" b="1" dirty="0" smtClean="0">
-                <a:gradFill>
-                  <a:gsLst>
-                    <a:gs pos="0">
-                      <a:srgbClr val="FF6A00"/>
-                    </a:gs>
-                    <a:gs pos="50000">
-                      <a:srgbClr val="E31937"/>
-                    </a:gs>
-                    <a:gs pos="100000">
-                      <a:srgbClr val="991F3D"/>
-                    </a:gs>
-                  </a:gsLst>
-                  <a:lin ang="0" scaled="1"/>
-                </a:gradFill>
-              </a:rPr>
-              <a:t>I</a:t>
-            </a:r>
-            <a:r>
-              <a:rPr lang="de-DE" b="1" dirty="0" smtClean="0">
-                <a:gradFill>
-                  <a:gsLst>
-                    <a:gs pos="0">
-                      <a:srgbClr val="FF6A00"/>
-                    </a:gs>
-                    <a:gs pos="50000">
-                      <a:srgbClr val="E31937"/>
-                    </a:gs>
-                    <a:gs pos="100000">
-                      <a:srgbClr val="991F3D"/>
-                    </a:gs>
-                  </a:gsLst>
-                  <a:lin ang="0" scaled="1"/>
-                </a:gradFill>
-              </a:rPr>
-              <a:t>ntro </a:t>
-            </a:r>
-            <a:r>
-              <a:rPr lang="de-DE" b="1" dirty="0" smtClean="0">
-                <a:gradFill>
-                  <a:gsLst>
-                    <a:gs pos="0">
-                      <a:srgbClr val="FF6A00"/>
-                    </a:gs>
-                    <a:gs pos="50000">
-                      <a:srgbClr val="E31937"/>
-                    </a:gs>
-                    <a:gs pos="100000">
-                      <a:srgbClr val="991F3D"/>
-                    </a:gs>
-                  </a:gsLst>
-                  <a:lin ang="0" scaled="1"/>
-                </a:gradFill>
-              </a:rPr>
-              <a:t>/ </a:t>
+              <a:t> Intro / </a:t>
             </a:r>
             <a:r>
               <a:rPr lang="de-DE" b="1" dirty="0" err="1" smtClean="0">
@@ -45488,26 +45431,7 @@
                   <a:lin ang="0" scaled="1"/>
                 </a:gradFill>
               </a:rPr>
-              <a:t>I</a:t>
-            </a:r>
-            <a:r>
-              <a:rPr lang="de-DE" b="1" dirty="0" err="1" smtClean="0">
-                <a:gradFill>
-                  <a:gsLst>
-                    <a:gs pos="0">
-                      <a:srgbClr val="FF6A00"/>
-                    </a:gs>
-                    <a:gs pos="50000">
-                      <a:srgbClr val="E31937"/>
-                    </a:gs>
-                    <a:gs pos="100000">
-                      <a:srgbClr val="991F3D"/>
-                    </a:gs>
-                  </a:gsLst>
-                  <a:lin ang="0" scaled="1"/>
-                </a:gradFill>
-              </a:rPr>
-              <a:t>nteroperabiliteit</a:t>
+              <a:t>Interoperabiliteit</a:t>
             </a:r>
             <a:endParaRPr lang="de-DE" b="1" dirty="0" smtClean="0">
               <a:gradFill>
@@ -45575,26 +45499,7 @@
                   <a:lin ang="0" scaled="1"/>
                 </a:gradFill>
               </a:rPr>
-              <a:t>B</a:t>
-            </a:r>
-            <a:r>
-              <a:rPr lang="de-DE" b="1" dirty="0" err="1" smtClean="0">
-                <a:gradFill>
-                  <a:gsLst>
-                    <a:gs pos="0">
-                      <a:srgbClr val="FF6A00"/>
-                    </a:gs>
-                    <a:gs pos="50000">
-                      <a:srgbClr val="E31937"/>
-                    </a:gs>
-                    <a:gs pos="100000">
-                      <a:srgbClr val="991F3D"/>
-                    </a:gs>
-                  </a:gsLst>
-                  <a:lin ang="0" scaled="1"/>
-                </a:gradFill>
-              </a:rPr>
-              <a:t>eheer</a:t>
+              <a:t>Beheer</a:t>
             </a:r>
             <a:endParaRPr lang="de-DE" b="1" dirty="0">
               <a:gradFill>
@@ -45643,45 +45548,7 @@
                   <a:lin ang="0" scaled="1"/>
                 </a:gradFill>
               </a:rPr>
-              <a:t> </a:t>
-            </a:r>
-            <a:r>
-              <a:rPr lang="de-DE" b="1" dirty="0" smtClean="0">
-                <a:gradFill>
-                  <a:gsLst>
-                    <a:gs pos="0">
-                      <a:srgbClr val="FF6A00"/>
-                    </a:gs>
-                    <a:gs pos="50000">
-                      <a:srgbClr val="E31937"/>
-                    </a:gs>
-                    <a:gs pos="100000">
-                      <a:srgbClr val="991F3D"/>
-                    </a:gs>
-                  </a:gsLst>
-                  <a:lin ang="0" scaled="1"/>
-                </a:gradFill>
-              </a:rPr>
-              <a:t>D</a:t>
-            </a:r>
-            <a:r>
-              <a:rPr lang="de-DE" b="1" dirty="0" smtClean="0">
-                <a:gradFill>
-                  <a:gsLst>
-                    <a:gs pos="0">
-                      <a:srgbClr val="FF6A00"/>
-                    </a:gs>
-                    <a:gs pos="50000">
-                      <a:srgbClr val="E31937"/>
-                    </a:gs>
-                    <a:gs pos="100000">
-                      <a:srgbClr val="991F3D"/>
-                    </a:gs>
-                  </a:gsLst>
-                  <a:lin ang="0" scaled="1"/>
-                </a:gradFill>
-              </a:rPr>
-              <a:t>emos</a:t>
+              <a:t> Demos</a:t>
             </a:r>
           </a:p>
           <a:p>
@@ -45733,26 +45600,7 @@
                   <a:lin ang="0" scaled="1"/>
                 </a:gradFill>
               </a:rPr>
-              <a:t>A</a:t>
-            </a:r>
-            <a:r>
-              <a:rPr lang="de-DE" b="1" dirty="0" err="1" smtClean="0">
-                <a:gradFill>
-                  <a:gsLst>
-                    <a:gs pos="0">
-                      <a:srgbClr val="FF6A00"/>
-                    </a:gs>
-                    <a:gs pos="50000">
-                      <a:srgbClr val="E31937"/>
-                    </a:gs>
-                    <a:gs pos="100000">
-                      <a:srgbClr val="991F3D"/>
-                    </a:gs>
-                  </a:gsLst>
-                  <a:lin ang="0" scaled="1"/>
-                </a:gradFill>
-              </a:rPr>
-              <a:t>an</a:t>
+              <a:t>Aan</a:t>
             </a:r>
             <a:r>
               <a:rPr lang="de-DE" b="1" dirty="0" smtClean="0">
@@ -45866,7 +45714,7 @@
     </p:spTree>
     <p:extLst>
       <p:ext uri="{BB962C8B-B14F-4D97-AF65-F5344CB8AC3E}">
-        <p14:creationId xmlns:p14="http://schemas.microsoft.com/office/powerpoint/2010/main" xmlns="" val="4261803648"/>
+        <p14:creationId xmlns="" xmlns:p14="http://schemas.microsoft.com/office/powerpoint/2010/main" val="4261803648"/>
       </p:ext>
     </p:extLst>
   </p:cSld>
@@ -46041,6 +45889,100 @@
             </a:endParaRPr>
           </a:p>
           <a:p>
+            <a:pPr lvl="1">
+              <a:spcBef>
+                <a:spcPct val="0"/>
+              </a:spcBef>
+              <a:buFont typeface="Arial" pitchFamily="34" charset="0"/>
+              <a:buChar char="•"/>
+              <a:defRPr/>
+            </a:pPr>
+            <a:r>
+              <a:rPr lang="en-US" sz="1600" dirty="0" smtClean="0">
+                <a:solidFill>
+                  <a:schemeClr val="tx2"/>
+                </a:solidFill>
+                <a:latin typeface="Arial" pitchFamily="34" charset="0"/>
+                <a:ea typeface="+mj-ea"/>
+                <a:cs typeface="+mj-cs"/>
+                <a:hlinkClick r:id="rId2"/>
+              </a:rPr>
+              <a:t> https</a:t>
+            </a:r>
+            <a:r>
+              <a:rPr lang="en-US" sz="1600" dirty="0" smtClean="0">
+                <a:solidFill>
+                  <a:schemeClr val="tx2"/>
+                </a:solidFill>
+                <a:latin typeface="Arial" pitchFamily="34" charset="0"/>
+                <a:ea typeface="+mj-ea"/>
+                <a:cs typeface="+mj-cs"/>
+                <a:hlinkClick r:id="rId2"/>
+              </a:rPr>
+              <a:t>://</a:t>
+            </a:r>
+            <a:r>
+              <a:rPr lang="en-US" sz="1600" dirty="0" smtClean="0">
+                <a:solidFill>
+                  <a:schemeClr val="tx2"/>
+                </a:solidFill>
+                <a:latin typeface="Arial" pitchFamily="34" charset="0"/>
+                <a:ea typeface="+mj-ea"/>
+                <a:cs typeface="+mj-cs"/>
+                <a:hlinkClick r:id="rId2"/>
+              </a:rPr>
+              <a:t>docs.oracle.com/javafx/2/api/javafx/scene/doc-files/cssref.html</a:t>
+            </a:r>
+            <a:endParaRPr lang="en-US" sz="1600" dirty="0" smtClean="0">
+              <a:solidFill>
+                <a:schemeClr val="tx2"/>
+              </a:solidFill>
+              <a:latin typeface="Arial" pitchFamily="34" charset="0"/>
+              <a:ea typeface="+mj-ea"/>
+              <a:cs typeface="+mj-cs"/>
+            </a:endParaRPr>
+          </a:p>
+          <a:p>
+            <a:pPr lvl="1">
+              <a:spcBef>
+                <a:spcPct val="0"/>
+              </a:spcBef>
+              <a:buFont typeface="Arial" pitchFamily="34" charset="0"/>
+              <a:buChar char="•"/>
+              <a:defRPr/>
+            </a:pPr>
+            <a:r>
+              <a:rPr lang="en-US" sz="1600" dirty="0" smtClean="0">
+                <a:solidFill>
+                  <a:schemeClr val="tx2"/>
+                </a:solidFill>
+                <a:latin typeface="Arial" pitchFamily="34" charset="0"/>
+                <a:ea typeface="+mj-ea"/>
+                <a:cs typeface="+mj-cs"/>
+              </a:rPr>
+              <a:t> https</a:t>
+            </a:r>
+            <a:r>
+              <a:rPr lang="en-US" sz="1600" dirty="0" smtClean="0">
+                <a:solidFill>
+                  <a:schemeClr val="tx2"/>
+                </a:solidFill>
+                <a:latin typeface="Arial" pitchFamily="34" charset="0"/>
+                <a:ea typeface="+mj-ea"/>
+                <a:cs typeface="+mj-cs"/>
+              </a:rPr>
+              <a:t>://docs.oracle.com/javafx/2/api/javafx/fxml/doc-files/introduction_to_fxml.html</a:t>
+            </a:r>
+            <a:endParaRPr lang="en-US" sz="1600" dirty="0" smtClean="0">
+              <a:solidFill>
+                <a:schemeClr val="tx2"/>
+              </a:solidFill>
+              <a:latin typeface="Arial" pitchFamily="34" charset="0"/>
+              <a:ea typeface="+mj-ea"/>
+              <a:cs typeface="+mj-cs"/>
+            </a:endParaRPr>
+          </a:p>
+          <a:p>
             <a:pPr marL="0" marR="0" lvl="0" indent="0" algn="l" defTabSz="914400" rtl="0" eaLnBrk="1" fontAlgn="auto" latinLnBrk="0" hangingPunct="1">
               <a:lnSpc>
                 <a:spcPct val="100000"/>
@@ -46067,18 +46009,7 @@
                 <a:ea typeface="+mj-ea"/>
                 <a:cs typeface="+mj-cs"/>
               </a:rPr>
-              <a:t> </a:t>
-            </a:r>
-            <a:r>
-              <a:rPr lang="en-US" sz="3000" dirty="0" smtClean="0">
-                <a:solidFill>
-                  <a:schemeClr val="tx2"/>
-                </a:solidFill>
-                <a:latin typeface="Arial" pitchFamily="34" charset="0"/>
-                <a:ea typeface="+mj-ea"/>
-                <a:cs typeface="+mj-cs"/>
-              </a:rPr>
-              <a:t>Swing / </a:t>
+              <a:t> Swing / </a:t>
             </a:r>
             <a:r>
               <a:rPr lang="en-US" sz="3000" dirty="0" err="1" smtClean="0">
@@ -46133,8 +46064,82 @@
                 <a:ea typeface="+mj-ea"/>
                 <a:cs typeface="+mj-cs"/>
               </a:rPr>
-              <a:t> Java</a:t>
+              <a:t> </a:t>
             </a:r>
+            <a:r>
+              <a:rPr kumimoji="0" lang="en-US" sz="3000" b="0" i="0" u="none" strike="noStrike" kern="1200" cap="none" spc="0" normalizeH="0" noProof="0" dirty="0" smtClean="0">
+                <a:ln>
+                  <a:noFill/>
+                </a:ln>
+                <a:solidFill>
+                  <a:schemeClr val="tx2"/>
+                </a:solidFill>
+                <a:effectLst/>
+                <a:uLnTx/>
+                <a:uFillTx/>
+                <a:latin typeface="Arial" pitchFamily="34" charset="0"/>
+                <a:ea typeface="+mj-ea"/>
+                <a:cs typeface="+mj-cs"/>
+              </a:rPr>
+              <a:t>Java</a:t>
+            </a:r>
+          </a:p>
+          <a:p>
+            <a:pPr lvl="1">
+              <a:spcBef>
+                <a:spcPct val="0"/>
+              </a:spcBef>
+              <a:buFont typeface="Arial" pitchFamily="34" charset="0"/>
+              <a:buChar char="•"/>
+              <a:defRPr/>
+            </a:pPr>
+            <a:r>
+              <a:rPr lang="en-US" sz="3000" dirty="0" smtClean="0">
+                <a:solidFill>
+                  <a:schemeClr val="tx2"/>
+                </a:solidFill>
+                <a:latin typeface="Arial" pitchFamily="34" charset="0"/>
+                <a:ea typeface="+mj-ea"/>
+                <a:cs typeface="+mj-cs"/>
+              </a:rPr>
+              <a:t> </a:t>
+            </a:r>
+            <a:r>
+              <a:rPr lang="en-US" sz="1600" dirty="0" smtClean="0">
+                <a:solidFill>
+                  <a:schemeClr val="tx2"/>
+                </a:solidFill>
+                <a:latin typeface="Arial" pitchFamily="34" charset="0"/>
+                <a:ea typeface="+mj-ea"/>
+                <a:cs typeface="+mj-cs"/>
+              </a:rPr>
+              <a:t>https</a:t>
+            </a:r>
+            <a:r>
+              <a:rPr lang="en-US" sz="1600" dirty="0" smtClean="0">
+                <a:solidFill>
+                  <a:schemeClr val="tx2"/>
+                </a:solidFill>
+                <a:latin typeface="Arial" pitchFamily="34" charset="0"/>
+                <a:ea typeface="+mj-ea"/>
+                <a:cs typeface="+mj-cs"/>
+              </a:rPr>
+              <a:t>://docs.oracle.com/javafx/2/</a:t>
+            </a:r>
+            <a:endParaRPr kumimoji="0" lang="en-US" sz="1600" b="0" i="0" u="none" strike="noStrike" kern="1200" cap="none" spc="0" normalizeH="0" noProof="0" dirty="0" smtClean="0">
+              <a:ln>
+                <a:noFill/>
+              </a:ln>
+              <a:solidFill>
+                <a:schemeClr val="tx2"/>
+              </a:solidFill>
+              <a:effectLst/>
+              <a:uLnTx/>
+              <a:uFillTx/>
+              <a:latin typeface="Arial" pitchFamily="34" charset="0"/>
+              <a:ea typeface="+mj-ea"/>
+              <a:cs typeface="+mj-cs"/>
+            </a:endParaRPr>
           </a:p>
           <a:p>
             <a:pPr marL="0" marR="0" lvl="0" indent="0" algn="l" defTabSz="914400" rtl="0" eaLnBrk="1" fontAlgn="auto" latinLnBrk="0" hangingPunct="1">
@@ -46169,15 +46174,231 @@
                 <a:ea typeface="+mj-ea"/>
                 <a:cs typeface="+mj-cs"/>
               </a:rPr>
-              <a:t> binding</a:t>
+              <a:t> </a:t>
             </a:r>
+            <a:r>
+              <a:rPr kumimoji="0" lang="en-US" sz="3000" b="0" i="0" u="none" strike="noStrike" kern="1200" cap="none" spc="0" normalizeH="0" baseline="0" noProof="0" dirty="0" smtClean="0">
+                <a:ln>
+                  <a:noFill/>
+                </a:ln>
+                <a:solidFill>
+                  <a:schemeClr val="tx2"/>
+                </a:solidFill>
+                <a:effectLst/>
+                <a:uLnTx/>
+                <a:uFillTx/>
+                <a:latin typeface="Arial" pitchFamily="34" charset="0"/>
+                <a:ea typeface="+mj-ea"/>
+                <a:cs typeface="+mj-cs"/>
+              </a:rPr>
+              <a:t>binding</a:t>
+            </a:r>
+          </a:p>
+          <a:p>
+            <a:pPr marL="0" marR="0" lvl="0" indent="0" algn="l" defTabSz="914400" rtl="0" eaLnBrk="1" fontAlgn="auto" latinLnBrk="0" hangingPunct="1">
+              <a:lnSpc>
+                <a:spcPct val="100000"/>
+              </a:lnSpc>
+              <a:spcBef>
+                <a:spcPct val="0"/>
+              </a:spcBef>
+              <a:spcAft>
+                <a:spcPts val="0"/>
+              </a:spcAft>
+              <a:buClrTx/>
+              <a:buSzTx/>
+              <a:buFont typeface="Arial" pitchFamily="34" charset="0"/>
+              <a:buChar char="•"/>
+              <a:tabLst/>
+              <a:defRPr/>
+            </a:pPr>
+            <a:r>
+              <a:rPr lang="en-US" sz="3000" dirty="0" smtClean="0">
+                <a:solidFill>
+                  <a:schemeClr val="tx2"/>
+                </a:solidFill>
+                <a:latin typeface="Arial" pitchFamily="34" charset="0"/>
+                <a:ea typeface="+mj-ea"/>
+                <a:cs typeface="+mj-cs"/>
+              </a:rPr>
+              <a:t> </a:t>
+            </a:r>
+            <a:r>
+              <a:rPr lang="en-US" sz="3000" dirty="0" smtClean="0">
+                <a:solidFill>
+                  <a:schemeClr val="tx2"/>
+                </a:solidFill>
+                <a:latin typeface="Arial" pitchFamily="34" charset="0"/>
+                <a:ea typeface="+mj-ea"/>
+                <a:cs typeface="+mj-cs"/>
+              </a:rPr>
+              <a:t>multiplatform (see </a:t>
+            </a:r>
+            <a:r>
+              <a:rPr lang="en-US" sz="3000" dirty="0" err="1" smtClean="0">
+                <a:solidFill>
+                  <a:schemeClr val="tx2"/>
+                </a:solidFill>
+                <a:latin typeface="Arial" pitchFamily="34" charset="0"/>
+                <a:ea typeface="+mj-ea"/>
+                <a:cs typeface="+mj-cs"/>
+              </a:rPr>
+              <a:t>gluonhq</a:t>
+            </a:r>
+            <a:r>
+              <a:rPr lang="en-US" sz="3000" dirty="0" smtClean="0">
+                <a:solidFill>
+                  <a:schemeClr val="tx2"/>
+                </a:solidFill>
+                <a:latin typeface="Arial" pitchFamily="34" charset="0"/>
+                <a:ea typeface="+mj-ea"/>
+                <a:cs typeface="+mj-cs"/>
+              </a:rPr>
+              <a:t>)</a:t>
+            </a:r>
+          </a:p>
+          <a:p>
+            <a:pPr lvl="1">
+              <a:spcBef>
+                <a:spcPct val="0"/>
+              </a:spcBef>
+              <a:buFont typeface="Arial" pitchFamily="34" charset="0"/>
+              <a:buChar char="•"/>
+              <a:defRPr/>
+            </a:pPr>
+            <a:r>
+              <a:rPr kumimoji="0" lang="en-US" sz="3000" b="0" i="0" u="none" strike="noStrike" kern="1200" cap="none" spc="0" normalizeH="0" baseline="0" noProof="0" dirty="0" smtClean="0">
+                <a:ln>
+                  <a:noFill/>
+                </a:ln>
+                <a:solidFill>
+                  <a:schemeClr val="tx2"/>
+                </a:solidFill>
+                <a:effectLst/>
+                <a:uLnTx/>
+                <a:uFillTx/>
+                <a:latin typeface="Arial" pitchFamily="34" charset="0"/>
+                <a:ea typeface="+mj-ea"/>
+                <a:cs typeface="+mj-cs"/>
+              </a:rPr>
+              <a:t> SE</a:t>
+            </a:r>
+            <a:r>
+              <a:rPr kumimoji="0" lang="en-US" sz="3000" b="0" i="0" u="none" strike="noStrike" kern="1200" cap="none" spc="0" normalizeH="0" noProof="0" dirty="0" smtClean="0">
+                <a:ln>
+                  <a:noFill/>
+                </a:ln>
+                <a:solidFill>
+                  <a:schemeClr val="tx2"/>
+                </a:solidFill>
+                <a:effectLst/>
+                <a:uLnTx/>
+                <a:uFillTx/>
+                <a:latin typeface="Arial" pitchFamily="34" charset="0"/>
+                <a:ea typeface="+mj-ea"/>
+                <a:cs typeface="+mj-cs"/>
+              </a:rPr>
+              <a:t> =&gt; desktop</a:t>
+            </a:r>
+          </a:p>
+          <a:p>
+            <a:pPr lvl="1">
+              <a:spcBef>
+                <a:spcPct val="0"/>
+              </a:spcBef>
+              <a:buFont typeface="Arial" pitchFamily="34" charset="0"/>
+              <a:buChar char="•"/>
+              <a:defRPr/>
+            </a:pPr>
+            <a:r>
+              <a:rPr lang="en-US" sz="3000" baseline="0" dirty="0" smtClean="0">
+                <a:solidFill>
+                  <a:schemeClr val="tx2"/>
+                </a:solidFill>
+                <a:latin typeface="Arial" pitchFamily="34" charset="0"/>
+                <a:ea typeface="+mj-ea"/>
+                <a:cs typeface="+mj-cs"/>
+              </a:rPr>
+              <a:t> </a:t>
+            </a:r>
+            <a:r>
+              <a:rPr lang="en-US" sz="3000" baseline="0" dirty="0" smtClean="0">
+                <a:solidFill>
+                  <a:schemeClr val="tx2"/>
+                </a:solidFill>
+                <a:latin typeface="Arial" pitchFamily="34" charset="0"/>
+                <a:ea typeface="+mj-ea"/>
+                <a:cs typeface="+mj-cs"/>
+              </a:rPr>
+              <a:t>android, </a:t>
+            </a:r>
+            <a:r>
+              <a:rPr lang="en-US" sz="3000" baseline="0" dirty="0" err="1" smtClean="0">
+                <a:solidFill>
+                  <a:schemeClr val="tx2"/>
+                </a:solidFill>
+                <a:latin typeface="Arial" pitchFamily="34" charset="0"/>
+                <a:ea typeface="+mj-ea"/>
+                <a:cs typeface="+mj-cs"/>
+              </a:rPr>
+              <a:t>iOS</a:t>
+            </a:r>
+            <a:r>
+              <a:rPr lang="en-US" sz="3000" baseline="0" dirty="0" smtClean="0">
+                <a:solidFill>
+                  <a:schemeClr val="tx2"/>
+                </a:solidFill>
+                <a:latin typeface="Arial" pitchFamily="34" charset="0"/>
+                <a:ea typeface="+mj-ea"/>
+                <a:cs typeface="+mj-cs"/>
+              </a:rPr>
+              <a:t>, Arm</a:t>
+            </a:r>
+            <a:endParaRPr kumimoji="0" lang="en-US" sz="3000" b="0" i="0" u="none" strike="noStrike" kern="1200" cap="none" spc="0" normalizeH="0" baseline="0" noProof="0" dirty="0" smtClean="0">
+              <a:ln>
+                <a:noFill/>
+              </a:ln>
+              <a:solidFill>
+                <a:schemeClr val="tx2"/>
+              </a:solidFill>
+              <a:effectLst/>
+              <a:uLnTx/>
+              <a:uFillTx/>
+              <a:latin typeface="Arial" pitchFamily="34" charset="0"/>
+              <a:ea typeface="+mj-ea"/>
+              <a:cs typeface="+mj-cs"/>
+            </a:endParaRPr>
+          </a:p>
+          <a:p>
+            <a:pPr lvl="1">
+              <a:spcBef>
+                <a:spcPct val="0"/>
+              </a:spcBef>
+              <a:buFont typeface="Arial" pitchFamily="34" charset="0"/>
+              <a:buChar char="•"/>
+              <a:defRPr/>
+            </a:pPr>
+            <a:endParaRPr kumimoji="0" lang="en-US" sz="3000" b="0" i="0" u="none" strike="noStrike" kern="1200" cap="none" spc="0" normalizeH="0" baseline="0" noProof="0" dirty="0" smtClean="0">
+              <a:ln>
+                <a:noFill/>
+              </a:ln>
+              <a:solidFill>
+                <a:schemeClr val="tx2"/>
+              </a:solidFill>
+              <a:effectLst/>
+              <a:uLnTx/>
+              <a:uFillTx/>
+              <a:latin typeface="Arial" pitchFamily="34" charset="0"/>
+              <a:ea typeface="+mj-ea"/>
+              <a:cs typeface="+mj-cs"/>
+            </a:endParaRPr>
           </a:p>
         </p:txBody>
       </p:sp>
     </p:spTree>
     <p:extLst>
       <p:ext uri="{BB962C8B-B14F-4D97-AF65-F5344CB8AC3E}">
-        <p14:creationId xmlns:p14="http://schemas.microsoft.com/office/powerpoint/2010/main" xmlns="" val="1362647605"/>
+        <p14:creationId xmlns="" xmlns:p14="http://schemas.microsoft.com/office/powerpoint/2010/main" val="1362647605"/>
       </p:ext>
     </p:extLst>
   </p:cSld>
@@ -46185,7 +46406,7 @@
     <a:masterClrMapping/>
   </p:clrMapOvr>
   <mc:AlternateContent xmlns:mc="http://schemas.openxmlformats.org/markup-compatibility/2006">
-    <mc:Choice xmlns:p14="http://schemas.microsoft.com/office/powerpoint/2010/main" xmlns="" Requires="p14">
+    <mc:Choice xmlns="" xmlns:p14="http://schemas.microsoft.com/office/powerpoint/2010/main" Requires="p14">
       <p:transition spd="slow" p14:dur="2000"/>
     </mc:Choice>
     <mc:Fallback>
@@ -46332,6 +46553,261 @@
               <a:tabLst/>
               <a:defRPr/>
             </a:pPr>
+            <a:r>
+              <a:rPr lang="en-US" sz="3000" dirty="0" smtClean="0">
+                <a:solidFill>
+                  <a:srgbClr val="00B050"/>
+                </a:solidFill>
+                <a:latin typeface="Arial" pitchFamily="34" charset="0"/>
+                <a:ea typeface="+mj-ea"/>
+                <a:cs typeface="+mj-cs"/>
+              </a:rPr>
+              <a:t>	</a:t>
+            </a:r>
+            <a:r>
+              <a:rPr lang="en-US" sz="3000" dirty="0" err="1" smtClean="0">
+                <a:solidFill>
+                  <a:srgbClr val="00B050"/>
+                </a:solidFill>
+                <a:latin typeface="Arial" pitchFamily="34" charset="0"/>
+                <a:ea typeface="+mj-ea"/>
+                <a:cs typeface="+mj-cs"/>
+              </a:rPr>
+              <a:t>fxml</a:t>
+            </a:r>
+            <a:r>
+              <a:rPr lang="en-US" sz="3000" dirty="0" smtClean="0">
+                <a:solidFill>
+                  <a:srgbClr val="00B050"/>
+                </a:solidFill>
+                <a:latin typeface="Arial" pitchFamily="34" charset="0"/>
+                <a:ea typeface="+mj-ea"/>
+                <a:cs typeface="+mj-cs"/>
+              </a:rPr>
+              <a:t> / </a:t>
+            </a:r>
+            <a:r>
+              <a:rPr lang="en-US" sz="3000" dirty="0" err="1" smtClean="0">
+                <a:solidFill>
+                  <a:srgbClr val="00B050"/>
+                </a:solidFill>
+                <a:latin typeface="Arial" pitchFamily="34" charset="0"/>
+                <a:ea typeface="+mj-ea"/>
+                <a:cs typeface="+mj-cs"/>
+              </a:rPr>
+              <a:t>css</a:t>
+            </a:r>
+            <a:endParaRPr lang="en-US" sz="3000" dirty="0" smtClean="0">
+              <a:solidFill>
+                <a:srgbClr val="00B050"/>
+              </a:solidFill>
+              <a:latin typeface="Arial" pitchFamily="34" charset="0"/>
+              <a:ea typeface="+mj-ea"/>
+              <a:cs typeface="+mj-cs"/>
+            </a:endParaRPr>
+          </a:p>
+          <a:p>
+            <a:pPr marL="0" marR="0" lvl="0" indent="0" algn="l" defTabSz="914400" rtl="0" eaLnBrk="1" fontAlgn="auto" latinLnBrk="0" hangingPunct="1">
+              <a:lnSpc>
+                <a:spcPct val="100000"/>
+              </a:lnSpc>
+              <a:spcBef>
+                <a:spcPct val="0"/>
+              </a:spcBef>
+              <a:spcAft>
+                <a:spcPts val="0"/>
+              </a:spcAft>
+              <a:buClrTx/>
+              <a:buSzTx/>
+              <a:tabLst/>
+              <a:defRPr/>
+            </a:pPr>
+            <a:r>
+              <a:rPr lang="en-US" sz="3000" dirty="0" smtClean="0">
+                <a:solidFill>
+                  <a:srgbClr val="00B050"/>
+                </a:solidFill>
+                <a:latin typeface="Arial" pitchFamily="34" charset="0"/>
+                <a:ea typeface="+mj-ea"/>
+                <a:cs typeface="+mj-cs"/>
+              </a:rPr>
+              <a:t>	</a:t>
+            </a:r>
+            <a:r>
+              <a:rPr lang="en-US" sz="3000" dirty="0" err="1" smtClean="0">
+                <a:solidFill>
+                  <a:srgbClr val="00B050"/>
+                </a:solidFill>
+                <a:latin typeface="Arial" pitchFamily="34" charset="0"/>
+                <a:ea typeface="+mj-ea"/>
+                <a:cs typeface="+mj-cs"/>
+              </a:rPr>
+              <a:t>mvc</a:t>
+            </a:r>
+            <a:endParaRPr lang="en-US" sz="3000" dirty="0" smtClean="0">
+              <a:solidFill>
+                <a:srgbClr val="00B050"/>
+              </a:solidFill>
+              <a:latin typeface="Arial" pitchFamily="34" charset="0"/>
+              <a:ea typeface="+mj-ea"/>
+              <a:cs typeface="+mj-cs"/>
+            </a:endParaRPr>
+          </a:p>
+          <a:p>
+            <a:pPr marL="0" marR="0" lvl="0" indent="0" algn="l" defTabSz="914400" rtl="0" eaLnBrk="1" fontAlgn="auto" latinLnBrk="0" hangingPunct="1">
+              <a:lnSpc>
+                <a:spcPct val="100000"/>
+              </a:lnSpc>
+              <a:spcBef>
+                <a:spcPct val="0"/>
+              </a:spcBef>
+              <a:spcAft>
+                <a:spcPts val="0"/>
+              </a:spcAft>
+              <a:buClrTx/>
+              <a:buSzTx/>
+              <a:tabLst/>
+              <a:defRPr/>
+            </a:pPr>
+            <a:r>
+              <a:rPr lang="en-US" sz="3000" dirty="0" smtClean="0">
+                <a:solidFill>
+                  <a:srgbClr val="00B050"/>
+                </a:solidFill>
+                <a:latin typeface="Arial" pitchFamily="34" charset="0"/>
+                <a:ea typeface="+mj-ea"/>
+                <a:cs typeface="+mj-cs"/>
+              </a:rPr>
+              <a:t>	</a:t>
+            </a:r>
+            <a:r>
+              <a:rPr lang="en-US" sz="3000" dirty="0" smtClean="0">
+                <a:solidFill>
+                  <a:srgbClr val="00B050"/>
+                </a:solidFill>
+                <a:latin typeface="Arial" pitchFamily="34" charset="0"/>
+                <a:ea typeface="+mj-ea"/>
+                <a:cs typeface="+mj-cs"/>
+              </a:rPr>
+              <a:t>beauty / features</a:t>
+            </a:r>
+          </a:p>
+          <a:p>
+            <a:pPr marL="0" marR="0" lvl="0" indent="0" algn="l" defTabSz="914400" rtl="0" eaLnBrk="1" fontAlgn="auto" latinLnBrk="0" hangingPunct="1">
+              <a:lnSpc>
+                <a:spcPct val="100000"/>
+              </a:lnSpc>
+              <a:spcBef>
+                <a:spcPct val="0"/>
+              </a:spcBef>
+              <a:spcAft>
+                <a:spcPts val="0"/>
+              </a:spcAft>
+              <a:buClrTx/>
+              <a:buSzTx/>
+              <a:tabLst/>
+              <a:defRPr/>
+            </a:pPr>
+            <a:r>
+              <a:rPr lang="en-US" sz="3000" dirty="0" err="1" smtClean="0">
+                <a:solidFill>
+                  <a:srgbClr val="00B050"/>
+                </a:solidFill>
+                <a:latin typeface="Arial" pitchFamily="34" charset="0"/>
+                <a:ea typeface="+mj-ea"/>
+                <a:cs typeface="+mj-cs"/>
+              </a:rPr>
+              <a:t>Jvm</a:t>
+            </a:r>
+            <a:r>
+              <a:rPr lang="en-US" sz="3000" dirty="0" smtClean="0">
+                <a:solidFill>
+                  <a:srgbClr val="00B050"/>
+                </a:solidFill>
+                <a:latin typeface="Arial" pitchFamily="34" charset="0"/>
+                <a:ea typeface="+mj-ea"/>
+                <a:cs typeface="+mj-cs"/>
+              </a:rPr>
+              <a:t> / Java</a:t>
+            </a:r>
+          </a:p>
+          <a:p>
+            <a:pPr marL="0" marR="0" lvl="0" indent="0" algn="l" defTabSz="914400" rtl="0" eaLnBrk="1" fontAlgn="auto" latinLnBrk="0" hangingPunct="1">
+              <a:lnSpc>
+                <a:spcPct val="100000"/>
+              </a:lnSpc>
+              <a:spcBef>
+                <a:spcPct val="0"/>
+              </a:spcBef>
+              <a:spcAft>
+                <a:spcPts val="0"/>
+              </a:spcAft>
+              <a:buClrTx/>
+              <a:buSzTx/>
+              <a:tabLst/>
+              <a:defRPr/>
+            </a:pPr>
+            <a:r>
+              <a:rPr lang="en-US" sz="3000" dirty="0" smtClean="0">
+                <a:solidFill>
+                  <a:srgbClr val="00B050"/>
+                </a:solidFill>
+                <a:latin typeface="Arial" pitchFamily="34" charset="0"/>
+                <a:ea typeface="+mj-ea"/>
+                <a:cs typeface="+mj-cs"/>
+              </a:rPr>
+              <a:t>multiplatform</a:t>
+            </a:r>
+            <a:endParaRPr lang="en-US" sz="3000" dirty="0" smtClean="0">
+              <a:solidFill>
+                <a:srgbClr val="00B050"/>
+              </a:solidFill>
+              <a:latin typeface="Arial" pitchFamily="34" charset="0"/>
+              <a:ea typeface="+mj-ea"/>
+              <a:cs typeface="+mj-cs"/>
+            </a:endParaRPr>
+          </a:p>
+          <a:p>
+            <a:pPr marL="0" marR="0" lvl="0" indent="0" algn="l" defTabSz="914400" rtl="0" eaLnBrk="1" fontAlgn="auto" latinLnBrk="0" hangingPunct="1">
+              <a:lnSpc>
+                <a:spcPct val="100000"/>
+              </a:lnSpc>
+              <a:spcBef>
+                <a:spcPct val="0"/>
+              </a:spcBef>
+              <a:spcAft>
+                <a:spcPts val="0"/>
+              </a:spcAft>
+              <a:buClrTx/>
+              <a:buSzTx/>
+              <a:tabLst/>
+              <a:defRPr/>
+            </a:pPr>
+            <a:endParaRPr lang="en-US" sz="3000" dirty="0" smtClean="0">
+              <a:solidFill>
+                <a:srgbClr val="00B050"/>
+              </a:solidFill>
+              <a:latin typeface="Arial" pitchFamily="34" charset="0"/>
+              <a:ea typeface="+mj-ea"/>
+              <a:cs typeface="+mj-cs"/>
+            </a:endParaRPr>
+          </a:p>
+          <a:p>
+            <a:pPr marL="0" marR="0" lvl="0" indent="0" algn="l" defTabSz="914400" rtl="0" eaLnBrk="1" fontAlgn="auto" latinLnBrk="0" hangingPunct="1">
+              <a:lnSpc>
+                <a:spcPct val="100000"/>
+              </a:lnSpc>
+              <a:spcBef>
+                <a:spcPct val="0"/>
+              </a:spcBef>
+              <a:spcAft>
+                <a:spcPts val="0"/>
+              </a:spcAft>
+              <a:buClrTx/>
+              <a:buSzTx/>
+              <a:tabLst/>
+              <a:defRPr/>
+            </a:pPr>
             <a:endParaRPr lang="en-US" sz="3000" dirty="0" smtClean="0">
               <a:solidFill>
                 <a:srgbClr val="00B050"/>
@@ -46382,7 +46858,7 @@
               <a:defRPr/>
             </a:pPr>
             <a:r>
-              <a:rPr lang="en-US" sz="3000" dirty="0" smtClean="0">
+              <a:rPr lang="en-US" sz="3000" smtClean="0">
                 <a:solidFill>
                   <a:srgbClr val="FF0000"/>
                 </a:solidFill>
@@ -46390,19 +46866,50 @@
                 <a:ea typeface="+mj-ea"/>
                 <a:cs typeface="+mj-cs"/>
               </a:rPr>
-              <a:t>D</a:t>
+              <a:t>Deployment</a:t>
             </a:r>
-            <a:r>
-              <a:rPr lang="en-US" sz="3000" dirty="0" smtClean="0">
-                <a:solidFill>
-                  <a:srgbClr val="FF0000"/>
-                </a:solidFill>
-                <a:latin typeface="Arial" pitchFamily="34" charset="0"/>
-                <a:ea typeface="+mj-ea"/>
-                <a:cs typeface="+mj-cs"/>
-              </a:rPr>
-              <a:t>eployment</a:t>
-            </a:r>
+          </a:p>
+          <a:p>
+            <a:pPr marL="0" marR="0" lvl="0" indent="0" algn="l" defTabSz="914400" rtl="0" eaLnBrk="1" fontAlgn="auto" latinLnBrk="0" hangingPunct="1">
+              <a:lnSpc>
+                <a:spcPct val="100000"/>
+              </a:lnSpc>
+              <a:spcBef>
+                <a:spcPct val="0"/>
+              </a:spcBef>
+              <a:spcAft>
+                <a:spcPts val="0"/>
+              </a:spcAft>
+              <a:buClrTx/>
+              <a:buSzTx/>
+              <a:tabLst/>
+              <a:defRPr/>
+            </a:pPr>
+            <a:endParaRPr lang="en-US" sz="3000" dirty="0" smtClean="0">
+              <a:solidFill>
+                <a:srgbClr val="FF0000"/>
+              </a:solidFill>
+              <a:latin typeface="Arial" pitchFamily="34" charset="0"/>
+              <a:ea typeface="+mj-ea"/>
+              <a:cs typeface="+mj-cs"/>
+            </a:endParaRPr>
+          </a:p>
+          <a:p>
+            <a:pPr marL="0" marR="0" lvl="0" indent="0" algn="l" defTabSz="914400" rtl="0" eaLnBrk="1" fontAlgn="auto" latinLnBrk="0" hangingPunct="1">
+              <a:lnSpc>
+                <a:spcPct val="100000"/>
+              </a:lnSpc>
+              <a:spcBef>
+                <a:spcPct val="0"/>
+              </a:spcBef>
+              <a:spcAft>
+                <a:spcPts val="0"/>
+              </a:spcAft>
+              <a:buClrTx/>
+              <a:buSzTx/>
+              <a:tabLst/>
+              <a:defRPr/>
+            </a:pPr>
             <a:endParaRPr lang="en-US" sz="3000" dirty="0" smtClean="0">
               <a:solidFill>
                 <a:srgbClr val="FF0000"/>
@@ -46442,7 +46949,7 @@
     </p:spTree>
     <p:extLst>
       <p:ext uri="{BB962C8B-B14F-4D97-AF65-F5344CB8AC3E}">
-        <p14:creationId xmlns:p14="http://schemas.microsoft.com/office/powerpoint/2010/main" xmlns="" val="1362647605"/>
+        <p14:creationId xmlns="" xmlns:p14="http://schemas.microsoft.com/office/powerpoint/2010/main" val="1362647605"/>
       </p:ext>
     </p:extLst>
   </p:cSld>
@@ -46450,7 +46957,7 @@
     <a:masterClrMapping/>
   </p:clrMapOvr>
   <mc:AlternateContent xmlns:mc="http://schemas.openxmlformats.org/markup-compatibility/2006">
-    <mc:Choice xmlns:p14="http://schemas.microsoft.com/office/powerpoint/2010/main" xmlns="" Requires="p14">
+    <mc:Choice xmlns="" xmlns:p14="http://schemas.microsoft.com/office/powerpoint/2010/main" Requires="p14">
       <p:transition spd="slow" p14:dur="2000"/>
     </mc:Choice>
     <mc:Fallback>
@@ -46729,7 +47236,7 @@
     </p:spTree>
     <p:extLst>
       <p:ext uri="{BB962C8B-B14F-4D97-AF65-F5344CB8AC3E}">
-        <p14:creationId xmlns:p14="http://schemas.microsoft.com/office/powerpoint/2010/main" xmlns="" val="1362647605"/>
+        <p14:creationId xmlns="" xmlns:p14="http://schemas.microsoft.com/office/powerpoint/2010/main" val="1362647605"/>
       </p:ext>
     </p:extLst>
   </p:cSld>
@@ -46737,7 +47244,7 @@
     <a:masterClrMapping/>
   </p:clrMapOvr>
   <mc:AlternateContent xmlns:mc="http://schemas.openxmlformats.org/markup-compatibility/2006">
-    <mc:Choice xmlns:p14="http://schemas.microsoft.com/office/powerpoint/2010/main" xmlns="" Requires="p14">
+    <mc:Choice xmlns="" xmlns:p14="http://schemas.microsoft.com/office/powerpoint/2010/main" Requires="p14">
       <p:transition spd="slow" p14:dur="2000"/>
     </mc:Choice>
     <mc:Fallback>
@@ -46867,18 +47374,7 @@
                 <a:ea typeface="+mj-ea"/>
                 <a:cs typeface="+mj-cs"/>
               </a:rPr>
-              <a:t> </a:t>
-            </a:r>
-            <a:r>
-              <a:rPr lang="en-US" sz="3000" dirty="0" smtClean="0">
-                <a:solidFill>
-                  <a:schemeClr val="tx2"/>
-                </a:solidFill>
-                <a:latin typeface="Arial" pitchFamily="34" charset="0"/>
-                <a:ea typeface="+mj-ea"/>
-                <a:cs typeface="+mj-cs"/>
-              </a:rPr>
-              <a:t>packaging</a:t>
+              <a:t> packaging</a:t>
             </a:r>
           </a:p>
           <a:p>
@@ -46914,24 +47410,7 @@
                 <a:ea typeface="+mj-ea"/>
                 <a:cs typeface="+mj-cs"/>
               </a:rPr>
-              <a:t> </a:t>
-            </a:r>
-            <a:r>
-              <a:rPr kumimoji="0" lang="en-US" sz="3000" b="0" i="0" u="none" strike="noStrike" kern="1200" cap="none" spc="0" normalizeH="0" noProof="0" dirty="0" smtClean="0">
-                <a:ln>
-                  <a:noFill/>
-                </a:ln>
-                <a:solidFill>
-                  <a:schemeClr val="tx2"/>
-                </a:solidFill>
-                <a:effectLst/>
-                <a:uLnTx/>
-                <a:uFillTx/>
-                <a:latin typeface="Arial" pitchFamily="34" charset="0"/>
-                <a:ea typeface="+mj-ea"/>
-                <a:cs typeface="+mj-cs"/>
-              </a:rPr>
-              <a:t>distribution</a:t>
+              <a:t> distribution</a:t>
             </a:r>
           </a:p>
           <a:p>
@@ -47005,18 +47484,7 @@
                 <a:ea typeface="+mj-ea"/>
                 <a:cs typeface="+mj-cs"/>
               </a:rPr>
-              <a:t> </a:t>
-            </a:r>
-            <a:r>
-              <a:rPr lang="en-US" sz="3000" dirty="0" smtClean="0">
-                <a:solidFill>
-                  <a:schemeClr val="tx2"/>
-                </a:solidFill>
-                <a:latin typeface="Arial" pitchFamily="34" charset="0"/>
-                <a:ea typeface="+mj-ea"/>
-                <a:cs typeface="+mj-cs"/>
-              </a:rPr>
-              <a:t>updates</a:t>
+              <a:t> updates</a:t>
             </a:r>
             <a:endParaRPr kumimoji="0" lang="en-US" sz="3000" b="0" i="0" u="none" strike="noStrike" kern="1200" cap="none" spc="0" normalizeH="0" baseline="0" noProof="0" dirty="0" smtClean="0">
               <a:ln>
@@ -47038,7 +47506,7 @@
     </p:spTree>
     <p:extLst>
       <p:ext uri="{BB962C8B-B14F-4D97-AF65-F5344CB8AC3E}">
-        <p14:creationId xmlns:p14="http://schemas.microsoft.com/office/powerpoint/2010/main" xmlns="" val="1362647605"/>
+        <p14:creationId xmlns="" xmlns:p14="http://schemas.microsoft.com/office/powerpoint/2010/main" val="1362647605"/>
       </p:ext>
     </p:extLst>
   </p:cSld>
@@ -47046,7 +47514,7 @@
     <a:masterClrMapping/>
   </p:clrMapOvr>
   <mc:AlternateContent xmlns:mc="http://schemas.openxmlformats.org/markup-compatibility/2006">
-    <mc:Choice xmlns:p14="http://schemas.microsoft.com/office/powerpoint/2010/main" xmlns="" Requires="p14">
+    <mc:Choice xmlns="" xmlns:p14="http://schemas.microsoft.com/office/powerpoint/2010/main" Requires="p14">
       <p:transition spd="slow" p14:dur="2000"/>
     </mc:Choice>
     <mc:Fallback>
@@ -47300,24 +47768,7 @@
                 <a:ea typeface="+mj-ea"/>
                 <a:cs typeface="+mj-cs"/>
               </a:rPr>
-              <a:t> </a:t>
-            </a:r>
-            <a:r>
-              <a:rPr kumimoji="0" lang="en-US" sz="3000" b="0" i="0" u="none" strike="noStrike" kern="1200" cap="none" spc="0" normalizeH="0" noProof="0" dirty="0" smtClean="0">
-                <a:ln>
-                  <a:noFill/>
-                </a:ln>
-                <a:solidFill>
-                  <a:schemeClr val="tx2"/>
-                </a:solidFill>
-                <a:effectLst/>
-                <a:uLnTx/>
-                <a:uFillTx/>
-                <a:latin typeface="Arial" pitchFamily="34" charset="0"/>
-                <a:ea typeface="+mj-ea"/>
-                <a:cs typeface="+mj-cs"/>
-              </a:rPr>
-              <a:t>button</a:t>
+              <a:t> button</a:t>
             </a:r>
             <a:endParaRPr kumimoji="0" lang="en-US" sz="3000" b="0" i="0" u="none" strike="noStrike" kern="1200" cap="none" spc="0" normalizeH="0" baseline="0" noProof="0" dirty="0" smtClean="0">
               <a:ln>
@@ -47339,7 +47790,7 @@
     </p:spTree>
     <p:extLst>
       <p:ext uri="{BB962C8B-B14F-4D97-AF65-F5344CB8AC3E}">
-        <p14:creationId xmlns:p14="http://schemas.microsoft.com/office/powerpoint/2010/main" xmlns="" val="1362647605"/>
+        <p14:creationId xmlns="" xmlns:p14="http://schemas.microsoft.com/office/powerpoint/2010/main" val="1362647605"/>
       </p:ext>
     </p:extLst>
   </p:cSld>
@@ -47347,7 +47798,7 @@
     <a:masterClrMapping/>
   </p:clrMapOvr>
   <mc:AlternateContent xmlns:mc="http://schemas.openxmlformats.org/markup-compatibility/2006">
-    <mc:Choice xmlns:p14="http://schemas.microsoft.com/office/powerpoint/2010/main" xmlns="" Requires="p14">
+    <mc:Choice xmlns="" xmlns:p14="http://schemas.microsoft.com/office/powerpoint/2010/main" Requires="p14">
       <p:transition spd="slow" p14:dur="2000"/>
     </mc:Choice>
     <mc:Fallback>
@@ -47505,7 +47956,7 @@
     </p:spTree>
     <p:extLst>
       <p:ext uri="{BB962C8B-B14F-4D97-AF65-F5344CB8AC3E}">
-        <p14:creationId xmlns:p14="http://schemas.microsoft.com/office/powerpoint/2010/main" xmlns="" val="1419182396"/>
+        <p14:creationId xmlns="" xmlns:p14="http://schemas.microsoft.com/office/powerpoint/2010/main" val="1419182396"/>
       </p:ext>
     </p:extLst>
   </p:cSld>
@@ -48525,9 +48976,12 @@
 </file>
 
 <file path=customXml/item1.xml><?xml version="1.0" encoding="utf-8"?>
-<p:properties xmlns:p="http://schemas.microsoft.com/office/2006/metadata/properties" xmlns:xsi="http://www.w3.org/2001/XMLSchema-instance" xmlns:pc="http://schemas.microsoft.com/office/infopath/2007/PartnerControls">
-  <documentManagement/>
-</p:properties>
+<?mso-contentType ?>
+<FormTemplates xmlns="http://schemas.microsoft.com/sharepoint/v3/contenttype/forms">
+  <Display>DocumentLibraryForm</Display>
+  <Edit>DocumentLibraryForm</Edit>
+  <New>DocumentLibraryForm</New>
+</FormTemplates>
 </file>
 
 <file path=customXml/item2.xml><?xml version="1.0" encoding="utf-8"?>
@@ -48580,25 +49034,15 @@
 </file>
 
 <file path=customXml/item3.xml><?xml version="1.0" encoding="utf-8"?>
-<?mso-contentType ?>
-<FormTemplates xmlns="http://schemas.microsoft.com/sharepoint/v3/contenttype/forms">
-  <Display>DocumentLibraryForm</Display>
-  <Edit>DocumentLibraryForm</Edit>
-  <New>DocumentLibraryForm</New>
-</FormTemplates>
+<p:properties xmlns:p="http://schemas.microsoft.com/office/2006/metadata/properties" xmlns:xsi="http://www.w3.org/2001/XMLSchema-instance" xmlns:pc="http://schemas.microsoft.com/office/infopath/2007/PartnerControls">
+  <documentManagement/>
+</p:properties>
 </file>
 
 <file path=customXml/itemProps1.xml><?xml version="1.0" encoding="utf-8"?>
-<ds:datastoreItem xmlns:ds="http://schemas.openxmlformats.org/officeDocument/2006/customXml" ds:itemID="{F346CD18-12AD-4AEC-8965-62D46F5CB212}">
+<ds:datastoreItem xmlns:ds="http://schemas.openxmlformats.org/officeDocument/2006/customXml" ds:itemID="{ADA5D674-9920-4D2F-B065-BC24FD29F86D}">
   <ds:schemaRefs>
-    <ds:schemaRef ds:uri="http://purl.org/dc/terms/"/>
-    <ds:schemaRef ds:uri="http://schemas.microsoft.com/office/2006/documentManagement/types"/>
-    <ds:schemaRef ds:uri="http://purl.org/dc/elements/1.1/"/>
-    <ds:schemaRef ds:uri="http://purl.org/dc/dcmitype/"/>
-    <ds:schemaRef ds:uri="http://www.w3.org/XML/1998/namespace"/>
-    <ds:schemaRef ds:uri="http://schemas.openxmlformats.org/package/2006/metadata/core-properties"/>
-    <ds:schemaRef ds:uri="http://schemas.microsoft.com/office/2006/metadata/properties"/>
-    <ds:schemaRef ds:uri="http://schemas.microsoft.com/office/infopath/2007/PartnerControls"/>
+    <ds:schemaRef ds:uri="http://schemas.microsoft.com/sharepoint/v3/contenttype/forms"/>
   </ds:schemaRefs>
 </ds:datastoreItem>
 </file>
@@ -48619,9 +49063,16 @@
 </file>
 
 <file path=customXml/itemProps3.xml><?xml version="1.0" encoding="utf-8"?>
-<ds:datastoreItem xmlns:ds="http://schemas.openxmlformats.org/officeDocument/2006/customXml" ds:itemID="{ADA5D674-9920-4D2F-B065-BC24FD29F86D}">
+<ds:datastoreItem xmlns:ds="http://schemas.openxmlformats.org/officeDocument/2006/customXml" ds:itemID="{F346CD18-12AD-4AEC-8965-62D46F5CB212}">
   <ds:schemaRefs>
-    <ds:schemaRef ds:uri="http://schemas.microsoft.com/sharepoint/v3/contenttype/forms"/>
+    <ds:schemaRef ds:uri="http://purl.org/dc/terms/"/>
+    <ds:schemaRef ds:uri="http://schemas.microsoft.com/office/2006/documentManagement/types"/>
+    <ds:schemaRef ds:uri="http://purl.org/dc/elements/1.1/"/>
+    <ds:schemaRef ds:uri="http://purl.org/dc/dcmitype/"/>
+    <ds:schemaRef ds:uri="http://www.w3.org/XML/1998/namespace"/>
+    <ds:schemaRef ds:uri="http://schemas.openxmlformats.org/package/2006/metadata/core-properties"/>
+    <ds:schemaRef ds:uri="http://schemas.microsoft.com/office/2006/metadata/properties"/>
+    <ds:schemaRef ds:uri="http://schemas.microsoft.com/office/infopath/2007/PartnerControls"/>
   </ds:schemaRefs>
 </ds:datastoreItem>
 </file>
--- a/JavaFX meetup juli 2016.pptx
+++ b/JavaFX meetup juli 2016.pptx
@@ -5,21 +5,22 @@
     <p:sldMasterId id="2147483648" r:id="rId4"/>
   </p:sldMasterIdLst>
   <p:notesMasterIdLst>
-    <p:notesMasterId r:id="rId14"/>
+    <p:notesMasterId r:id="rId15"/>
   </p:notesMasterIdLst>
   <p:handoutMasterIdLst>
-    <p:handoutMasterId r:id="rId15"/>
+    <p:handoutMasterId r:id="rId16"/>
   </p:handoutMasterIdLst>
   <p:sldIdLst>
     <p:sldId id="461" r:id="rId5"/>
     <p:sldId id="639" r:id="rId6"/>
     <p:sldId id="872" r:id="rId7"/>
     <p:sldId id="873" r:id="rId8"/>
-    <p:sldId id="874" r:id="rId9"/>
-    <p:sldId id="875" r:id="rId10"/>
-    <p:sldId id="876" r:id="rId11"/>
-    <p:sldId id="734" r:id="rId12"/>
-    <p:sldId id="364" r:id="rId13"/>
+    <p:sldId id="877" r:id="rId9"/>
+    <p:sldId id="874" r:id="rId10"/>
+    <p:sldId id="875" r:id="rId11"/>
+    <p:sldId id="876" r:id="rId12"/>
+    <p:sldId id="734" r:id="rId13"/>
+    <p:sldId id="364" r:id="rId14"/>
   </p:sldIdLst>
   <p:sldSz cx="9144000" cy="6858000" type="screen4x3"/>
   <p:notesSz cx="6810375" cy="9942513"/>
@@ -819,7 +820,7 @@
             <a:fld id="{20B9C825-F38E-45BB-92C1-043DE61C9183}" type="slidenum">
               <a:rPr lang="en-US" smtClean="0"/>
               <a:pPr/>
-              <a:t>9</a:t>
+              <a:t>10</a:t>
             </a:fld>
             <a:endParaRPr lang="en-US" dirty="0"/>
           </a:p>
@@ -45025,6 +45026,78 @@
 </p:sld>
 </file>
 
+<file path=ppt/slides/slide10.xml><?xml version="1.0" encoding="utf-8"?>
+<p:sld xmlns:a="http://schemas.openxmlformats.org/drawingml/2006/main" xmlns:r="http://schemas.openxmlformats.org/officeDocument/2006/relationships" xmlns:p="http://schemas.openxmlformats.org/presentationml/2006/main">
+  <p:cSld>
+    <p:spTree>
+      <p:nvGrpSpPr>
+        <p:cNvPr id="1" name=""/>
+        <p:cNvGrpSpPr/>
+        <p:nvPr/>
+      </p:nvGrpSpPr>
+      <p:grpSpPr>
+        <a:xfrm>
+          <a:off x="0" y="0"/>
+          <a:ext cx="0" cy="0"/>
+          <a:chOff x="0" y="0"/>
+          <a:chExt cx="0" cy="0"/>
+        </a:xfrm>
+      </p:grpSpPr>
+      <p:sp>
+        <p:nvSpPr>
+          <p:cNvPr id="2" name="Title 1"/>
+          <p:cNvSpPr>
+            <a:spLocks noGrp="1"/>
+          </p:cNvSpPr>
+          <p:nvPr>
+            <p:ph type="ctrTitle"/>
+          </p:nvPr>
+        </p:nvSpPr>
+        <p:spPr/>
+        <p:txBody>
+          <a:bodyPr>
+            <a:normAutofit fontScale="90000"/>
+          </a:bodyPr>
+          <a:lstStyle/>
+          <a:p>
+            <a:r>
+              <a:rPr lang="en-US" dirty="0" smtClean="0"/>
+              <a:t>Our commitment to you</a:t>
+            </a:r>
+            <a:br>
+              <a:rPr lang="en-US" dirty="0" smtClean="0"/>
+            </a:br>
+            <a:r>
+              <a:rPr lang="en-US" sz="2800" dirty="0" smtClean="0">
+                <a:solidFill>
+                  <a:schemeClr val="tx1"/>
+                </a:solidFill>
+              </a:rPr>
+              <a:t>We approach every engagement with one objective in mind: to help clients succeed</a:t>
+            </a:r>
+            <a:endParaRPr lang="en-US" sz="2800" dirty="0">
+              <a:solidFill>
+                <a:schemeClr val="tx1"/>
+              </a:solidFill>
+            </a:endParaRPr>
+          </a:p>
+        </p:txBody>
+      </p:sp>
+    </p:spTree>
+  </p:cSld>
+  <p:clrMapOvr>
+    <a:masterClrMapping/>
+  </p:clrMapOvr>
+  <p:timing>
+    <p:tnLst>
+      <p:par>
+        <p:cTn id="1" dur="indefinite" restart="never" nodeType="tmRoot"/>
+      </p:par>
+    </p:tnLst>
+  </p:timing>
+</p:sld>
+</file>
+
 <file path=ppt/slides/slide2.xml><?xml version="1.0" encoding="utf-8"?>
 <p:sld xmlns:a="http://schemas.openxmlformats.org/drawingml/2006/main" xmlns:r="http://schemas.openxmlformats.org/officeDocument/2006/relationships" xmlns:p="http://schemas.openxmlformats.org/presentationml/2006/main">
   <p:cSld>
@@ -45258,6 +45331,74 @@
                 </a:gradFill>
               </a:rPr>
               <a:t>Overzicht</a:t>
+            </a:r>
+            <a:endParaRPr lang="de-DE" b="1" dirty="0" smtClean="0">
+              <a:gradFill>
+                <a:gsLst>
+                  <a:gs pos="0">
+                    <a:srgbClr val="FF6A00"/>
+                  </a:gs>
+                  <a:gs pos="50000">
+                    <a:srgbClr val="E31937"/>
+                  </a:gs>
+                  <a:gs pos="100000">
+                    <a:srgbClr val="991F3D"/>
+                  </a:gs>
+                </a:gsLst>
+                <a:lin ang="0" scaled="1"/>
+              </a:gradFill>
+            </a:endParaRPr>
+          </a:p>
+          <a:p>
+            <a:pPr>
+              <a:spcBef>
+                <a:spcPts val="1200"/>
+              </a:spcBef>
+              <a:buClr>
+                <a:srgbClr val="E31937"/>
+              </a:buClr>
+              <a:buSzPct val="110000"/>
+              <a:buFont typeface="Arial" pitchFamily="34" charset="0"/>
+              <a:buChar char="•"/>
+              <a:defRPr/>
+            </a:pPr>
+            <a:r>
+              <a:rPr lang="de-DE" b="1" dirty="0" smtClean="0">
+                <a:gradFill>
+                  <a:gsLst>
+                    <a:gs pos="0">
+                      <a:srgbClr val="FF6A00"/>
+                    </a:gs>
+                    <a:gs pos="50000">
+                      <a:srgbClr val="E31937"/>
+                    </a:gs>
+                    <a:gs pos="100000">
+                      <a:srgbClr val="991F3D"/>
+                    </a:gs>
+                  </a:gsLst>
+                  <a:lin ang="0" scaled="1"/>
+                </a:gradFill>
+              </a:rPr>
+              <a:t> </a:t>
+            </a:r>
+            <a:r>
+              <a:rPr lang="de-DE" b="1" dirty="0" err="1" smtClean="0">
+                <a:gradFill>
+                  <a:gsLst>
+                    <a:gs pos="0">
+                      <a:srgbClr val="FF6A00"/>
+                    </a:gs>
+                    <a:gs pos="50000">
+                      <a:srgbClr val="E31937"/>
+                    </a:gs>
+                    <a:gs pos="100000">
+                      <a:srgbClr val="991F3D"/>
+                    </a:gs>
+                  </a:gsLst>
+                  <a:lin ang="0" scaled="1"/>
+                </a:gradFill>
+              </a:rPr>
+              <a:t>customization</a:t>
             </a:r>
             <a:endParaRPr lang="de-DE" b="1" dirty="0" smtClean="0">
               <a:gradFill>
@@ -46456,6 +46597,1692 @@
           <a:lstStyle/>
           <a:p>
             <a:r>
+              <a:rPr lang="nl-NL" dirty="0" err="1" smtClean="0"/>
+              <a:t>Customization</a:t>
+            </a:r>
+            <a:endParaRPr lang="nl-NL" dirty="0"/>
+          </a:p>
+        </p:txBody>
+      </p:sp>
+      <p:sp>
+        <p:nvSpPr>
+          <p:cNvPr id="4" name="Slide Number Placeholder 3"/>
+          <p:cNvSpPr>
+            <a:spLocks noGrp="1"/>
+          </p:cNvSpPr>
+          <p:nvPr>
+            <p:ph type="sldNum" sz="quarter" idx="12"/>
+          </p:nvPr>
+        </p:nvSpPr>
+        <p:spPr/>
+        <p:txBody>
+          <a:bodyPr/>
+          <a:lstStyle/>
+          <a:p>
+            <a:fld id="{525A3C56-E491-49B2-93F3-63532DF516BC}" type="slidenum">
+              <a:rPr lang="en-US"/>
+              <a:pPr/>
+              <a:t>4</a:t>
+            </a:fld>
+            <a:endParaRPr lang="en-US"/>
+          </a:p>
+        </p:txBody>
+      </p:sp>
+      <p:sp>
+        <p:nvSpPr>
+          <p:cNvPr id="6" name="Title 1"/>
+          <p:cNvSpPr txBox="1">
+            <a:spLocks/>
+          </p:cNvSpPr>
+          <p:nvPr/>
+        </p:nvSpPr>
+        <p:spPr>
+          <a:xfrm>
+            <a:off x="457200" y="990600"/>
+            <a:ext cx="8458200" cy="5105400"/>
+          </a:xfrm>
+          <a:prstGeom prst="rect">
+            <a:avLst/>
+          </a:prstGeom>
+        </p:spPr>
+        <p:txBody>
+          <a:bodyPr vert="horz" lIns="0" tIns="0" rIns="0" bIns="0" rtlCol="0" anchor="t" anchorCtr="0">
+            <a:normAutofit fontScale="85000" lnSpcReduction="20000"/>
+          </a:bodyPr>
+          <a:lstStyle/>
+          <a:p>
+            <a:pPr lvl="0">
+              <a:spcBef>
+                <a:spcPct val="0"/>
+              </a:spcBef>
+              <a:defRPr/>
+            </a:pPr>
+            <a:r>
+              <a:rPr lang="en-US" sz="1400" dirty="0" smtClean="0">
+                <a:solidFill>
+                  <a:schemeClr val="tx2"/>
+                </a:solidFill>
+                <a:latin typeface="Courier New" pitchFamily="49" charset="0"/>
+                <a:ea typeface="+mj-ea"/>
+                <a:cs typeface="Courier New" pitchFamily="49" charset="0"/>
+              </a:rPr>
+              <a:t>&lt;?import </a:t>
+            </a:r>
+            <a:r>
+              <a:rPr lang="en-US" sz="1400" dirty="0" err="1" smtClean="0">
+                <a:solidFill>
+                  <a:schemeClr val="tx2"/>
+                </a:solidFill>
+                <a:latin typeface="Courier New" pitchFamily="49" charset="0"/>
+                <a:ea typeface="+mj-ea"/>
+                <a:cs typeface="Courier New" pitchFamily="49" charset="0"/>
+              </a:rPr>
+              <a:t>javafx.scene</a:t>
+            </a:r>
+            <a:r>
+              <a:rPr lang="en-US" sz="1400" dirty="0" smtClean="0">
+                <a:solidFill>
+                  <a:schemeClr val="tx2"/>
+                </a:solidFill>
+                <a:latin typeface="Courier New" pitchFamily="49" charset="0"/>
+                <a:ea typeface="+mj-ea"/>
+                <a:cs typeface="Courier New" pitchFamily="49" charset="0"/>
+              </a:rPr>
+              <a:t>.*?&gt;</a:t>
+            </a:r>
+          </a:p>
+          <a:p>
+            <a:pPr lvl="0">
+              <a:spcBef>
+                <a:spcPct val="0"/>
+              </a:spcBef>
+              <a:defRPr/>
+            </a:pPr>
+            <a:r>
+              <a:rPr lang="en-US" sz="1400" dirty="0" smtClean="0">
+                <a:solidFill>
+                  <a:schemeClr val="tx2"/>
+                </a:solidFill>
+                <a:latin typeface="Courier New" pitchFamily="49" charset="0"/>
+                <a:ea typeface="+mj-ea"/>
+                <a:cs typeface="Courier New" pitchFamily="49" charset="0"/>
+              </a:rPr>
+              <a:t>&lt;?import </a:t>
+            </a:r>
+            <a:r>
+              <a:rPr lang="en-US" sz="1400" dirty="0" err="1" smtClean="0">
+                <a:solidFill>
+                  <a:schemeClr val="tx2"/>
+                </a:solidFill>
+                <a:latin typeface="Courier New" pitchFamily="49" charset="0"/>
+                <a:ea typeface="+mj-ea"/>
+                <a:cs typeface="Courier New" pitchFamily="49" charset="0"/>
+              </a:rPr>
+              <a:t>javafx.scene.control</a:t>
+            </a:r>
+            <a:r>
+              <a:rPr lang="en-US" sz="1400" dirty="0" smtClean="0">
+                <a:solidFill>
+                  <a:schemeClr val="tx2"/>
+                </a:solidFill>
+                <a:latin typeface="Courier New" pitchFamily="49" charset="0"/>
+                <a:ea typeface="+mj-ea"/>
+                <a:cs typeface="Courier New" pitchFamily="49" charset="0"/>
+              </a:rPr>
+              <a:t>.*?&gt;</a:t>
+            </a:r>
+          </a:p>
+          <a:p>
+            <a:pPr lvl="0">
+              <a:spcBef>
+                <a:spcPct val="0"/>
+              </a:spcBef>
+              <a:defRPr/>
+            </a:pPr>
+            <a:r>
+              <a:rPr lang="en-US" sz="1400" dirty="0" smtClean="0">
+                <a:solidFill>
+                  <a:schemeClr val="tx2"/>
+                </a:solidFill>
+                <a:latin typeface="Courier New" pitchFamily="49" charset="0"/>
+                <a:ea typeface="+mj-ea"/>
+                <a:cs typeface="Courier New" pitchFamily="49" charset="0"/>
+              </a:rPr>
+              <a:t>&lt;?import </a:t>
+            </a:r>
+            <a:r>
+              <a:rPr lang="en-US" sz="1400" dirty="0" err="1" smtClean="0">
+                <a:solidFill>
+                  <a:schemeClr val="tx2"/>
+                </a:solidFill>
+                <a:latin typeface="Courier New" pitchFamily="49" charset="0"/>
+                <a:ea typeface="+mj-ea"/>
+                <a:cs typeface="Courier New" pitchFamily="49" charset="0"/>
+              </a:rPr>
+              <a:t>javafx.scene.layout</a:t>
+            </a:r>
+            <a:r>
+              <a:rPr lang="en-US" sz="1400" dirty="0" smtClean="0">
+                <a:solidFill>
+                  <a:schemeClr val="tx2"/>
+                </a:solidFill>
+                <a:latin typeface="Courier New" pitchFamily="49" charset="0"/>
+                <a:ea typeface="+mj-ea"/>
+                <a:cs typeface="Courier New" pitchFamily="49" charset="0"/>
+              </a:rPr>
+              <a:t>.*?&gt;</a:t>
+            </a:r>
+          </a:p>
+          <a:p>
+            <a:pPr lvl="0">
+              <a:spcBef>
+                <a:spcPct val="0"/>
+              </a:spcBef>
+              <a:defRPr/>
+            </a:pPr>
+            <a:endParaRPr lang="en-US" sz="1400" dirty="0" smtClean="0">
+              <a:solidFill>
+                <a:schemeClr val="tx2"/>
+              </a:solidFill>
+              <a:latin typeface="Courier New" pitchFamily="49" charset="0"/>
+              <a:ea typeface="+mj-ea"/>
+              <a:cs typeface="Courier New" pitchFamily="49" charset="0"/>
+            </a:endParaRPr>
+          </a:p>
+          <a:p>
+            <a:pPr lvl="0">
+              <a:spcBef>
+                <a:spcPct val="0"/>
+              </a:spcBef>
+              <a:defRPr/>
+            </a:pPr>
+            <a:r>
+              <a:rPr lang="en-US" sz="1400" dirty="0" smtClean="0">
+                <a:solidFill>
+                  <a:schemeClr val="tx2"/>
+                </a:solidFill>
+                <a:latin typeface="Courier New" pitchFamily="49" charset="0"/>
+                <a:ea typeface="+mj-ea"/>
+                <a:cs typeface="Courier New" pitchFamily="49" charset="0"/>
+              </a:rPr>
+              <a:t>&lt;</a:t>
+            </a:r>
+            <a:r>
+              <a:rPr lang="en-US" sz="1400" dirty="0" err="1" smtClean="0">
+                <a:solidFill>
+                  <a:schemeClr val="tx2"/>
+                </a:solidFill>
+                <a:latin typeface="Courier New" pitchFamily="49" charset="0"/>
+                <a:ea typeface="+mj-ea"/>
+                <a:cs typeface="Courier New" pitchFamily="49" charset="0"/>
+              </a:rPr>
+              <a:t>fx:root</a:t>
+            </a:r>
+            <a:r>
+              <a:rPr lang="en-US" sz="1400" dirty="0" smtClean="0">
+                <a:solidFill>
+                  <a:schemeClr val="tx2"/>
+                </a:solidFill>
+                <a:latin typeface="Courier New" pitchFamily="49" charset="0"/>
+                <a:ea typeface="+mj-ea"/>
+                <a:cs typeface="Courier New" pitchFamily="49" charset="0"/>
+              </a:rPr>
+              <a:t> type="</a:t>
+            </a:r>
+            <a:r>
+              <a:rPr lang="en-US" sz="1400" dirty="0" err="1" smtClean="0">
+                <a:solidFill>
+                  <a:schemeClr val="tx2"/>
+                </a:solidFill>
+                <a:latin typeface="Courier New" pitchFamily="49" charset="0"/>
+                <a:ea typeface="+mj-ea"/>
+                <a:cs typeface="Courier New" pitchFamily="49" charset="0"/>
+              </a:rPr>
+              <a:t>javafx.scene.layout.VBox</a:t>
+            </a:r>
+            <a:r>
+              <a:rPr lang="en-US" sz="1400" dirty="0" smtClean="0">
+                <a:solidFill>
+                  <a:schemeClr val="tx2"/>
+                </a:solidFill>
+                <a:latin typeface="Courier New" pitchFamily="49" charset="0"/>
+                <a:ea typeface="+mj-ea"/>
+                <a:cs typeface="Courier New" pitchFamily="49" charset="0"/>
+              </a:rPr>
+              <a:t>" </a:t>
+            </a:r>
+            <a:r>
+              <a:rPr lang="en-US" sz="1400" dirty="0" err="1" smtClean="0">
+                <a:solidFill>
+                  <a:schemeClr val="tx2"/>
+                </a:solidFill>
+                <a:latin typeface="Courier New" pitchFamily="49" charset="0"/>
+                <a:ea typeface="+mj-ea"/>
+                <a:cs typeface="Courier New" pitchFamily="49" charset="0"/>
+              </a:rPr>
+              <a:t>xmlns:fx</a:t>
+            </a:r>
+            <a:r>
+              <a:rPr lang="en-US" sz="1400" dirty="0" smtClean="0">
+                <a:solidFill>
+                  <a:schemeClr val="tx2"/>
+                </a:solidFill>
+                <a:latin typeface="Courier New" pitchFamily="49" charset="0"/>
+                <a:ea typeface="+mj-ea"/>
+                <a:cs typeface="Courier New" pitchFamily="49" charset="0"/>
+              </a:rPr>
+              <a:t>="http://javafx.com/fxml"&gt;</a:t>
+            </a:r>
+          </a:p>
+          <a:p>
+            <a:pPr lvl="0">
+              <a:spcBef>
+                <a:spcPct val="0"/>
+              </a:spcBef>
+              <a:defRPr/>
+            </a:pPr>
+            <a:r>
+              <a:rPr lang="en-US" sz="1400" dirty="0" smtClean="0">
+                <a:solidFill>
+                  <a:schemeClr val="tx2"/>
+                </a:solidFill>
+                <a:latin typeface="Courier New" pitchFamily="49" charset="0"/>
+                <a:ea typeface="+mj-ea"/>
+                <a:cs typeface="Courier New" pitchFamily="49" charset="0"/>
+              </a:rPr>
+              <a:t>    &lt;</a:t>
+            </a:r>
+            <a:r>
+              <a:rPr lang="en-US" sz="1400" dirty="0" err="1" smtClean="0">
+                <a:solidFill>
+                  <a:schemeClr val="tx2"/>
+                </a:solidFill>
+                <a:latin typeface="Courier New" pitchFamily="49" charset="0"/>
+                <a:ea typeface="+mj-ea"/>
+                <a:cs typeface="Courier New" pitchFamily="49" charset="0"/>
+              </a:rPr>
+              <a:t>TextField</a:t>
+            </a:r>
+            <a:r>
+              <a:rPr lang="en-US" sz="1400" dirty="0" smtClean="0">
+                <a:solidFill>
+                  <a:schemeClr val="tx2"/>
+                </a:solidFill>
+                <a:latin typeface="Courier New" pitchFamily="49" charset="0"/>
+                <a:ea typeface="+mj-ea"/>
+                <a:cs typeface="Courier New" pitchFamily="49" charset="0"/>
+              </a:rPr>
+              <a:t> </a:t>
+            </a:r>
+            <a:r>
+              <a:rPr lang="en-US" sz="1400" dirty="0" err="1" smtClean="0">
+                <a:solidFill>
+                  <a:schemeClr val="tx2"/>
+                </a:solidFill>
+                <a:latin typeface="Courier New" pitchFamily="49" charset="0"/>
+                <a:ea typeface="+mj-ea"/>
+                <a:cs typeface="Courier New" pitchFamily="49" charset="0"/>
+              </a:rPr>
+              <a:t>fx:id</a:t>
+            </a:r>
+            <a:r>
+              <a:rPr lang="en-US" sz="1400" dirty="0" smtClean="0">
+                <a:solidFill>
+                  <a:schemeClr val="tx2"/>
+                </a:solidFill>
+                <a:latin typeface="Courier New" pitchFamily="49" charset="0"/>
+                <a:ea typeface="+mj-ea"/>
+                <a:cs typeface="Courier New" pitchFamily="49" charset="0"/>
+              </a:rPr>
+              <a:t>="</a:t>
+            </a:r>
+            <a:r>
+              <a:rPr lang="en-US" sz="1400" dirty="0" err="1" smtClean="0">
+                <a:solidFill>
+                  <a:schemeClr val="tx2"/>
+                </a:solidFill>
+                <a:latin typeface="Courier New" pitchFamily="49" charset="0"/>
+                <a:ea typeface="+mj-ea"/>
+                <a:cs typeface="Courier New" pitchFamily="49" charset="0"/>
+              </a:rPr>
+              <a:t>textField</a:t>
+            </a:r>
+            <a:r>
+              <a:rPr lang="en-US" sz="1400" dirty="0" smtClean="0">
+                <a:solidFill>
+                  <a:schemeClr val="tx2"/>
+                </a:solidFill>
+                <a:latin typeface="Courier New" pitchFamily="49" charset="0"/>
+                <a:ea typeface="+mj-ea"/>
+                <a:cs typeface="Courier New" pitchFamily="49" charset="0"/>
+              </a:rPr>
+              <a:t>"/&gt;</a:t>
+            </a:r>
+          </a:p>
+          <a:p>
+            <a:pPr lvl="0">
+              <a:spcBef>
+                <a:spcPct val="0"/>
+              </a:spcBef>
+              <a:defRPr/>
+            </a:pPr>
+            <a:r>
+              <a:rPr lang="en-US" sz="1400" dirty="0" smtClean="0">
+                <a:solidFill>
+                  <a:schemeClr val="tx2"/>
+                </a:solidFill>
+                <a:latin typeface="Courier New" pitchFamily="49" charset="0"/>
+                <a:ea typeface="+mj-ea"/>
+                <a:cs typeface="Courier New" pitchFamily="49" charset="0"/>
+              </a:rPr>
+              <a:t>    &lt;Button text="Click Me" </a:t>
+            </a:r>
+            <a:r>
+              <a:rPr lang="en-US" sz="1400" dirty="0" err="1" smtClean="0">
+                <a:solidFill>
+                  <a:schemeClr val="tx2"/>
+                </a:solidFill>
+                <a:latin typeface="Courier New" pitchFamily="49" charset="0"/>
+                <a:ea typeface="+mj-ea"/>
+                <a:cs typeface="Courier New" pitchFamily="49" charset="0"/>
+              </a:rPr>
+              <a:t>onAction</a:t>
+            </a:r>
+            <a:r>
+              <a:rPr lang="en-US" sz="1400" dirty="0" smtClean="0">
+                <a:solidFill>
+                  <a:schemeClr val="tx2"/>
+                </a:solidFill>
+                <a:latin typeface="Courier New" pitchFamily="49" charset="0"/>
+                <a:ea typeface="+mj-ea"/>
+                <a:cs typeface="Courier New" pitchFamily="49" charset="0"/>
+              </a:rPr>
+              <a:t>="#</a:t>
+            </a:r>
+            <a:r>
+              <a:rPr lang="en-US" sz="1400" dirty="0" err="1" smtClean="0">
+                <a:solidFill>
+                  <a:schemeClr val="tx2"/>
+                </a:solidFill>
+                <a:latin typeface="Courier New" pitchFamily="49" charset="0"/>
+                <a:ea typeface="+mj-ea"/>
+                <a:cs typeface="Courier New" pitchFamily="49" charset="0"/>
+              </a:rPr>
+              <a:t>doSomething</a:t>
+            </a:r>
+            <a:r>
+              <a:rPr lang="en-US" sz="1400" dirty="0" smtClean="0">
+                <a:solidFill>
+                  <a:schemeClr val="tx2"/>
+                </a:solidFill>
+                <a:latin typeface="Courier New" pitchFamily="49" charset="0"/>
+                <a:ea typeface="+mj-ea"/>
+                <a:cs typeface="Courier New" pitchFamily="49" charset="0"/>
+              </a:rPr>
+              <a:t>"/&gt;</a:t>
+            </a:r>
+          </a:p>
+          <a:p>
+            <a:pPr lvl="0">
+              <a:spcBef>
+                <a:spcPct val="0"/>
+              </a:spcBef>
+              <a:defRPr/>
+            </a:pPr>
+            <a:r>
+              <a:rPr lang="en-US" sz="1400" dirty="0" smtClean="0">
+                <a:solidFill>
+                  <a:schemeClr val="tx2"/>
+                </a:solidFill>
+                <a:latin typeface="Courier New" pitchFamily="49" charset="0"/>
+                <a:ea typeface="+mj-ea"/>
+                <a:cs typeface="Courier New" pitchFamily="49" charset="0"/>
+              </a:rPr>
+              <a:t>&lt;/</a:t>
+            </a:r>
+            <a:r>
+              <a:rPr lang="en-US" sz="1400" dirty="0" err="1" smtClean="0">
+                <a:solidFill>
+                  <a:schemeClr val="tx2"/>
+                </a:solidFill>
+                <a:latin typeface="Courier New" pitchFamily="49" charset="0"/>
+                <a:ea typeface="+mj-ea"/>
+                <a:cs typeface="Courier New" pitchFamily="49" charset="0"/>
+              </a:rPr>
+              <a:t>fx:root</a:t>
+            </a:r>
+            <a:r>
+              <a:rPr lang="en-US" sz="1400" dirty="0" smtClean="0">
+                <a:solidFill>
+                  <a:schemeClr val="tx2"/>
+                </a:solidFill>
+                <a:latin typeface="Courier New" pitchFamily="49" charset="0"/>
+                <a:ea typeface="+mj-ea"/>
+                <a:cs typeface="Courier New" pitchFamily="49" charset="0"/>
+              </a:rPr>
+              <a:t>&gt;</a:t>
+            </a:r>
+          </a:p>
+          <a:p>
+            <a:pPr lvl="0">
+              <a:spcBef>
+                <a:spcPct val="0"/>
+              </a:spcBef>
+              <a:defRPr/>
+            </a:pPr>
+            <a:endParaRPr kumimoji="0" lang="en-US" sz="1400" b="0" i="0" u="none" strike="noStrike" kern="1200" cap="none" spc="0" normalizeH="0" baseline="0" noProof="0" dirty="0" smtClean="0">
+              <a:ln>
+                <a:noFill/>
+              </a:ln>
+              <a:solidFill>
+                <a:schemeClr val="tx2"/>
+              </a:solidFill>
+              <a:effectLst/>
+              <a:uLnTx/>
+              <a:uFillTx/>
+              <a:latin typeface="Courier New" pitchFamily="49" charset="0"/>
+              <a:ea typeface="+mj-ea"/>
+              <a:cs typeface="Courier New" pitchFamily="49" charset="0"/>
+            </a:endParaRPr>
+          </a:p>
+          <a:p>
+            <a:pPr lvl="0">
+              <a:spcBef>
+                <a:spcPct val="0"/>
+              </a:spcBef>
+              <a:defRPr/>
+            </a:pPr>
+            <a:r>
+              <a:rPr lang="en-US" sz="1400" dirty="0" smtClean="0">
+                <a:solidFill>
+                  <a:schemeClr val="tx2"/>
+                </a:solidFill>
+                <a:latin typeface="Courier New" pitchFamily="49" charset="0"/>
+                <a:ea typeface="+mj-ea"/>
+                <a:cs typeface="Courier New" pitchFamily="49" charset="0"/>
+              </a:rPr>
+              <a:t>public class </a:t>
+            </a:r>
+            <a:r>
+              <a:rPr lang="en-US" sz="1400" dirty="0" err="1" smtClean="0">
+                <a:solidFill>
+                  <a:schemeClr val="tx2"/>
+                </a:solidFill>
+                <a:latin typeface="Courier New" pitchFamily="49" charset="0"/>
+                <a:ea typeface="+mj-ea"/>
+                <a:cs typeface="Courier New" pitchFamily="49" charset="0"/>
+              </a:rPr>
+              <a:t>CustomControl</a:t>
+            </a:r>
+            <a:r>
+              <a:rPr lang="en-US" sz="1400" dirty="0" smtClean="0">
+                <a:solidFill>
+                  <a:schemeClr val="tx2"/>
+                </a:solidFill>
+                <a:latin typeface="Courier New" pitchFamily="49" charset="0"/>
+                <a:ea typeface="+mj-ea"/>
+                <a:cs typeface="Courier New" pitchFamily="49" charset="0"/>
+              </a:rPr>
+              <a:t> extends </a:t>
+            </a:r>
+            <a:r>
+              <a:rPr lang="en-US" sz="1400" dirty="0" err="1" smtClean="0">
+                <a:solidFill>
+                  <a:schemeClr val="tx2"/>
+                </a:solidFill>
+                <a:latin typeface="Courier New" pitchFamily="49" charset="0"/>
+                <a:ea typeface="+mj-ea"/>
+                <a:cs typeface="Courier New" pitchFamily="49" charset="0"/>
+              </a:rPr>
+              <a:t>VBox</a:t>
+            </a:r>
+            <a:r>
+              <a:rPr lang="en-US" sz="1400" dirty="0" smtClean="0">
+                <a:solidFill>
+                  <a:schemeClr val="tx2"/>
+                </a:solidFill>
+                <a:latin typeface="Courier New" pitchFamily="49" charset="0"/>
+                <a:ea typeface="+mj-ea"/>
+                <a:cs typeface="Courier New" pitchFamily="49" charset="0"/>
+              </a:rPr>
+              <a:t> {</a:t>
+            </a:r>
+          </a:p>
+          <a:p>
+            <a:pPr lvl="0">
+              <a:spcBef>
+                <a:spcPct val="0"/>
+              </a:spcBef>
+              <a:defRPr/>
+            </a:pPr>
+            <a:r>
+              <a:rPr lang="en-US" sz="1400" dirty="0" smtClean="0">
+                <a:solidFill>
+                  <a:schemeClr val="tx2"/>
+                </a:solidFill>
+                <a:latin typeface="Courier New" pitchFamily="49" charset="0"/>
+                <a:ea typeface="+mj-ea"/>
+                <a:cs typeface="Courier New" pitchFamily="49" charset="0"/>
+              </a:rPr>
+              <a:t>    @FXML private </a:t>
+            </a:r>
+            <a:r>
+              <a:rPr lang="en-US" sz="1400" dirty="0" err="1" smtClean="0">
+                <a:solidFill>
+                  <a:schemeClr val="tx2"/>
+                </a:solidFill>
+                <a:latin typeface="Courier New" pitchFamily="49" charset="0"/>
+                <a:ea typeface="+mj-ea"/>
+                <a:cs typeface="Courier New" pitchFamily="49" charset="0"/>
+              </a:rPr>
+              <a:t>TextField</a:t>
+            </a:r>
+            <a:r>
+              <a:rPr lang="en-US" sz="1400" dirty="0" smtClean="0">
+                <a:solidFill>
+                  <a:schemeClr val="tx2"/>
+                </a:solidFill>
+                <a:latin typeface="Courier New" pitchFamily="49" charset="0"/>
+                <a:ea typeface="+mj-ea"/>
+                <a:cs typeface="Courier New" pitchFamily="49" charset="0"/>
+              </a:rPr>
+              <a:t> </a:t>
+            </a:r>
+            <a:r>
+              <a:rPr lang="en-US" sz="1400" dirty="0" err="1" smtClean="0">
+                <a:solidFill>
+                  <a:schemeClr val="tx2"/>
+                </a:solidFill>
+                <a:latin typeface="Courier New" pitchFamily="49" charset="0"/>
+                <a:ea typeface="+mj-ea"/>
+                <a:cs typeface="Courier New" pitchFamily="49" charset="0"/>
+              </a:rPr>
+              <a:t>textField</a:t>
+            </a:r>
+            <a:r>
+              <a:rPr lang="en-US" sz="1400" dirty="0" smtClean="0">
+                <a:solidFill>
+                  <a:schemeClr val="tx2"/>
+                </a:solidFill>
+                <a:latin typeface="Courier New" pitchFamily="49" charset="0"/>
+                <a:ea typeface="+mj-ea"/>
+                <a:cs typeface="Courier New" pitchFamily="49" charset="0"/>
+              </a:rPr>
+              <a:t>;</a:t>
+            </a:r>
+          </a:p>
+          <a:p>
+            <a:pPr lvl="0">
+              <a:spcBef>
+                <a:spcPct val="0"/>
+              </a:spcBef>
+              <a:defRPr/>
+            </a:pPr>
+            <a:endParaRPr lang="en-US" sz="1400" dirty="0" smtClean="0">
+              <a:solidFill>
+                <a:schemeClr val="tx2"/>
+              </a:solidFill>
+              <a:latin typeface="Courier New" pitchFamily="49" charset="0"/>
+              <a:ea typeface="+mj-ea"/>
+              <a:cs typeface="Courier New" pitchFamily="49" charset="0"/>
+            </a:endParaRPr>
+          </a:p>
+          <a:p>
+            <a:pPr lvl="0">
+              <a:spcBef>
+                <a:spcPct val="0"/>
+              </a:spcBef>
+              <a:defRPr/>
+            </a:pPr>
+            <a:r>
+              <a:rPr lang="en-US" sz="1400" dirty="0" smtClean="0">
+                <a:solidFill>
+                  <a:schemeClr val="tx2"/>
+                </a:solidFill>
+                <a:latin typeface="Courier New" pitchFamily="49" charset="0"/>
+                <a:ea typeface="+mj-ea"/>
+                <a:cs typeface="Courier New" pitchFamily="49" charset="0"/>
+              </a:rPr>
+              <a:t>    public </a:t>
+            </a:r>
+            <a:r>
+              <a:rPr lang="en-US" sz="1400" dirty="0" err="1" smtClean="0">
+                <a:solidFill>
+                  <a:schemeClr val="tx2"/>
+                </a:solidFill>
+                <a:latin typeface="Courier New" pitchFamily="49" charset="0"/>
+                <a:ea typeface="+mj-ea"/>
+                <a:cs typeface="Courier New" pitchFamily="49" charset="0"/>
+              </a:rPr>
+              <a:t>CustomControl</a:t>
+            </a:r>
+            <a:r>
+              <a:rPr lang="en-US" sz="1400" dirty="0" smtClean="0">
+                <a:solidFill>
+                  <a:schemeClr val="tx2"/>
+                </a:solidFill>
+                <a:latin typeface="Courier New" pitchFamily="49" charset="0"/>
+                <a:ea typeface="+mj-ea"/>
+                <a:cs typeface="Courier New" pitchFamily="49" charset="0"/>
+              </a:rPr>
+              <a:t>() {</a:t>
+            </a:r>
+          </a:p>
+          <a:p>
+            <a:pPr lvl="0">
+              <a:spcBef>
+                <a:spcPct val="0"/>
+              </a:spcBef>
+              <a:defRPr/>
+            </a:pPr>
+            <a:r>
+              <a:rPr lang="en-US" sz="1400" dirty="0" smtClean="0">
+                <a:solidFill>
+                  <a:schemeClr val="tx2"/>
+                </a:solidFill>
+                <a:latin typeface="Courier New" pitchFamily="49" charset="0"/>
+                <a:ea typeface="+mj-ea"/>
+                <a:cs typeface="Courier New" pitchFamily="49" charset="0"/>
+              </a:rPr>
+              <a:t>        </a:t>
+            </a:r>
+            <a:r>
+              <a:rPr lang="en-US" sz="1400" dirty="0" err="1" smtClean="0">
+                <a:solidFill>
+                  <a:schemeClr val="tx2"/>
+                </a:solidFill>
+                <a:latin typeface="Courier New" pitchFamily="49" charset="0"/>
+                <a:ea typeface="+mj-ea"/>
+                <a:cs typeface="Courier New" pitchFamily="49" charset="0"/>
+              </a:rPr>
+              <a:t>FXMLLoader</a:t>
+            </a:r>
+            <a:r>
+              <a:rPr lang="en-US" sz="1400" dirty="0" smtClean="0">
+                <a:solidFill>
+                  <a:schemeClr val="tx2"/>
+                </a:solidFill>
+                <a:latin typeface="Courier New" pitchFamily="49" charset="0"/>
+                <a:ea typeface="+mj-ea"/>
+                <a:cs typeface="Courier New" pitchFamily="49" charset="0"/>
+              </a:rPr>
+              <a:t> </a:t>
+            </a:r>
+            <a:r>
+              <a:rPr lang="en-US" sz="1400" dirty="0" err="1" smtClean="0">
+                <a:solidFill>
+                  <a:schemeClr val="tx2"/>
+                </a:solidFill>
+                <a:latin typeface="Courier New" pitchFamily="49" charset="0"/>
+                <a:ea typeface="+mj-ea"/>
+                <a:cs typeface="Courier New" pitchFamily="49" charset="0"/>
+              </a:rPr>
+              <a:t>fxmlLoader</a:t>
+            </a:r>
+            <a:r>
+              <a:rPr lang="en-US" sz="1400" dirty="0" smtClean="0">
+                <a:solidFill>
+                  <a:schemeClr val="tx2"/>
+                </a:solidFill>
+                <a:latin typeface="Courier New" pitchFamily="49" charset="0"/>
+                <a:ea typeface="+mj-ea"/>
+                <a:cs typeface="Courier New" pitchFamily="49" charset="0"/>
+              </a:rPr>
+              <a:t> = new </a:t>
+            </a:r>
+            <a:r>
+              <a:rPr lang="en-US" sz="1400" dirty="0" err="1" smtClean="0">
+                <a:solidFill>
+                  <a:schemeClr val="tx2"/>
+                </a:solidFill>
+                <a:latin typeface="Courier New" pitchFamily="49" charset="0"/>
+                <a:ea typeface="+mj-ea"/>
+                <a:cs typeface="Courier New" pitchFamily="49" charset="0"/>
+              </a:rPr>
+              <a:t>FXMLLoader</a:t>
+            </a:r>
+            <a:r>
+              <a:rPr lang="en-US" sz="1400" dirty="0" smtClean="0">
+                <a:solidFill>
+                  <a:schemeClr val="tx2"/>
+                </a:solidFill>
+                <a:latin typeface="Courier New" pitchFamily="49" charset="0"/>
+                <a:ea typeface="+mj-ea"/>
+                <a:cs typeface="Courier New" pitchFamily="49" charset="0"/>
+              </a:rPr>
+              <a:t>(</a:t>
+            </a:r>
+            <a:r>
+              <a:rPr lang="en-US" sz="1400" dirty="0" err="1" smtClean="0">
+                <a:solidFill>
+                  <a:schemeClr val="tx2"/>
+                </a:solidFill>
+                <a:latin typeface="Courier New" pitchFamily="49" charset="0"/>
+                <a:ea typeface="+mj-ea"/>
+                <a:cs typeface="Courier New" pitchFamily="49" charset="0"/>
+              </a:rPr>
+              <a:t>getClass</a:t>
+            </a:r>
+            <a:r>
+              <a:rPr lang="en-US" sz="1400" dirty="0" smtClean="0">
+                <a:solidFill>
+                  <a:schemeClr val="tx2"/>
+                </a:solidFill>
+                <a:latin typeface="Courier New" pitchFamily="49" charset="0"/>
+                <a:ea typeface="+mj-ea"/>
+                <a:cs typeface="Courier New" pitchFamily="49" charset="0"/>
+              </a:rPr>
+              <a:t>().</a:t>
+            </a:r>
+            <a:r>
+              <a:rPr lang="en-US" sz="1400" dirty="0" err="1" smtClean="0">
+                <a:solidFill>
+                  <a:schemeClr val="tx2"/>
+                </a:solidFill>
+                <a:latin typeface="Courier New" pitchFamily="49" charset="0"/>
+                <a:ea typeface="+mj-ea"/>
+                <a:cs typeface="Courier New" pitchFamily="49" charset="0"/>
+              </a:rPr>
+              <a:t>getResource</a:t>
+            </a:r>
+            <a:r>
+              <a:rPr lang="en-US" sz="1400" dirty="0" smtClean="0">
+                <a:solidFill>
+                  <a:schemeClr val="tx2"/>
+                </a:solidFill>
+                <a:latin typeface="Courier New" pitchFamily="49" charset="0"/>
+                <a:ea typeface="+mj-ea"/>
+                <a:cs typeface="Courier New" pitchFamily="49" charset="0"/>
+              </a:rPr>
+              <a:t>("</a:t>
+            </a:r>
+            <a:r>
+              <a:rPr lang="en-US" sz="1400" dirty="0" err="1" smtClean="0">
+                <a:solidFill>
+                  <a:schemeClr val="tx2"/>
+                </a:solidFill>
+                <a:latin typeface="Courier New" pitchFamily="49" charset="0"/>
+                <a:ea typeface="+mj-ea"/>
+                <a:cs typeface="Courier New" pitchFamily="49" charset="0"/>
+              </a:rPr>
+              <a:t>custom_control.fxml</a:t>
+            </a:r>
+            <a:r>
+              <a:rPr lang="en-US" sz="1400" dirty="0" smtClean="0">
+                <a:solidFill>
+                  <a:schemeClr val="tx2"/>
+                </a:solidFill>
+                <a:latin typeface="Courier New" pitchFamily="49" charset="0"/>
+                <a:ea typeface="+mj-ea"/>
+                <a:cs typeface="Courier New" pitchFamily="49" charset="0"/>
+              </a:rPr>
+              <a:t>"));</a:t>
+            </a:r>
+          </a:p>
+          <a:p>
+            <a:pPr lvl="0">
+              <a:spcBef>
+                <a:spcPct val="0"/>
+              </a:spcBef>
+              <a:defRPr/>
+            </a:pPr>
+            <a:r>
+              <a:rPr lang="en-US" sz="1400" dirty="0" smtClean="0">
+                <a:solidFill>
+                  <a:schemeClr val="tx2"/>
+                </a:solidFill>
+                <a:latin typeface="Courier New" pitchFamily="49" charset="0"/>
+                <a:ea typeface="+mj-ea"/>
+                <a:cs typeface="Courier New" pitchFamily="49" charset="0"/>
+              </a:rPr>
+              <a:t>        </a:t>
+            </a:r>
+            <a:r>
+              <a:rPr lang="en-US" sz="1400" dirty="0" err="1" smtClean="0">
+                <a:solidFill>
+                  <a:schemeClr val="tx2"/>
+                </a:solidFill>
+                <a:latin typeface="Courier New" pitchFamily="49" charset="0"/>
+                <a:ea typeface="+mj-ea"/>
+                <a:cs typeface="Courier New" pitchFamily="49" charset="0"/>
+              </a:rPr>
+              <a:t>fxmlLoader.setRoot</a:t>
+            </a:r>
+            <a:r>
+              <a:rPr lang="en-US" sz="1400" dirty="0" smtClean="0">
+                <a:solidFill>
+                  <a:schemeClr val="tx2"/>
+                </a:solidFill>
+                <a:latin typeface="Courier New" pitchFamily="49" charset="0"/>
+                <a:ea typeface="+mj-ea"/>
+                <a:cs typeface="Courier New" pitchFamily="49" charset="0"/>
+              </a:rPr>
+              <a:t>(this);</a:t>
+            </a:r>
+          </a:p>
+          <a:p>
+            <a:pPr lvl="0">
+              <a:spcBef>
+                <a:spcPct val="0"/>
+              </a:spcBef>
+              <a:defRPr/>
+            </a:pPr>
+            <a:r>
+              <a:rPr lang="en-US" sz="1400" dirty="0" smtClean="0">
+                <a:solidFill>
+                  <a:schemeClr val="tx2"/>
+                </a:solidFill>
+                <a:latin typeface="Courier New" pitchFamily="49" charset="0"/>
+                <a:ea typeface="+mj-ea"/>
+                <a:cs typeface="Courier New" pitchFamily="49" charset="0"/>
+              </a:rPr>
+              <a:t>        </a:t>
+            </a:r>
+            <a:r>
+              <a:rPr lang="en-US" sz="1400" dirty="0" err="1" smtClean="0">
+                <a:solidFill>
+                  <a:schemeClr val="tx2"/>
+                </a:solidFill>
+                <a:latin typeface="Courier New" pitchFamily="49" charset="0"/>
+                <a:ea typeface="+mj-ea"/>
+                <a:cs typeface="Courier New" pitchFamily="49" charset="0"/>
+              </a:rPr>
+              <a:t>fxmlLoader.setController</a:t>
+            </a:r>
+            <a:r>
+              <a:rPr lang="en-US" sz="1400" dirty="0" smtClean="0">
+                <a:solidFill>
+                  <a:schemeClr val="tx2"/>
+                </a:solidFill>
+                <a:latin typeface="Courier New" pitchFamily="49" charset="0"/>
+                <a:ea typeface="+mj-ea"/>
+                <a:cs typeface="Courier New" pitchFamily="49" charset="0"/>
+              </a:rPr>
+              <a:t>(this);</a:t>
+            </a:r>
+          </a:p>
+          <a:p>
+            <a:pPr lvl="0">
+              <a:spcBef>
+                <a:spcPct val="0"/>
+              </a:spcBef>
+              <a:defRPr/>
+            </a:pPr>
+            <a:endParaRPr lang="en-US" sz="1400" dirty="0" smtClean="0">
+              <a:solidFill>
+                <a:schemeClr val="tx2"/>
+              </a:solidFill>
+              <a:latin typeface="Courier New" pitchFamily="49" charset="0"/>
+              <a:ea typeface="+mj-ea"/>
+              <a:cs typeface="Courier New" pitchFamily="49" charset="0"/>
+            </a:endParaRPr>
+          </a:p>
+          <a:p>
+            <a:pPr lvl="0">
+              <a:spcBef>
+                <a:spcPct val="0"/>
+              </a:spcBef>
+              <a:defRPr/>
+            </a:pPr>
+            <a:r>
+              <a:rPr lang="en-US" sz="1400" dirty="0" smtClean="0">
+                <a:solidFill>
+                  <a:schemeClr val="tx2"/>
+                </a:solidFill>
+                <a:latin typeface="Courier New" pitchFamily="49" charset="0"/>
+                <a:ea typeface="+mj-ea"/>
+                <a:cs typeface="Courier New" pitchFamily="49" charset="0"/>
+              </a:rPr>
+              <a:t>        try {</a:t>
+            </a:r>
+          </a:p>
+          <a:p>
+            <a:pPr lvl="0">
+              <a:spcBef>
+                <a:spcPct val="0"/>
+              </a:spcBef>
+              <a:defRPr/>
+            </a:pPr>
+            <a:r>
+              <a:rPr lang="en-US" sz="1400" dirty="0" smtClean="0">
+                <a:solidFill>
+                  <a:schemeClr val="tx2"/>
+                </a:solidFill>
+                <a:latin typeface="Courier New" pitchFamily="49" charset="0"/>
+                <a:ea typeface="+mj-ea"/>
+                <a:cs typeface="Courier New" pitchFamily="49" charset="0"/>
+              </a:rPr>
+              <a:t>            </a:t>
+            </a:r>
+            <a:r>
+              <a:rPr lang="en-US" sz="1400" dirty="0" err="1" smtClean="0">
+                <a:solidFill>
+                  <a:schemeClr val="tx2"/>
+                </a:solidFill>
+                <a:latin typeface="Courier New" pitchFamily="49" charset="0"/>
+                <a:ea typeface="+mj-ea"/>
+                <a:cs typeface="Courier New" pitchFamily="49" charset="0"/>
+              </a:rPr>
+              <a:t>fxmlLoader.load</a:t>
+            </a:r>
+            <a:r>
+              <a:rPr lang="en-US" sz="1400" dirty="0" smtClean="0">
+                <a:solidFill>
+                  <a:schemeClr val="tx2"/>
+                </a:solidFill>
+                <a:latin typeface="Courier New" pitchFamily="49" charset="0"/>
+                <a:ea typeface="+mj-ea"/>
+                <a:cs typeface="Courier New" pitchFamily="49" charset="0"/>
+              </a:rPr>
+              <a:t>();</a:t>
+            </a:r>
+          </a:p>
+          <a:p>
+            <a:pPr lvl="0">
+              <a:spcBef>
+                <a:spcPct val="0"/>
+              </a:spcBef>
+              <a:defRPr/>
+            </a:pPr>
+            <a:r>
+              <a:rPr lang="en-US" sz="1400" dirty="0" smtClean="0">
+                <a:solidFill>
+                  <a:schemeClr val="tx2"/>
+                </a:solidFill>
+                <a:latin typeface="Courier New" pitchFamily="49" charset="0"/>
+                <a:ea typeface="+mj-ea"/>
+                <a:cs typeface="Courier New" pitchFamily="49" charset="0"/>
+              </a:rPr>
+              <a:t>        } catch (</a:t>
+            </a:r>
+            <a:r>
+              <a:rPr lang="en-US" sz="1400" dirty="0" err="1" smtClean="0">
+                <a:solidFill>
+                  <a:schemeClr val="tx2"/>
+                </a:solidFill>
+                <a:latin typeface="Courier New" pitchFamily="49" charset="0"/>
+                <a:ea typeface="+mj-ea"/>
+                <a:cs typeface="Courier New" pitchFamily="49" charset="0"/>
+              </a:rPr>
+              <a:t>IOException</a:t>
+            </a:r>
+            <a:r>
+              <a:rPr lang="en-US" sz="1400" dirty="0" smtClean="0">
+                <a:solidFill>
+                  <a:schemeClr val="tx2"/>
+                </a:solidFill>
+                <a:latin typeface="Courier New" pitchFamily="49" charset="0"/>
+                <a:ea typeface="+mj-ea"/>
+                <a:cs typeface="Courier New" pitchFamily="49" charset="0"/>
+              </a:rPr>
+              <a:t> exception) {</a:t>
+            </a:r>
+          </a:p>
+          <a:p>
+            <a:pPr lvl="0">
+              <a:spcBef>
+                <a:spcPct val="0"/>
+              </a:spcBef>
+              <a:defRPr/>
+            </a:pPr>
+            <a:r>
+              <a:rPr lang="en-US" sz="1400" dirty="0" smtClean="0">
+                <a:solidFill>
+                  <a:schemeClr val="tx2"/>
+                </a:solidFill>
+                <a:latin typeface="Courier New" pitchFamily="49" charset="0"/>
+                <a:ea typeface="+mj-ea"/>
+                <a:cs typeface="Courier New" pitchFamily="49" charset="0"/>
+              </a:rPr>
+              <a:t>            throw new </a:t>
+            </a:r>
+            <a:r>
+              <a:rPr lang="en-US" sz="1400" dirty="0" err="1" smtClean="0">
+                <a:solidFill>
+                  <a:schemeClr val="tx2"/>
+                </a:solidFill>
+                <a:latin typeface="Courier New" pitchFamily="49" charset="0"/>
+                <a:ea typeface="+mj-ea"/>
+                <a:cs typeface="Courier New" pitchFamily="49" charset="0"/>
+              </a:rPr>
+              <a:t>RuntimeException</a:t>
+            </a:r>
+            <a:r>
+              <a:rPr lang="en-US" sz="1400" dirty="0" smtClean="0">
+                <a:solidFill>
+                  <a:schemeClr val="tx2"/>
+                </a:solidFill>
+                <a:latin typeface="Courier New" pitchFamily="49" charset="0"/>
+                <a:ea typeface="+mj-ea"/>
+                <a:cs typeface="Courier New" pitchFamily="49" charset="0"/>
+              </a:rPr>
+              <a:t>(exception);</a:t>
+            </a:r>
+          </a:p>
+          <a:p>
+            <a:pPr lvl="0">
+              <a:spcBef>
+                <a:spcPct val="0"/>
+              </a:spcBef>
+              <a:defRPr/>
+            </a:pPr>
+            <a:r>
+              <a:rPr lang="en-US" sz="1400" dirty="0" smtClean="0">
+                <a:solidFill>
+                  <a:schemeClr val="tx2"/>
+                </a:solidFill>
+                <a:latin typeface="Courier New" pitchFamily="49" charset="0"/>
+                <a:ea typeface="+mj-ea"/>
+                <a:cs typeface="Courier New" pitchFamily="49" charset="0"/>
+              </a:rPr>
+              <a:t>        }</a:t>
+            </a:r>
+          </a:p>
+          <a:p>
+            <a:pPr lvl="0">
+              <a:spcBef>
+                <a:spcPct val="0"/>
+              </a:spcBef>
+              <a:defRPr/>
+            </a:pPr>
+            <a:r>
+              <a:rPr lang="en-US" sz="1400" dirty="0" smtClean="0">
+                <a:solidFill>
+                  <a:schemeClr val="tx2"/>
+                </a:solidFill>
+                <a:latin typeface="Courier New" pitchFamily="49" charset="0"/>
+                <a:ea typeface="+mj-ea"/>
+                <a:cs typeface="Courier New" pitchFamily="49" charset="0"/>
+              </a:rPr>
+              <a:t>    }</a:t>
+            </a:r>
+          </a:p>
+          <a:p>
+            <a:pPr lvl="0">
+              <a:spcBef>
+                <a:spcPct val="0"/>
+              </a:spcBef>
+              <a:defRPr/>
+            </a:pPr>
+            <a:endParaRPr lang="en-US" sz="1400" dirty="0" smtClean="0">
+              <a:solidFill>
+                <a:schemeClr val="tx2"/>
+              </a:solidFill>
+              <a:latin typeface="Courier New" pitchFamily="49" charset="0"/>
+              <a:ea typeface="+mj-ea"/>
+              <a:cs typeface="Courier New" pitchFamily="49" charset="0"/>
+            </a:endParaRPr>
+          </a:p>
+          <a:p>
+            <a:pPr lvl="0">
+              <a:spcBef>
+                <a:spcPct val="0"/>
+              </a:spcBef>
+              <a:defRPr/>
+            </a:pPr>
+            <a:r>
+              <a:rPr lang="en-US" sz="1400" dirty="0" smtClean="0">
+                <a:solidFill>
+                  <a:schemeClr val="tx2"/>
+                </a:solidFill>
+                <a:latin typeface="Courier New" pitchFamily="49" charset="0"/>
+                <a:ea typeface="+mj-ea"/>
+                <a:cs typeface="Courier New" pitchFamily="49" charset="0"/>
+              </a:rPr>
+              <a:t>    public String </a:t>
+            </a:r>
+            <a:r>
+              <a:rPr lang="en-US" sz="1400" dirty="0" err="1" smtClean="0">
+                <a:solidFill>
+                  <a:schemeClr val="tx2"/>
+                </a:solidFill>
+                <a:latin typeface="Courier New" pitchFamily="49" charset="0"/>
+                <a:ea typeface="+mj-ea"/>
+                <a:cs typeface="Courier New" pitchFamily="49" charset="0"/>
+              </a:rPr>
+              <a:t>getText</a:t>
+            </a:r>
+            <a:r>
+              <a:rPr lang="en-US" sz="1400" dirty="0" smtClean="0">
+                <a:solidFill>
+                  <a:schemeClr val="tx2"/>
+                </a:solidFill>
+                <a:latin typeface="Courier New" pitchFamily="49" charset="0"/>
+                <a:ea typeface="+mj-ea"/>
+                <a:cs typeface="Courier New" pitchFamily="49" charset="0"/>
+              </a:rPr>
+              <a:t>() </a:t>
+            </a:r>
+            <a:r>
+              <a:rPr lang="en-US" sz="1400" dirty="0" smtClean="0">
+                <a:solidFill>
+                  <a:schemeClr val="tx2"/>
+                </a:solidFill>
+                <a:latin typeface="Courier New" pitchFamily="49" charset="0"/>
+                <a:ea typeface="+mj-ea"/>
+                <a:cs typeface="Courier New" pitchFamily="49" charset="0"/>
+              </a:rPr>
+              <a:t>{return </a:t>
+            </a:r>
+            <a:r>
+              <a:rPr lang="en-US" sz="1400" dirty="0" err="1" smtClean="0">
+                <a:solidFill>
+                  <a:schemeClr val="tx2"/>
+                </a:solidFill>
+                <a:latin typeface="Courier New" pitchFamily="49" charset="0"/>
+                <a:ea typeface="+mj-ea"/>
+                <a:cs typeface="Courier New" pitchFamily="49" charset="0"/>
+              </a:rPr>
+              <a:t>textProperty</a:t>
+            </a:r>
+            <a:r>
+              <a:rPr lang="en-US" sz="1400" dirty="0" smtClean="0">
+                <a:solidFill>
+                  <a:schemeClr val="tx2"/>
+                </a:solidFill>
+                <a:latin typeface="Courier New" pitchFamily="49" charset="0"/>
+                <a:ea typeface="+mj-ea"/>
+                <a:cs typeface="Courier New" pitchFamily="49" charset="0"/>
+              </a:rPr>
+              <a:t>().get</a:t>
+            </a:r>
+            <a:r>
+              <a:rPr lang="en-US" sz="1400" dirty="0" smtClean="0">
+                <a:solidFill>
+                  <a:schemeClr val="tx2"/>
+                </a:solidFill>
+                <a:latin typeface="Courier New" pitchFamily="49" charset="0"/>
+                <a:ea typeface="+mj-ea"/>
+                <a:cs typeface="Courier New" pitchFamily="49" charset="0"/>
+              </a:rPr>
+              <a:t>();}</a:t>
+            </a:r>
+            <a:endParaRPr lang="en-US" sz="1400" dirty="0" smtClean="0">
+              <a:solidFill>
+                <a:schemeClr val="tx2"/>
+              </a:solidFill>
+              <a:latin typeface="Courier New" pitchFamily="49" charset="0"/>
+              <a:ea typeface="+mj-ea"/>
+              <a:cs typeface="Courier New" pitchFamily="49" charset="0"/>
+            </a:endParaRPr>
+          </a:p>
+          <a:p>
+            <a:pPr lvl="0">
+              <a:spcBef>
+                <a:spcPct val="0"/>
+              </a:spcBef>
+              <a:defRPr/>
+            </a:pPr>
+            <a:endParaRPr lang="en-US" sz="1400" dirty="0" smtClean="0">
+              <a:solidFill>
+                <a:schemeClr val="tx2"/>
+              </a:solidFill>
+              <a:latin typeface="Courier New" pitchFamily="49" charset="0"/>
+              <a:ea typeface="+mj-ea"/>
+              <a:cs typeface="Courier New" pitchFamily="49" charset="0"/>
+            </a:endParaRPr>
+          </a:p>
+          <a:p>
+            <a:pPr lvl="0">
+              <a:spcBef>
+                <a:spcPct val="0"/>
+              </a:spcBef>
+              <a:defRPr/>
+            </a:pPr>
+            <a:r>
+              <a:rPr lang="en-US" sz="1400" dirty="0" smtClean="0">
+                <a:solidFill>
+                  <a:schemeClr val="tx2"/>
+                </a:solidFill>
+                <a:latin typeface="Courier New" pitchFamily="49" charset="0"/>
+                <a:ea typeface="+mj-ea"/>
+                <a:cs typeface="Courier New" pitchFamily="49" charset="0"/>
+              </a:rPr>
+              <a:t>    public void </a:t>
+            </a:r>
+            <a:r>
+              <a:rPr lang="en-US" sz="1400" dirty="0" err="1" smtClean="0">
+                <a:solidFill>
+                  <a:schemeClr val="tx2"/>
+                </a:solidFill>
+                <a:latin typeface="Courier New" pitchFamily="49" charset="0"/>
+                <a:ea typeface="+mj-ea"/>
+                <a:cs typeface="Courier New" pitchFamily="49" charset="0"/>
+              </a:rPr>
+              <a:t>setText</a:t>
+            </a:r>
+            <a:r>
+              <a:rPr lang="en-US" sz="1400" dirty="0" smtClean="0">
+                <a:solidFill>
+                  <a:schemeClr val="tx2"/>
+                </a:solidFill>
+                <a:latin typeface="Courier New" pitchFamily="49" charset="0"/>
+                <a:ea typeface="+mj-ea"/>
+                <a:cs typeface="Courier New" pitchFamily="49" charset="0"/>
+              </a:rPr>
+              <a:t>(String value) </a:t>
+            </a:r>
+            <a:r>
+              <a:rPr lang="en-US" sz="1400" dirty="0" smtClean="0">
+                <a:solidFill>
+                  <a:schemeClr val="tx2"/>
+                </a:solidFill>
+                <a:latin typeface="Courier New" pitchFamily="49" charset="0"/>
+                <a:ea typeface="+mj-ea"/>
+                <a:cs typeface="Courier New" pitchFamily="49" charset="0"/>
+              </a:rPr>
+              <a:t>{</a:t>
+            </a:r>
+            <a:r>
+              <a:rPr lang="en-US" sz="1400" dirty="0" err="1" smtClean="0">
+                <a:solidFill>
+                  <a:schemeClr val="tx2"/>
+                </a:solidFill>
+                <a:latin typeface="Courier New" pitchFamily="49" charset="0"/>
+                <a:ea typeface="+mj-ea"/>
+                <a:cs typeface="Courier New" pitchFamily="49" charset="0"/>
+              </a:rPr>
+              <a:t>textProperty</a:t>
+            </a:r>
+            <a:r>
+              <a:rPr lang="en-US" sz="1400" dirty="0" smtClean="0">
+                <a:solidFill>
+                  <a:schemeClr val="tx2"/>
+                </a:solidFill>
+                <a:latin typeface="Courier New" pitchFamily="49" charset="0"/>
+                <a:ea typeface="+mj-ea"/>
+                <a:cs typeface="Courier New" pitchFamily="49" charset="0"/>
+              </a:rPr>
+              <a:t>().set(value</a:t>
+            </a:r>
+            <a:r>
+              <a:rPr lang="en-US" sz="1400" dirty="0" smtClean="0">
+                <a:solidFill>
+                  <a:schemeClr val="tx2"/>
+                </a:solidFill>
+                <a:latin typeface="Courier New" pitchFamily="49" charset="0"/>
+                <a:ea typeface="+mj-ea"/>
+                <a:cs typeface="Courier New" pitchFamily="49" charset="0"/>
+              </a:rPr>
+              <a:t>);}</a:t>
+            </a:r>
+            <a:endParaRPr lang="en-US" sz="1400" dirty="0" smtClean="0">
+              <a:solidFill>
+                <a:schemeClr val="tx2"/>
+              </a:solidFill>
+              <a:latin typeface="Courier New" pitchFamily="49" charset="0"/>
+              <a:ea typeface="+mj-ea"/>
+              <a:cs typeface="Courier New" pitchFamily="49" charset="0"/>
+            </a:endParaRPr>
+          </a:p>
+          <a:p>
+            <a:pPr lvl="0">
+              <a:spcBef>
+                <a:spcPct val="0"/>
+              </a:spcBef>
+              <a:defRPr/>
+            </a:pPr>
+            <a:endParaRPr lang="en-US" sz="1400" dirty="0" smtClean="0">
+              <a:solidFill>
+                <a:schemeClr val="tx2"/>
+              </a:solidFill>
+              <a:latin typeface="Courier New" pitchFamily="49" charset="0"/>
+              <a:ea typeface="+mj-ea"/>
+              <a:cs typeface="Courier New" pitchFamily="49" charset="0"/>
+            </a:endParaRPr>
+          </a:p>
+          <a:p>
+            <a:pPr lvl="0">
+              <a:spcBef>
+                <a:spcPct val="0"/>
+              </a:spcBef>
+              <a:defRPr/>
+            </a:pPr>
+            <a:r>
+              <a:rPr lang="en-US" sz="1400" dirty="0" smtClean="0">
+                <a:solidFill>
+                  <a:schemeClr val="tx2"/>
+                </a:solidFill>
+                <a:latin typeface="Courier New" pitchFamily="49" charset="0"/>
+                <a:ea typeface="+mj-ea"/>
+                <a:cs typeface="Courier New" pitchFamily="49" charset="0"/>
+              </a:rPr>
+              <a:t>    public </a:t>
+            </a:r>
+            <a:r>
+              <a:rPr lang="en-US" sz="1400" dirty="0" err="1" smtClean="0">
+                <a:solidFill>
+                  <a:schemeClr val="tx2"/>
+                </a:solidFill>
+                <a:latin typeface="Courier New" pitchFamily="49" charset="0"/>
+                <a:ea typeface="+mj-ea"/>
+                <a:cs typeface="Courier New" pitchFamily="49" charset="0"/>
+              </a:rPr>
+              <a:t>StringProperty</a:t>
+            </a:r>
+            <a:r>
+              <a:rPr lang="en-US" sz="1400" dirty="0" smtClean="0">
+                <a:solidFill>
+                  <a:schemeClr val="tx2"/>
+                </a:solidFill>
+                <a:latin typeface="Courier New" pitchFamily="49" charset="0"/>
+                <a:ea typeface="+mj-ea"/>
+                <a:cs typeface="Courier New" pitchFamily="49" charset="0"/>
+              </a:rPr>
+              <a:t> </a:t>
+            </a:r>
+            <a:r>
+              <a:rPr lang="en-US" sz="1400" dirty="0" err="1" smtClean="0">
+                <a:solidFill>
+                  <a:schemeClr val="tx2"/>
+                </a:solidFill>
+                <a:latin typeface="Courier New" pitchFamily="49" charset="0"/>
+                <a:ea typeface="+mj-ea"/>
+                <a:cs typeface="Courier New" pitchFamily="49" charset="0"/>
+              </a:rPr>
+              <a:t>textProperty</a:t>
+            </a:r>
+            <a:r>
+              <a:rPr lang="en-US" sz="1400" dirty="0" smtClean="0">
+                <a:solidFill>
+                  <a:schemeClr val="tx2"/>
+                </a:solidFill>
+                <a:latin typeface="Courier New" pitchFamily="49" charset="0"/>
+                <a:ea typeface="+mj-ea"/>
+                <a:cs typeface="Courier New" pitchFamily="49" charset="0"/>
+              </a:rPr>
+              <a:t>() </a:t>
+            </a:r>
+            <a:r>
+              <a:rPr lang="en-US" sz="1400" dirty="0" smtClean="0">
+                <a:solidFill>
+                  <a:schemeClr val="tx2"/>
+                </a:solidFill>
+                <a:latin typeface="Courier New" pitchFamily="49" charset="0"/>
+                <a:ea typeface="+mj-ea"/>
+                <a:cs typeface="Courier New" pitchFamily="49" charset="0"/>
+              </a:rPr>
+              <a:t>{return </a:t>
+            </a:r>
+            <a:r>
+              <a:rPr lang="en-US" sz="1400" dirty="0" err="1" smtClean="0">
+                <a:solidFill>
+                  <a:schemeClr val="tx2"/>
+                </a:solidFill>
+                <a:latin typeface="Courier New" pitchFamily="49" charset="0"/>
+                <a:ea typeface="+mj-ea"/>
+                <a:cs typeface="Courier New" pitchFamily="49" charset="0"/>
+              </a:rPr>
+              <a:t>textField.textProperty</a:t>
+            </a:r>
+            <a:r>
+              <a:rPr lang="en-US" sz="1400" dirty="0" smtClean="0">
+                <a:solidFill>
+                  <a:schemeClr val="tx2"/>
+                </a:solidFill>
+                <a:latin typeface="Courier New" pitchFamily="49" charset="0"/>
+                <a:ea typeface="+mj-ea"/>
+                <a:cs typeface="Courier New" pitchFamily="49" charset="0"/>
+              </a:rPr>
+              <a:t>();}</a:t>
+            </a:r>
+            <a:endParaRPr lang="en-US" sz="1400" dirty="0" smtClean="0">
+              <a:solidFill>
+                <a:schemeClr val="tx2"/>
+              </a:solidFill>
+              <a:latin typeface="Courier New" pitchFamily="49" charset="0"/>
+              <a:ea typeface="+mj-ea"/>
+              <a:cs typeface="Courier New" pitchFamily="49" charset="0"/>
+            </a:endParaRPr>
+          </a:p>
+          <a:p>
+            <a:pPr lvl="0">
+              <a:spcBef>
+                <a:spcPct val="0"/>
+              </a:spcBef>
+              <a:defRPr/>
+            </a:pPr>
+            <a:endParaRPr lang="en-US" sz="1400" dirty="0" smtClean="0">
+              <a:solidFill>
+                <a:schemeClr val="tx2"/>
+              </a:solidFill>
+              <a:latin typeface="Courier New" pitchFamily="49" charset="0"/>
+              <a:ea typeface="+mj-ea"/>
+              <a:cs typeface="Courier New" pitchFamily="49" charset="0"/>
+            </a:endParaRPr>
+          </a:p>
+          <a:p>
+            <a:pPr lvl="0">
+              <a:spcBef>
+                <a:spcPct val="0"/>
+              </a:spcBef>
+              <a:defRPr/>
+            </a:pPr>
+            <a:r>
+              <a:rPr lang="en-US" sz="1400" dirty="0" smtClean="0">
+                <a:solidFill>
+                  <a:schemeClr val="tx2"/>
+                </a:solidFill>
+                <a:latin typeface="Courier New" pitchFamily="49" charset="0"/>
+                <a:ea typeface="+mj-ea"/>
+                <a:cs typeface="Courier New" pitchFamily="49" charset="0"/>
+              </a:rPr>
+              <a:t>    @FXML</a:t>
+            </a:r>
+          </a:p>
+          <a:p>
+            <a:pPr lvl="0">
+              <a:spcBef>
+                <a:spcPct val="0"/>
+              </a:spcBef>
+              <a:defRPr/>
+            </a:pPr>
+            <a:r>
+              <a:rPr lang="en-US" sz="1400" dirty="0" smtClean="0">
+                <a:solidFill>
+                  <a:schemeClr val="tx2"/>
+                </a:solidFill>
+                <a:latin typeface="Courier New" pitchFamily="49" charset="0"/>
+                <a:ea typeface="+mj-ea"/>
+                <a:cs typeface="Courier New" pitchFamily="49" charset="0"/>
+              </a:rPr>
+              <a:t>    protected void </a:t>
+            </a:r>
+            <a:r>
+              <a:rPr lang="en-US" sz="1400" dirty="0" err="1" smtClean="0">
+                <a:solidFill>
+                  <a:schemeClr val="tx2"/>
+                </a:solidFill>
+                <a:latin typeface="Courier New" pitchFamily="49" charset="0"/>
+                <a:ea typeface="+mj-ea"/>
+                <a:cs typeface="Courier New" pitchFamily="49" charset="0"/>
+              </a:rPr>
+              <a:t>doSomething</a:t>
+            </a:r>
+            <a:r>
+              <a:rPr lang="en-US" sz="1400" dirty="0" smtClean="0">
+                <a:solidFill>
+                  <a:schemeClr val="tx2"/>
+                </a:solidFill>
+                <a:latin typeface="Courier New" pitchFamily="49" charset="0"/>
+                <a:ea typeface="+mj-ea"/>
+                <a:cs typeface="Courier New" pitchFamily="49" charset="0"/>
+              </a:rPr>
+              <a:t>() </a:t>
+            </a:r>
+            <a:r>
+              <a:rPr lang="en-US" sz="1400" dirty="0" smtClean="0">
+                <a:solidFill>
+                  <a:schemeClr val="tx2"/>
+                </a:solidFill>
+                <a:latin typeface="Courier New" pitchFamily="49" charset="0"/>
+                <a:ea typeface="+mj-ea"/>
+                <a:cs typeface="Courier New" pitchFamily="49" charset="0"/>
+              </a:rPr>
+              <a:t>{</a:t>
+            </a:r>
+            <a:r>
+              <a:rPr lang="en-US" sz="1400" dirty="0" err="1" smtClean="0">
+                <a:solidFill>
+                  <a:schemeClr val="tx2"/>
+                </a:solidFill>
+                <a:latin typeface="Courier New" pitchFamily="49" charset="0"/>
+                <a:ea typeface="+mj-ea"/>
+                <a:cs typeface="Courier New" pitchFamily="49" charset="0"/>
+              </a:rPr>
+              <a:t>System.out.println</a:t>
+            </a:r>
+            <a:r>
+              <a:rPr lang="en-US" sz="1400" dirty="0" smtClean="0">
+                <a:solidFill>
+                  <a:schemeClr val="tx2"/>
+                </a:solidFill>
+                <a:latin typeface="Courier New" pitchFamily="49" charset="0"/>
+                <a:ea typeface="+mj-ea"/>
+                <a:cs typeface="Courier New" pitchFamily="49" charset="0"/>
+              </a:rPr>
+              <a:t>("The button was clicked</a:t>
+            </a:r>
+            <a:r>
+              <a:rPr lang="en-US" sz="1400" dirty="0" smtClean="0">
+                <a:solidFill>
+                  <a:schemeClr val="tx2"/>
+                </a:solidFill>
+                <a:latin typeface="Courier New" pitchFamily="49" charset="0"/>
+                <a:ea typeface="+mj-ea"/>
+                <a:cs typeface="Courier New" pitchFamily="49" charset="0"/>
+              </a:rPr>
+              <a:t>!");}</a:t>
+            </a:r>
+            <a:endParaRPr lang="en-US" sz="1400" dirty="0" smtClean="0">
+              <a:solidFill>
+                <a:schemeClr val="tx2"/>
+              </a:solidFill>
+              <a:latin typeface="Courier New" pitchFamily="49" charset="0"/>
+              <a:ea typeface="+mj-ea"/>
+              <a:cs typeface="Courier New" pitchFamily="49" charset="0"/>
+            </a:endParaRPr>
+          </a:p>
+          <a:p>
+            <a:pPr lvl="0">
+              <a:spcBef>
+                <a:spcPct val="0"/>
+              </a:spcBef>
+              <a:defRPr/>
+            </a:pPr>
+            <a:r>
+              <a:rPr lang="en-US" sz="1400" dirty="0" smtClean="0">
+                <a:solidFill>
+                  <a:schemeClr val="tx2"/>
+                </a:solidFill>
+                <a:latin typeface="Courier New" pitchFamily="49" charset="0"/>
+                <a:ea typeface="+mj-ea"/>
+                <a:cs typeface="Courier New" pitchFamily="49" charset="0"/>
+              </a:rPr>
+              <a:t>}</a:t>
+            </a:r>
+          </a:p>
+          <a:p>
+            <a:pPr lvl="0">
+              <a:spcBef>
+                <a:spcPct val="0"/>
+              </a:spcBef>
+              <a:defRPr/>
+            </a:pPr>
+            <a:endParaRPr lang="en-US" sz="1400" dirty="0" smtClean="0">
+              <a:solidFill>
+                <a:schemeClr val="tx2"/>
+              </a:solidFill>
+              <a:latin typeface="Courier New" pitchFamily="49" charset="0"/>
+              <a:ea typeface="+mj-ea"/>
+              <a:cs typeface="Courier New" pitchFamily="49" charset="0"/>
+            </a:endParaRPr>
+          </a:p>
+          <a:p>
+            <a:pPr lvl="0">
+              <a:spcBef>
+                <a:spcPct val="0"/>
+              </a:spcBef>
+              <a:defRPr/>
+            </a:pPr>
+            <a:endParaRPr kumimoji="0" lang="en-US" sz="1400" b="0" i="0" u="none" strike="noStrike" kern="1200" cap="none" spc="0" normalizeH="0" baseline="0" noProof="0" dirty="0" smtClean="0">
+              <a:ln>
+                <a:noFill/>
+              </a:ln>
+              <a:solidFill>
+                <a:schemeClr val="tx2"/>
+              </a:solidFill>
+              <a:effectLst/>
+              <a:uLnTx/>
+              <a:uFillTx/>
+              <a:latin typeface="Courier New" pitchFamily="49" charset="0"/>
+              <a:ea typeface="+mj-ea"/>
+              <a:cs typeface="Courier New" pitchFamily="49" charset="0"/>
+            </a:endParaRPr>
+          </a:p>
+        </p:txBody>
+      </p:sp>
+    </p:spTree>
+    <p:extLst>
+      <p:ext uri="{BB962C8B-B14F-4D97-AF65-F5344CB8AC3E}">
+        <p14:creationId xmlns="" xmlns:p14="http://schemas.microsoft.com/office/powerpoint/2010/main" val="1362647605"/>
+      </p:ext>
+    </p:extLst>
+  </p:cSld>
+  <p:clrMapOvr>
+    <a:masterClrMapping/>
+  </p:clrMapOvr>
+  <mc:AlternateContent xmlns:mc="http://schemas.openxmlformats.org/markup-compatibility/2006">
+    <mc:Choice xmlns="" xmlns:p14="http://schemas.microsoft.com/office/powerpoint/2010/main" Requires="p14">
+      <p:transition spd="slow" p14:dur="2000"/>
+    </mc:Choice>
+    <mc:Fallback>
+      <p:transition spd="slow"/>
+    </mc:Fallback>
+  </mc:AlternateContent>
+  <p:timing>
+    <p:tnLst>
+      <p:par>
+        <p:cTn id="1" dur="indefinite" restart="never" nodeType="tmRoot"/>
+      </p:par>
+    </p:tnLst>
+  </p:timing>
+</p:sld>
+</file>
+
+<file path=ppt/slides/slide5.xml><?xml version="1.0" encoding="utf-8"?>
+<p:sld xmlns:a="http://schemas.openxmlformats.org/drawingml/2006/main" xmlns:r="http://schemas.openxmlformats.org/officeDocument/2006/relationships" xmlns:p="http://schemas.openxmlformats.org/presentationml/2006/main" show="0">
+  <p:cSld>
+    <p:spTree>
+      <p:nvGrpSpPr>
+        <p:cNvPr id="1" name=""/>
+        <p:cNvGrpSpPr/>
+        <p:nvPr/>
+      </p:nvGrpSpPr>
+      <p:grpSpPr>
+        <a:xfrm>
+          <a:off x="0" y="0"/>
+          <a:ext cx="0" cy="0"/>
+          <a:chOff x="0" y="0"/>
+          <a:chExt cx="0" cy="0"/>
+        </a:xfrm>
+      </p:grpSpPr>
+      <p:sp>
+        <p:nvSpPr>
+          <p:cNvPr id="2" name="Title 1"/>
+          <p:cNvSpPr>
+            <a:spLocks noGrp="1"/>
+          </p:cNvSpPr>
+          <p:nvPr>
+            <p:ph type="title"/>
+          </p:nvPr>
+        </p:nvSpPr>
+        <p:spPr/>
+        <p:txBody>
+          <a:bodyPr/>
+          <a:lstStyle/>
+          <a:p>
+            <a:r>
               <a:rPr lang="nl-NL" dirty="0" smtClean="0"/>
               <a:t>Sterkte zwakte</a:t>
             </a:r>
@@ -46481,7 +48308,7 @@
             <a:fld id="{525A3C56-E491-49B2-93F3-63532DF516BC}" type="slidenum">
               <a:rPr lang="en-US"/>
               <a:pPr/>
-              <a:t>4</a:t>
+              <a:t>5</a:t>
             </a:fld>
             <a:endParaRPr lang="en-US"/>
           </a:p>
@@ -46858,7 +48685,7 @@
               <a:defRPr/>
             </a:pPr>
             <a:r>
-              <a:rPr lang="en-US" sz="3000" smtClean="0">
+              <a:rPr lang="en-US" sz="3000" dirty="0" smtClean="0">
                 <a:solidFill>
                   <a:srgbClr val="FF0000"/>
                 </a:solidFill>
@@ -46885,6 +48712,17 @@
               <a:tabLst/>
               <a:defRPr/>
             </a:pPr>
+            <a:r>
+              <a:rPr lang="en-US" sz="3000" dirty="0" smtClean="0">
+                <a:solidFill>
+                  <a:srgbClr val="FF0000"/>
+                </a:solidFill>
+                <a:latin typeface="Arial" pitchFamily="34" charset="0"/>
+                <a:ea typeface="+mj-ea"/>
+                <a:cs typeface="+mj-cs"/>
+              </a:rPr>
+              <a:t>Oracle</a:t>
+            </a:r>
             <a:endParaRPr lang="en-US" sz="3000" dirty="0" smtClean="0">
               <a:solidFill>
                 <a:srgbClr val="FF0000"/>
@@ -46974,7 +48812,7 @@
 </p:sld>
 </file>
 
-<file path=ppt/slides/slide5.xml><?xml version="1.0" encoding="utf-8"?>
+<file path=ppt/slides/slide6.xml><?xml version="1.0" encoding="utf-8"?>
 <p:sld xmlns:a="http://schemas.openxmlformats.org/drawingml/2006/main" xmlns:r="http://schemas.openxmlformats.org/officeDocument/2006/relationships" xmlns:p="http://schemas.openxmlformats.org/presentationml/2006/main" show="0">
   <p:cSld>
     <p:spTree>
@@ -47032,7 +48870,7 @@
             <a:fld id="{525A3C56-E491-49B2-93F3-63532DF516BC}" type="slidenum">
               <a:rPr lang="en-US"/>
               <a:pPr/>
-              <a:t>5</a:t>
+              <a:t>6</a:t>
             </a:fld>
             <a:endParaRPr lang="en-US"/>
           </a:p>
@@ -47261,7 +49099,7 @@
 </p:sld>
 </file>
 
-<file path=ppt/slides/slide6.xml><?xml version="1.0" encoding="utf-8"?>
+<file path=ppt/slides/slide7.xml><?xml version="1.0" encoding="utf-8"?>
 <p:sld xmlns:a="http://schemas.openxmlformats.org/drawingml/2006/main" xmlns:r="http://schemas.openxmlformats.org/officeDocument/2006/relationships" xmlns:p="http://schemas.openxmlformats.org/presentationml/2006/main" show="0">
   <p:cSld>
     <p:spTree>
@@ -47319,7 +49157,7 @@
             <a:fld id="{525A3C56-E491-49B2-93F3-63532DF516BC}" type="slidenum">
               <a:rPr lang="en-US"/>
               <a:pPr/>
-              <a:t>6</a:t>
+              <a:t>7</a:t>
             </a:fld>
             <a:endParaRPr lang="en-US"/>
           </a:p>
@@ -47531,7 +49369,7 @@
 </p:sld>
 </file>
 
-<file path=ppt/slides/slide7.xml><?xml version="1.0" encoding="utf-8"?>
+<file path=ppt/slides/slide8.xml><?xml version="1.0" encoding="utf-8"?>
 <p:sld xmlns:a="http://schemas.openxmlformats.org/drawingml/2006/main" xmlns:r="http://schemas.openxmlformats.org/officeDocument/2006/relationships" xmlns:p="http://schemas.openxmlformats.org/presentationml/2006/main" show="0">
   <p:cSld>
     <p:spTree>
@@ -47589,7 +49427,7 @@
             <a:fld id="{525A3C56-E491-49B2-93F3-63532DF516BC}" type="slidenum">
               <a:rPr lang="en-US"/>
               <a:pPr/>
-              <a:t>7</a:t>
+              <a:t>8</a:t>
             </a:fld>
             <a:endParaRPr lang="en-US"/>
           </a:p>
@@ -47815,7 +49653,7 @@
 </p:sld>
 </file>
 
-<file path=ppt/slides/slide8.xml><?xml version="1.0" encoding="utf-8"?>
+<file path=ppt/slides/slide9.xml><?xml version="1.0" encoding="utf-8"?>
 <p:sld xmlns:a="http://schemas.openxmlformats.org/drawingml/2006/main" xmlns:r="http://schemas.openxmlformats.org/officeDocument/2006/relationships" xmlns:p="http://schemas.openxmlformats.org/presentationml/2006/main">
   <p:cSld>
     <p:spTree>
@@ -47873,7 +49711,7 @@
             <a:fld id="{525A3C56-E491-49B2-93F3-63532DF516BC}" type="slidenum">
               <a:rPr lang="en-US" smtClean="0"/>
               <a:pPr/>
-              <a:t>8</a:t>
+              <a:t>9</a:t>
             </a:fld>
             <a:endParaRPr lang="en-US" dirty="0"/>
           </a:p>
@@ -47959,78 +49797,6 @@
         <p14:creationId xmlns="" xmlns:p14="http://schemas.microsoft.com/office/powerpoint/2010/main" val="1419182396"/>
       </p:ext>
     </p:extLst>
-  </p:cSld>
-  <p:clrMapOvr>
-    <a:masterClrMapping/>
-  </p:clrMapOvr>
-  <p:timing>
-    <p:tnLst>
-      <p:par>
-        <p:cTn id="1" dur="indefinite" restart="never" nodeType="tmRoot"/>
-      </p:par>
-    </p:tnLst>
-  </p:timing>
-</p:sld>
-</file>
-
-<file path=ppt/slides/slide9.xml><?xml version="1.0" encoding="utf-8"?>
-<p:sld xmlns:a="http://schemas.openxmlformats.org/drawingml/2006/main" xmlns:r="http://schemas.openxmlformats.org/officeDocument/2006/relationships" xmlns:p="http://schemas.openxmlformats.org/presentationml/2006/main">
-  <p:cSld>
-    <p:spTree>
-      <p:nvGrpSpPr>
-        <p:cNvPr id="1" name=""/>
-        <p:cNvGrpSpPr/>
-        <p:nvPr/>
-      </p:nvGrpSpPr>
-      <p:grpSpPr>
-        <a:xfrm>
-          <a:off x="0" y="0"/>
-          <a:ext cx="0" cy="0"/>
-          <a:chOff x="0" y="0"/>
-          <a:chExt cx="0" cy="0"/>
-        </a:xfrm>
-      </p:grpSpPr>
-      <p:sp>
-        <p:nvSpPr>
-          <p:cNvPr id="2" name="Title 1"/>
-          <p:cNvSpPr>
-            <a:spLocks noGrp="1"/>
-          </p:cNvSpPr>
-          <p:nvPr>
-            <p:ph type="ctrTitle"/>
-          </p:nvPr>
-        </p:nvSpPr>
-        <p:spPr/>
-        <p:txBody>
-          <a:bodyPr>
-            <a:normAutofit fontScale="90000"/>
-          </a:bodyPr>
-          <a:lstStyle/>
-          <a:p>
-            <a:r>
-              <a:rPr lang="en-US" dirty="0" smtClean="0"/>
-              <a:t>Our commitment to you</a:t>
-            </a:r>
-            <a:br>
-              <a:rPr lang="en-US" dirty="0" smtClean="0"/>
-            </a:br>
-            <a:r>
-              <a:rPr lang="en-US" sz="2800" dirty="0" smtClean="0">
-                <a:solidFill>
-                  <a:schemeClr val="tx1"/>
-                </a:solidFill>
-              </a:rPr>
-              <a:t>We approach every engagement with one objective in mind: to help clients succeed</a:t>
-            </a:r>
-            <a:endParaRPr lang="en-US" sz="2800" dirty="0">
-              <a:solidFill>
-                <a:schemeClr val="tx1"/>
-              </a:solidFill>
-            </a:endParaRPr>
-          </a:p>
-        </p:txBody>
-      </p:sp>
-    </p:spTree>
   </p:cSld>
   <p:clrMapOvr>
     <a:masterClrMapping/>

--- a/JavaFX meetup juli 2016.pptx
+++ b/JavaFX meetup juli 2016.pptx
@@ -45259,7 +45259,7 @@
                   <a:lin ang="0" scaled="1"/>
                 </a:gradFill>
               </a:rPr>
-              <a:t>eten</a:t>
+              <a:t>diner</a:t>
             </a:r>
             <a:r>
               <a:rPr lang="de-DE" b="1" dirty="0" smtClean="0">
@@ -45278,7 +45278,26 @@
                   <a:lin ang="0" scaled="1"/>
                 </a:gradFill>
               </a:rPr>
-              <a:t> 17:30 – 18:30</a:t>
+              <a:t> 17:30 </a:t>
+            </a:r>
+            <a:r>
+              <a:rPr lang="de-DE" b="1" dirty="0" smtClean="0">
+                <a:gradFill>
+                  <a:gsLst>
+                    <a:gs pos="0">
+                      <a:srgbClr val="FF6A00"/>
+                    </a:gs>
+                    <a:gs pos="50000">
+                      <a:srgbClr val="E31937"/>
+                    </a:gs>
+                    <a:gs pos="100000">
+                      <a:srgbClr val="991F3D"/>
+                    </a:gs>
+                  </a:gsLst>
+                  <a:lin ang="0" scaled="1"/>
+                </a:gradFill>
+              </a:rPr>
+              <a:t>– 18:30</a:t>
             </a:r>
           </a:p>
           <a:p>
@@ -45330,7 +45349,75 @@
                   <a:lin ang="0" scaled="1"/>
                 </a:gradFill>
               </a:rPr>
-              <a:t>Overzicht</a:t>
+              <a:t>Overview</a:t>
+            </a:r>
+            <a:endParaRPr lang="de-DE" b="1" dirty="0" smtClean="0">
+              <a:gradFill>
+                <a:gsLst>
+                  <a:gs pos="0">
+                    <a:srgbClr val="FF6A00"/>
+                  </a:gs>
+                  <a:gs pos="50000">
+                    <a:srgbClr val="E31937"/>
+                  </a:gs>
+                  <a:gs pos="100000">
+                    <a:srgbClr val="991F3D"/>
+                  </a:gs>
+                </a:gsLst>
+                <a:lin ang="0" scaled="1"/>
+              </a:gradFill>
+            </a:endParaRPr>
+          </a:p>
+          <a:p>
+            <a:pPr>
+              <a:spcBef>
+                <a:spcPts val="1200"/>
+              </a:spcBef>
+              <a:buClr>
+                <a:srgbClr val="E31937"/>
+              </a:buClr>
+              <a:buSzPct val="110000"/>
+              <a:buFont typeface="Arial" pitchFamily="34" charset="0"/>
+              <a:buChar char="•"/>
+              <a:defRPr/>
+            </a:pPr>
+            <a:r>
+              <a:rPr lang="de-DE" b="1" dirty="0" smtClean="0">
+                <a:gradFill>
+                  <a:gsLst>
+                    <a:gs pos="0">
+                      <a:srgbClr val="FF6A00"/>
+                    </a:gs>
+                    <a:gs pos="50000">
+                      <a:srgbClr val="E31937"/>
+                    </a:gs>
+                    <a:gs pos="100000">
+                      <a:srgbClr val="991F3D"/>
+                    </a:gs>
+                  </a:gsLst>
+                  <a:lin ang="0" scaled="1"/>
+                </a:gradFill>
+              </a:rPr>
+              <a:t> Custom </a:t>
+            </a:r>
+            <a:r>
+              <a:rPr lang="de-DE" b="1" dirty="0" err="1" smtClean="0">
+                <a:gradFill>
+                  <a:gsLst>
+                    <a:gs pos="0">
+                      <a:srgbClr val="FF6A00"/>
+                    </a:gs>
+                    <a:gs pos="50000">
+                      <a:srgbClr val="E31937"/>
+                    </a:gs>
+                    <a:gs pos="100000">
+                      <a:srgbClr val="991F3D"/>
+                    </a:gs>
+                  </a:gsLst>
+                  <a:lin ang="0" scaled="1"/>
+                </a:gradFill>
+              </a:rPr>
+              <a:t>components</a:t>
             </a:r>
             <a:endParaRPr lang="de-DE" b="1" dirty="0" smtClean="0">
               <a:gradFill>
@@ -45398,7 +45485,45 @@
                   <a:lin ang="0" scaled="1"/>
                 </a:gradFill>
               </a:rPr>
-              <a:t>customization</a:t>
+              <a:t>Strength</a:t>
+            </a:r>
+            <a:r>
+              <a:rPr lang="de-DE" b="1" dirty="0" smtClean="0">
+                <a:gradFill>
+                  <a:gsLst>
+                    <a:gs pos="0">
+                      <a:srgbClr val="FF6A00"/>
+                    </a:gs>
+                    <a:gs pos="50000">
+                      <a:srgbClr val="E31937"/>
+                    </a:gs>
+                    <a:gs pos="100000">
+                      <a:srgbClr val="991F3D"/>
+                    </a:gs>
+                  </a:gsLst>
+                  <a:lin ang="0" scaled="1"/>
+                </a:gradFill>
+              </a:rPr>
+              <a:t> </a:t>
+            </a:r>
+            <a:r>
+              <a:rPr lang="de-DE" b="1" dirty="0" err="1" smtClean="0">
+                <a:gradFill>
+                  <a:gsLst>
+                    <a:gs pos="0">
+                      <a:srgbClr val="FF6A00"/>
+                    </a:gs>
+                    <a:gs pos="50000">
+                      <a:srgbClr val="E31937"/>
+                    </a:gs>
+                    <a:gs pos="100000">
+                      <a:srgbClr val="991F3D"/>
+                    </a:gs>
+                  </a:gsLst>
+                  <a:lin ang="0" scaled="1"/>
+                </a:gradFill>
+              </a:rPr>
+              <a:t>weaknesses</a:t>
             </a:r>
             <a:endParaRPr lang="de-DE" b="1" dirty="0" smtClean="0">
               <a:gradFill>
@@ -45466,45 +45591,7 @@
                   <a:lin ang="0" scaled="1"/>
                 </a:gradFill>
               </a:rPr>
-              <a:t>Sterkte</a:t>
-            </a:r>
-            <a:r>
-              <a:rPr lang="de-DE" b="1" dirty="0" smtClean="0">
-                <a:gradFill>
-                  <a:gsLst>
-                    <a:gs pos="0">
-                      <a:srgbClr val="FF6A00"/>
-                    </a:gs>
-                    <a:gs pos="50000">
-                      <a:srgbClr val="E31937"/>
-                    </a:gs>
-                    <a:gs pos="100000">
-                      <a:srgbClr val="991F3D"/>
-                    </a:gs>
-                  </a:gsLst>
-                  <a:lin ang="0" scaled="1"/>
-                </a:gradFill>
-              </a:rPr>
-              <a:t> </a:t>
-            </a:r>
-            <a:r>
-              <a:rPr lang="de-DE" b="1" dirty="0" err="1" smtClean="0">
-                <a:gradFill>
-                  <a:gsLst>
-                    <a:gs pos="0">
-                      <a:srgbClr val="FF6A00"/>
-                    </a:gs>
-                    <a:gs pos="50000">
-                      <a:srgbClr val="E31937"/>
-                    </a:gs>
-                    <a:gs pos="100000">
-                      <a:srgbClr val="991F3D"/>
-                    </a:gs>
-                  </a:gsLst>
-                  <a:lin ang="0" scaled="1"/>
-                </a:gradFill>
-              </a:rPr>
-              <a:t>zwakte</a:t>
+              <a:t>Interoperability</a:t>
             </a:r>
             <a:endParaRPr lang="de-DE" b="1" dirty="0" smtClean="0">
               <a:gradFill>
@@ -45572,75 +45659,7 @@
                   <a:lin ang="0" scaled="1"/>
                 </a:gradFill>
               </a:rPr>
-              <a:t>Interoperabiliteit</a:t>
-            </a:r>
-            <a:endParaRPr lang="de-DE" b="1" dirty="0" smtClean="0">
-              <a:gradFill>
-                <a:gsLst>
-                  <a:gs pos="0">
-                    <a:srgbClr val="FF6A00"/>
-                  </a:gs>
-                  <a:gs pos="50000">
-                    <a:srgbClr val="E31937"/>
-                  </a:gs>
-                  <a:gs pos="100000">
-                    <a:srgbClr val="991F3D"/>
-                  </a:gs>
-                </a:gsLst>
-                <a:lin ang="0" scaled="1"/>
-              </a:gradFill>
-            </a:endParaRPr>
-          </a:p>
-          <a:p>
-            <a:pPr>
-              <a:spcBef>
-                <a:spcPts val="1200"/>
-              </a:spcBef>
-              <a:buClr>
-                <a:srgbClr val="E31937"/>
-              </a:buClr>
-              <a:buSzPct val="110000"/>
-              <a:buFont typeface="Arial" pitchFamily="34" charset="0"/>
-              <a:buChar char="•"/>
-              <a:defRPr/>
-            </a:pPr>
-            <a:r>
-              <a:rPr lang="de-DE" b="1" dirty="0" smtClean="0">
-                <a:gradFill>
-                  <a:gsLst>
-                    <a:gs pos="0">
-                      <a:srgbClr val="FF6A00"/>
-                    </a:gs>
-                    <a:gs pos="50000">
-                      <a:srgbClr val="E31937"/>
-                    </a:gs>
-                    <a:gs pos="100000">
-                      <a:srgbClr val="991F3D"/>
-                    </a:gs>
-                  </a:gsLst>
-                  <a:lin ang="0" scaled="1"/>
-                </a:gradFill>
-              </a:rPr>
-              <a:t> </a:t>
-            </a:r>
-            <a:r>
-              <a:rPr lang="de-DE" b="1" dirty="0" err="1" smtClean="0">
-                <a:gradFill>
-                  <a:gsLst>
-                    <a:gs pos="0">
-                      <a:srgbClr val="FF6A00"/>
-                    </a:gs>
-                    <a:gs pos="50000">
-                      <a:srgbClr val="E31937"/>
-                    </a:gs>
-                    <a:gs pos="100000">
-                      <a:srgbClr val="991F3D"/>
-                    </a:gs>
-                  </a:gsLst>
-                  <a:lin ang="0" scaled="1"/>
-                </a:gradFill>
-              </a:rPr>
-              <a:t>Beheer</a:t>
+              <a:t>Manageability</a:t>
             </a:r>
             <a:endParaRPr lang="de-DE" b="1" dirty="0">
               <a:gradFill>
@@ -45741,7 +45760,7 @@
                   <a:lin ang="0" scaled="1"/>
                 </a:gradFill>
               </a:rPr>
-              <a:t>Aan</a:t>
+              <a:t>hands</a:t>
             </a:r>
             <a:r>
               <a:rPr lang="de-DE" b="1" dirty="0" smtClean="0">
@@ -45760,26 +45779,7 @@
                   <a:lin ang="0" scaled="1"/>
                 </a:gradFill>
               </a:rPr>
-              <a:t> de </a:t>
-            </a:r>
-            <a:r>
-              <a:rPr lang="de-DE" b="1" dirty="0" err="1" smtClean="0">
-                <a:gradFill>
-                  <a:gsLst>
-                    <a:gs pos="0">
-                      <a:srgbClr val="FF6A00"/>
-                    </a:gs>
-                    <a:gs pos="50000">
-                      <a:srgbClr val="E31937"/>
-                    </a:gs>
-                    <a:gs pos="100000">
-                      <a:srgbClr val="991F3D"/>
-                    </a:gs>
-                  </a:gsLst>
-                  <a:lin ang="0" scaled="1"/>
-                </a:gradFill>
-              </a:rPr>
-              <a:t>slag</a:t>
+              <a:t>-on</a:t>
             </a:r>
             <a:endParaRPr lang="de-DE" b="1" dirty="0" smtClean="0">
               <a:gradFill>
@@ -45905,8 +45905,8 @@
           <a:lstStyle/>
           <a:p>
             <a:r>
-              <a:rPr lang="nl-NL" dirty="0" smtClean="0"/>
-              <a:t>Overzicht</a:t>
+              <a:rPr lang="nl-NL" dirty="0" err="1" smtClean="0"/>
+              <a:t>Overview</a:t>
             </a:r>
             <a:endParaRPr lang="nl-NL" dirty="0"/>
           </a:p>
@@ -46598,7 +46598,15 @@
           <a:p>
             <a:r>
               <a:rPr lang="nl-NL" dirty="0" err="1" smtClean="0"/>
-              <a:t>Customization</a:t>
+              <a:t>Custom</a:t>
+            </a:r>
+            <a:r>
+              <a:rPr lang="nl-NL" dirty="0" smtClean="0"/>
+              <a:t> </a:t>
+            </a:r>
+            <a:r>
+              <a:rPr lang="nl-NL" dirty="0" err="1" smtClean="0"/>
+              <a:t>components</a:t>
             </a:r>
             <a:endParaRPr lang="nl-NL" dirty="0"/>
           </a:p>
@@ -46639,7 +46647,7 @@
         <p:spPr>
           <a:xfrm>
             <a:off x="457200" y="990600"/>
-            <a:ext cx="8458200" cy="5105400"/>
+            <a:ext cx="8458200" cy="5257800"/>
           </a:xfrm>
           <a:prstGeom prst="rect">
             <a:avLst/>
@@ -47309,7 +47317,7 @@
               <a:t> </a:t>
             </a:r>
             <a:r>
-              <a:rPr lang="en-US" sz="1400" dirty="0" err="1" smtClean="0">
+              <a:rPr lang="en-US" sz="1400" dirty="0" smtClean="0">
                 <a:solidFill>
                   <a:schemeClr val="tx2"/>
                 </a:solidFill>
@@ -47317,7 +47325,7 @@
                 <a:ea typeface="+mj-ea"/>
                 <a:cs typeface="Courier New" pitchFamily="49" charset="0"/>
               </a:rPr>
-              <a:t>fxmlLoader</a:t>
+              <a:t>loader = </a:t>
             </a:r>
             <a:r>
               <a:rPr lang="en-US" sz="1400" dirty="0" smtClean="0">
@@ -47328,7 +47336,7 @@
                 <a:ea typeface="+mj-ea"/>
                 <a:cs typeface="Courier New" pitchFamily="49" charset="0"/>
               </a:rPr>
-              <a:t> = new </a:t>
+              <a:t>new </a:t>
             </a:r>
             <a:r>
               <a:rPr lang="en-US" sz="1400" dirty="0" err="1" smtClean="0">
@@ -47446,7 +47454,7 @@
                 <a:ea typeface="+mj-ea"/>
                 <a:cs typeface="Courier New" pitchFamily="49" charset="0"/>
               </a:rPr>
-              <a:t>fxmlLoader.setRoot</a:t>
+              <a:t>loader.setRoot</a:t>
             </a:r>
             <a:r>
               <a:rPr lang="en-US" sz="1400" dirty="0" smtClean="0">
@@ -47457,7 +47465,18 @@
                 <a:ea typeface="+mj-ea"/>
                 <a:cs typeface="Courier New" pitchFamily="49" charset="0"/>
               </a:rPr>
-              <a:t>(this);</a:t>
+              <a:t>(this</a:t>
+            </a:r>
+            <a:r>
+              <a:rPr lang="en-US" sz="1400" dirty="0" smtClean="0">
+                <a:solidFill>
+                  <a:schemeClr val="tx2"/>
+                </a:solidFill>
+                <a:latin typeface="Courier New" pitchFamily="49" charset="0"/>
+                <a:ea typeface="+mj-ea"/>
+                <a:cs typeface="Courier New" pitchFamily="49" charset="0"/>
+              </a:rPr>
+              <a:t>);</a:t>
             </a:r>
           </a:p>
           <a:p>
@@ -47487,7 +47506,7 @@
                 <a:ea typeface="+mj-ea"/>
                 <a:cs typeface="Courier New" pitchFamily="49" charset="0"/>
               </a:rPr>
-              <a:t>fxmlLoader.setController</a:t>
+              <a:t>loader.setController</a:t>
             </a:r>
             <a:r>
               <a:rPr lang="en-US" sz="1400" dirty="0" smtClean="0">
@@ -47498,7 +47517,18 @@
                 <a:ea typeface="+mj-ea"/>
                 <a:cs typeface="Courier New" pitchFamily="49" charset="0"/>
               </a:rPr>
-              <a:t>(this);</a:t>
+              <a:t>(this</a:t>
+            </a:r>
+            <a:r>
+              <a:rPr lang="en-US" sz="1400" dirty="0" smtClean="0">
+                <a:solidFill>
+                  <a:schemeClr val="tx2"/>
+                </a:solidFill>
+                <a:latin typeface="Courier New" pitchFamily="49" charset="0"/>
+                <a:ea typeface="+mj-ea"/>
+                <a:cs typeface="Courier New" pitchFamily="49" charset="0"/>
+              </a:rPr>
+              <a:t>);</a:t>
             </a:r>
           </a:p>
           <a:p>
@@ -47563,7 +47593,7 @@
                 <a:ea typeface="+mj-ea"/>
                 <a:cs typeface="Courier New" pitchFamily="49" charset="0"/>
               </a:rPr>
-              <a:t>fxmlLoader.load</a:t>
+              <a:t>loader.load</a:t>
             </a:r>
             <a:r>
               <a:rPr lang="en-US" sz="1400" dirty="0" smtClean="0">
@@ -48205,12 +48235,45 @@
               </a:spcBef>
               <a:defRPr/>
             </a:pPr>
+            <a:r>
+              <a:rPr lang="en-US" sz="1400" dirty="0" smtClean="0">
+                <a:solidFill>
+                  <a:srgbClr val="0070C0"/>
+                </a:solidFill>
+                <a:latin typeface="Courier New" pitchFamily="49" charset="0"/>
+                <a:ea typeface="+mj-ea"/>
+                <a:cs typeface="Courier New" pitchFamily="49" charset="0"/>
+              </a:rPr>
+              <a:t>&lt;</a:t>
+            </a:r>
+            <a:r>
+              <a:rPr lang="en-US" sz="1400" dirty="0" err="1" smtClean="0">
+                <a:solidFill>
+                  <a:srgbClr val="0070C0"/>
+                </a:solidFill>
+                <a:latin typeface="Courier New" pitchFamily="49" charset="0"/>
+                <a:ea typeface="+mj-ea"/>
+                <a:cs typeface="Courier New" pitchFamily="49" charset="0"/>
+              </a:rPr>
+              <a:t>CustomControl</a:t>
+            </a:r>
+            <a:r>
+              <a:rPr lang="en-US" sz="1400" dirty="0" smtClean="0">
+                <a:solidFill>
+                  <a:srgbClr val="0070C0"/>
+                </a:solidFill>
+                <a:latin typeface="Courier New" pitchFamily="49" charset="0"/>
+                <a:ea typeface="+mj-ea"/>
+                <a:cs typeface="Courier New" pitchFamily="49" charset="0"/>
+              </a:rPr>
+              <a:t> text="Hello World!"/&gt;</a:t>
+            </a:r>
             <a:endParaRPr kumimoji="0" lang="en-US" sz="1400" b="0" i="0" u="none" strike="noStrike" kern="1200" cap="none" spc="0" normalizeH="0" baseline="0" noProof="0" dirty="0" smtClean="0">
               <a:ln>
                 <a:noFill/>
               </a:ln>
               <a:solidFill>
-                <a:schemeClr val="tx2"/>
+                <a:srgbClr val="0070C0"/>
               </a:solidFill>
               <a:effectLst/>
               <a:uLnTx/>
@@ -48283,8 +48346,16 @@
           <a:lstStyle/>
           <a:p>
             <a:r>
+              <a:rPr lang="nl-NL" dirty="0" err="1" smtClean="0"/>
+              <a:t>Strengths</a:t>
+            </a:r>
+            <a:r>
               <a:rPr lang="nl-NL" dirty="0" smtClean="0"/>
-              <a:t>Sterkte zwakte</a:t>
+              <a:t> </a:t>
+            </a:r>
+            <a:r>
+              <a:rPr lang="nl-NL" dirty="0" err="1" smtClean="0"/>
+              <a:t>weaknesses</a:t>
             </a:r>
             <a:endParaRPr lang="nl-NL" dirty="0"/>
           </a:p>
@@ -48353,45 +48424,6 @@
               <a:defRPr/>
             </a:pPr>
             <a:r>
-              <a:rPr lang="en-US" sz="3000" dirty="0" smtClean="0">
-                <a:solidFill>
-                  <a:srgbClr val="00B050"/>
-                </a:solidFill>
-                <a:latin typeface="Arial" pitchFamily="34" charset="0"/>
-                <a:ea typeface="+mj-ea"/>
-                <a:cs typeface="+mj-cs"/>
-              </a:rPr>
-              <a:t>GUI</a:t>
-            </a:r>
-          </a:p>
-          <a:p>
-            <a:pPr marL="0" marR="0" lvl="0" indent="0" algn="l" defTabSz="914400" rtl="0" eaLnBrk="1" fontAlgn="auto" latinLnBrk="0" hangingPunct="1">
-              <a:lnSpc>
-                <a:spcPct val="100000"/>
-              </a:lnSpc>
-              <a:spcBef>
-                <a:spcPct val="0"/>
-              </a:spcBef>
-              <a:spcAft>
-                <a:spcPts val="0"/>
-              </a:spcAft>
-              <a:buClrTx/>
-              <a:buSzTx/>
-              <a:tabLst/>
-              <a:defRPr/>
-            </a:pPr>
-            <a:r>
-              <a:rPr lang="en-US" sz="3000" dirty="0" smtClean="0">
-                <a:solidFill>
-                  <a:srgbClr val="00B050"/>
-                </a:solidFill>
-                <a:latin typeface="Arial" pitchFamily="34" charset="0"/>
-                <a:ea typeface="+mj-ea"/>
-                <a:cs typeface="+mj-cs"/>
-              </a:rPr>
-              <a:t>	</a:t>
-            </a:r>
-            <a:r>
               <a:rPr lang="en-US" sz="3000" dirty="0" err="1" smtClean="0">
                 <a:solidFill>
                   <a:srgbClr val="00B050"/>
@@ -48400,7 +48432,7 @@
                 <a:ea typeface="+mj-ea"/>
                 <a:cs typeface="+mj-cs"/>
               </a:rPr>
-              <a:t>fxml</a:t>
+              <a:t>Fxml</a:t>
             </a:r>
             <a:r>
               <a:rPr lang="en-US" sz="3000" dirty="0" smtClean="0">
@@ -48450,17 +48482,6 @@
               <a:defRPr/>
             </a:pPr>
             <a:r>
-              <a:rPr lang="en-US" sz="3000" dirty="0" smtClean="0">
-                <a:solidFill>
-                  <a:srgbClr val="00B050"/>
-                </a:solidFill>
-                <a:latin typeface="Arial" pitchFamily="34" charset="0"/>
-                <a:ea typeface="+mj-ea"/>
-                <a:cs typeface="+mj-cs"/>
-              </a:rPr>
-              <a:t>	</a:t>
-            </a:r>
-            <a:r>
               <a:rPr lang="en-US" sz="3000" dirty="0" err="1" smtClean="0">
                 <a:solidFill>
                   <a:srgbClr val="00B050"/>
@@ -48469,7 +48490,7 @@
                 <a:ea typeface="+mj-ea"/>
                 <a:cs typeface="+mj-cs"/>
               </a:rPr>
-              <a:t>mvc</a:t>
+              <a:t>Mvc</a:t>
             </a:r>
             <a:endParaRPr lang="en-US" sz="3000" dirty="0" smtClean="0">
               <a:solidFill>
@@ -48505,7 +48526,7 @@
                 <a:ea typeface="+mj-ea"/>
                 <a:cs typeface="+mj-cs"/>
               </a:rPr>
-              <a:t>	</a:t>
+              <a:t>B</a:t>
             </a:r>
             <a:r>
               <a:rPr lang="en-US" sz="3000" dirty="0" smtClean="0">
@@ -48516,7 +48537,35 @@
                 <a:ea typeface="+mj-ea"/>
                 <a:cs typeface="+mj-cs"/>
               </a:rPr>
-              <a:t>beauty / features</a:t>
+              <a:t>eauty / features</a:t>
+            </a:r>
+          </a:p>
+          <a:p>
+            <a:pPr marL="0" marR="0" lvl="0" indent="0" algn="l" defTabSz="914400" rtl="0" eaLnBrk="1" fontAlgn="auto" latinLnBrk="0" hangingPunct="1">
+              <a:lnSpc>
+                <a:spcPct val="100000"/>
+              </a:lnSpc>
+              <a:spcBef>
+                <a:spcPct val="0"/>
+              </a:spcBef>
+              <a:spcAft>
+                <a:spcPts val="0"/>
+              </a:spcAft>
+              <a:buClrTx/>
+              <a:buSzTx/>
+              <a:tabLst/>
+              <a:defRPr/>
+            </a:pPr>
+            <a:r>
+              <a:rPr lang="en-US" sz="3000" dirty="0" smtClean="0">
+                <a:solidFill>
+                  <a:srgbClr val="00B050"/>
+                </a:solidFill>
+                <a:latin typeface="Arial" pitchFamily="34" charset="0"/>
+                <a:ea typeface="+mj-ea"/>
+                <a:cs typeface="+mj-cs"/>
+              </a:rPr>
+              <a:t>Binding</a:t>
             </a:r>
           </a:p>
           <a:p>
@@ -48583,7 +48632,7 @@
                 <a:ea typeface="+mj-ea"/>
                 <a:cs typeface="+mj-cs"/>
               </a:rPr>
-              <a:t>multiplatform</a:t>
+              <a:t>Multi-platform</a:t>
             </a:r>
             <a:endParaRPr lang="en-US" sz="3000" dirty="0" smtClean="0">
               <a:solidFill>
@@ -48845,8 +48894,8 @@
           <a:lstStyle/>
           <a:p>
             <a:r>
-              <a:rPr lang="nl-NL" dirty="0" smtClean="0"/>
-              <a:t>Interoperabiliteit</a:t>
+              <a:rPr lang="nl-NL" dirty="0" err="1" smtClean="0"/>
+              <a:t>Interoperability</a:t>
             </a:r>
             <a:endParaRPr lang="nl-NL" dirty="0"/>
           </a:p>
@@ -49132,8 +49181,8 @@
           <a:lstStyle/>
           <a:p>
             <a:r>
-              <a:rPr lang="nl-NL" dirty="0" smtClean="0"/>
-              <a:t>Beheer</a:t>
+              <a:rPr lang="nl-NL" dirty="0" err="1" smtClean="0"/>
+              <a:t>Manageability</a:t>
             </a:r>
             <a:endParaRPr lang="nl-NL" dirty="0"/>
           </a:p>
@@ -49212,8 +49261,110 @@
                 <a:ea typeface="+mj-ea"/>
                 <a:cs typeface="+mj-cs"/>
               </a:rPr>
-              <a:t> packaging</a:t>
+              <a:t> </a:t>
             </a:r>
+            <a:r>
+              <a:rPr lang="en-US" sz="3000" dirty="0" smtClean="0">
+                <a:solidFill>
+                  <a:schemeClr val="tx2"/>
+                </a:solidFill>
+                <a:latin typeface="Arial" pitchFamily="34" charset="0"/>
+                <a:ea typeface="+mj-ea"/>
+                <a:cs typeface="+mj-cs"/>
+              </a:rPr>
+              <a:t>packaging</a:t>
+            </a:r>
+          </a:p>
+          <a:p>
+            <a:pPr lvl="1">
+              <a:spcBef>
+                <a:spcPct val="0"/>
+              </a:spcBef>
+              <a:buFont typeface="Arial" pitchFamily="34" charset="0"/>
+              <a:buChar char="•"/>
+              <a:defRPr/>
+            </a:pPr>
+            <a:r>
+              <a:rPr lang="en-US" sz="3000" dirty="0" smtClean="0">
+                <a:solidFill>
+                  <a:schemeClr val="tx2"/>
+                </a:solidFill>
+                <a:latin typeface="Arial" pitchFamily="34" charset="0"/>
+                <a:ea typeface="+mj-ea"/>
+                <a:cs typeface="+mj-cs"/>
+              </a:rPr>
+              <a:t> </a:t>
+            </a:r>
+            <a:r>
+              <a:rPr lang="en-US" sz="3000" dirty="0" smtClean="0">
+                <a:solidFill>
+                  <a:schemeClr val="tx2"/>
+                </a:solidFill>
+                <a:latin typeface="Arial" pitchFamily="34" charset="0"/>
+                <a:ea typeface="+mj-ea"/>
+                <a:cs typeface="+mj-cs"/>
+              </a:rPr>
+              <a:t>shade </a:t>
+            </a:r>
+            <a:r>
+              <a:rPr lang="en-US" sz="3000" dirty="0" err="1" smtClean="0">
+                <a:solidFill>
+                  <a:schemeClr val="tx2"/>
+                </a:solidFill>
+                <a:latin typeface="Arial" pitchFamily="34" charset="0"/>
+                <a:ea typeface="+mj-ea"/>
+                <a:cs typeface="+mj-cs"/>
+              </a:rPr>
+              <a:t>plugin</a:t>
+            </a:r>
+            <a:endParaRPr lang="en-US" sz="3000" dirty="0" smtClean="0">
+              <a:solidFill>
+                <a:schemeClr val="tx2"/>
+              </a:solidFill>
+              <a:latin typeface="Arial" pitchFamily="34" charset="0"/>
+              <a:ea typeface="+mj-ea"/>
+              <a:cs typeface="+mj-cs"/>
+            </a:endParaRPr>
+          </a:p>
+          <a:p>
+            <a:pPr lvl="1">
+              <a:spcBef>
+                <a:spcPct val="0"/>
+              </a:spcBef>
+              <a:buFont typeface="Arial" pitchFamily="34" charset="0"/>
+              <a:buChar char="•"/>
+              <a:defRPr/>
+            </a:pPr>
+            <a:r>
+              <a:rPr lang="en-US" sz="3000" dirty="0" smtClean="0">
+                <a:solidFill>
+                  <a:schemeClr val="tx2"/>
+                </a:solidFill>
+                <a:latin typeface="Arial" pitchFamily="34" charset="0"/>
+                <a:ea typeface="+mj-ea"/>
+                <a:cs typeface="+mj-cs"/>
+              </a:rPr>
+              <a:t> </a:t>
+            </a:r>
+            <a:r>
+              <a:rPr lang="en-US" sz="1600" dirty="0" smtClean="0">
+                <a:solidFill>
+                  <a:schemeClr val="tx2"/>
+                </a:solidFill>
+                <a:latin typeface="Arial" pitchFamily="34" charset="0"/>
+                <a:ea typeface="+mj-ea"/>
+                <a:cs typeface="+mj-cs"/>
+              </a:rPr>
+              <a:t>http://docs.oracle.com/javafx/2/deployment/self-contained-packaging.htm</a:t>
+            </a:r>
+            <a:endParaRPr lang="en-US" sz="1600" dirty="0" smtClean="0">
+              <a:solidFill>
+                <a:schemeClr val="tx2"/>
+              </a:solidFill>
+              <a:latin typeface="Arial" pitchFamily="34" charset="0"/>
+              <a:ea typeface="+mj-ea"/>
+              <a:cs typeface="+mj-cs"/>
+            </a:endParaRPr>
           </a:p>
           <a:p>
             <a:pPr marL="0" marR="0" lvl="0" indent="0" algn="l" defTabSz="914400" rtl="0" eaLnBrk="1" fontAlgn="auto" latinLnBrk="0" hangingPunct="1">
@@ -49686,8 +49837,8 @@
           <a:lstStyle/>
           <a:p>
             <a:r>
-              <a:rPr lang="nl-NL" dirty="0" smtClean="0"/>
-              <a:t>Aan de slag</a:t>
+              <a:rPr lang="nl-NL" dirty="0" err="1" smtClean="0"/>
+              <a:t>Hands-on</a:t>
             </a:r>
             <a:endParaRPr lang="nl-NL" dirty="0"/>
           </a:p>
@@ -49740,6 +49891,110 @@
           </a:bodyPr>
           <a:lstStyle/>
           <a:p>
+            <a:pPr lvl="0">
+              <a:spcBef>
+                <a:spcPct val="0"/>
+              </a:spcBef>
+              <a:buFont typeface="Arial" pitchFamily="34" charset="0"/>
+              <a:buChar char="•"/>
+              <a:defRPr/>
+            </a:pPr>
+            <a:r>
+              <a:rPr kumimoji="0" lang="en-US" sz="3000" b="0" i="0" u="none" strike="noStrike" kern="1200" cap="none" spc="0" normalizeH="0" baseline="0" noProof="0" dirty="0" smtClean="0">
+                <a:ln>
+                  <a:noFill/>
+                </a:ln>
+                <a:solidFill>
+                  <a:schemeClr val="tx2"/>
+                </a:solidFill>
+                <a:effectLst/>
+                <a:uLnTx/>
+                <a:uFillTx/>
+                <a:latin typeface="Arial" pitchFamily="34" charset="0"/>
+                <a:ea typeface="+mj-ea"/>
+                <a:cs typeface="+mj-cs"/>
+              </a:rPr>
+              <a:t> Setup </a:t>
+            </a:r>
+            <a:r>
+              <a:rPr lang="en-US" sz="3000" dirty="0" err="1" smtClean="0">
+                <a:solidFill>
+                  <a:schemeClr val="tx2"/>
+                </a:solidFill>
+                <a:latin typeface="Arial" pitchFamily="34" charset="0"/>
+              </a:rPr>
+              <a:t>NetBeans</a:t>
+            </a:r>
+            <a:r>
+              <a:rPr lang="en-US" sz="3000" dirty="0" smtClean="0">
+                <a:solidFill>
+                  <a:schemeClr val="tx2"/>
+                </a:solidFill>
+                <a:latin typeface="Arial" pitchFamily="34" charset="0"/>
+              </a:rPr>
+              <a:t> </a:t>
+            </a:r>
+            <a:r>
+              <a:rPr kumimoji="0" lang="en-US" sz="3000" b="0" i="0" u="none" strike="noStrike" kern="1200" cap="none" spc="0" normalizeH="0" baseline="0" noProof="0" dirty="0" smtClean="0">
+                <a:ln>
+                  <a:noFill/>
+                </a:ln>
+                <a:solidFill>
+                  <a:schemeClr val="tx2"/>
+                </a:solidFill>
+                <a:effectLst/>
+                <a:uLnTx/>
+                <a:uFillTx/>
+                <a:latin typeface="Arial" pitchFamily="34" charset="0"/>
+                <a:ea typeface="+mj-ea"/>
+                <a:cs typeface="+mj-cs"/>
+              </a:rPr>
+              <a:t>with </a:t>
+            </a:r>
+            <a:r>
+              <a:rPr lang="en-US" sz="3000" dirty="0" smtClean="0">
+                <a:solidFill>
+                  <a:schemeClr val="tx2"/>
+                </a:solidFill>
+                <a:latin typeface="Arial" pitchFamily="34" charset="0"/>
+                <a:ea typeface="+mj-ea"/>
+                <a:cs typeface="+mj-cs"/>
+              </a:rPr>
+              <a:t>S</a:t>
+            </a:r>
+            <a:r>
+              <a:rPr kumimoji="0" lang="en-US" sz="3000" b="0" i="0" u="none" strike="noStrike" kern="1200" cap="none" spc="0" normalizeH="0" baseline="0" noProof="0" dirty="0" err="1" smtClean="0">
+                <a:ln>
+                  <a:noFill/>
+                </a:ln>
+                <a:solidFill>
+                  <a:schemeClr val="tx2"/>
+                </a:solidFill>
+                <a:effectLst/>
+                <a:uLnTx/>
+                <a:uFillTx/>
+                <a:latin typeface="Arial" pitchFamily="34" charset="0"/>
+                <a:ea typeface="+mj-ea"/>
+                <a:cs typeface="+mj-cs"/>
+              </a:rPr>
+              <a:t>ceneBuilder</a:t>
+            </a:r>
+            <a:endParaRPr kumimoji="0" lang="en-US" sz="3000" b="0" i="0" u="none" strike="noStrike" kern="1200" cap="none" spc="0" normalizeH="0" baseline="0" noProof="0" dirty="0" smtClean="0">
+              <a:ln>
+                <a:noFill/>
+              </a:ln>
+              <a:solidFill>
+                <a:schemeClr val="tx2"/>
+              </a:solidFill>
+              <a:effectLst/>
+              <a:uLnTx/>
+              <a:uFillTx/>
+              <a:latin typeface="Arial" pitchFamily="34" charset="0"/>
+              <a:ea typeface="+mj-ea"/>
+              <a:cs typeface="+mj-cs"/>
+            </a:endParaRPr>
+          </a:p>
+          <a:p>
             <a:pPr marL="0" marR="0" lvl="0" indent="0" algn="l" defTabSz="914400" rtl="0" eaLnBrk="1" fontAlgn="auto" latinLnBrk="0" hangingPunct="1">
               <a:lnSpc>
                 <a:spcPct val="100000"/>
@@ -49752,8 +50007,249 @@
               </a:spcAft>
               <a:buClrTx/>
               <a:buSzTx/>
-              <a:buFontTx/>
-              <a:buNone/>
+              <a:buFont typeface="Arial" pitchFamily="34" charset="0"/>
+              <a:buChar char="•"/>
+              <a:tabLst/>
+              <a:defRPr/>
+            </a:pPr>
+            <a:r>
+              <a:rPr kumimoji="0" lang="en-US" sz="3000" b="0" i="0" u="none" strike="noStrike" kern="1200" cap="none" spc="0" normalizeH="0" baseline="0" noProof="0" dirty="0" smtClean="0">
+                <a:ln>
+                  <a:noFill/>
+                </a:ln>
+                <a:solidFill>
+                  <a:schemeClr val="tx2"/>
+                </a:solidFill>
+                <a:effectLst/>
+                <a:uLnTx/>
+                <a:uFillTx/>
+                <a:latin typeface="Arial" pitchFamily="34" charset="0"/>
+                <a:ea typeface="+mj-ea"/>
+                <a:cs typeface="+mj-cs"/>
+              </a:rPr>
+              <a:t> Create a </a:t>
+            </a:r>
+            <a:r>
+              <a:rPr lang="en-US" sz="3000" dirty="0" smtClean="0">
+                <a:solidFill>
+                  <a:schemeClr val="tx2"/>
+                </a:solidFill>
+                <a:latin typeface="Arial" pitchFamily="34" charset="0"/>
+                <a:ea typeface="+mj-ea"/>
+                <a:cs typeface="+mj-cs"/>
+              </a:rPr>
+              <a:t>J</a:t>
+            </a:r>
+            <a:r>
+              <a:rPr kumimoji="0" lang="en-US" sz="3000" b="0" i="0" u="none" strike="noStrike" kern="1200" cap="none" spc="0" normalizeH="0" baseline="0" noProof="0" dirty="0" err="1" smtClean="0">
+                <a:ln>
+                  <a:noFill/>
+                </a:ln>
+                <a:solidFill>
+                  <a:schemeClr val="tx2"/>
+                </a:solidFill>
+                <a:effectLst/>
+                <a:uLnTx/>
+                <a:uFillTx/>
+                <a:latin typeface="Arial" pitchFamily="34" charset="0"/>
+                <a:ea typeface="+mj-ea"/>
+                <a:cs typeface="+mj-cs"/>
+              </a:rPr>
+              <a:t>avaFX</a:t>
+            </a:r>
+            <a:r>
+              <a:rPr kumimoji="0" lang="en-US" sz="3000" b="0" i="0" u="none" strike="noStrike" kern="1200" cap="none" spc="0" normalizeH="0" noProof="0" dirty="0" smtClean="0">
+                <a:ln>
+                  <a:noFill/>
+                </a:ln>
+                <a:solidFill>
+                  <a:schemeClr val="tx2"/>
+                </a:solidFill>
+                <a:effectLst/>
+                <a:uLnTx/>
+                <a:uFillTx/>
+                <a:latin typeface="Arial" pitchFamily="34" charset="0"/>
+                <a:ea typeface="+mj-ea"/>
+                <a:cs typeface="+mj-cs"/>
+              </a:rPr>
+              <a:t> </a:t>
+            </a:r>
+            <a:r>
+              <a:rPr kumimoji="0" lang="en-US" sz="3000" b="0" i="0" u="none" strike="noStrike" kern="1200" cap="none" spc="0" normalizeH="0" noProof="0" dirty="0" err="1" smtClean="0">
+                <a:ln>
+                  <a:noFill/>
+                </a:ln>
+                <a:solidFill>
+                  <a:schemeClr val="tx2"/>
+                </a:solidFill>
+                <a:effectLst/>
+                <a:uLnTx/>
+                <a:uFillTx/>
+                <a:latin typeface="Arial" pitchFamily="34" charset="0"/>
+                <a:ea typeface="+mj-ea"/>
+                <a:cs typeface="+mj-cs"/>
+              </a:rPr>
+              <a:t>fxml</a:t>
+            </a:r>
+            <a:r>
+              <a:rPr kumimoji="0" lang="en-US" sz="3000" b="0" i="0" u="none" strike="noStrike" kern="1200" cap="none" spc="0" normalizeH="0" noProof="0" dirty="0" smtClean="0">
+                <a:ln>
+                  <a:noFill/>
+                </a:ln>
+                <a:solidFill>
+                  <a:schemeClr val="tx2"/>
+                </a:solidFill>
+                <a:effectLst/>
+                <a:uLnTx/>
+                <a:uFillTx/>
+                <a:latin typeface="Arial" pitchFamily="34" charset="0"/>
+                <a:ea typeface="+mj-ea"/>
+                <a:cs typeface="+mj-cs"/>
+              </a:rPr>
+              <a:t> application project</a:t>
+            </a:r>
+            <a:endParaRPr kumimoji="0" lang="en-US" sz="3000" b="0" i="0" u="none" strike="noStrike" kern="1200" cap="none" spc="0" normalizeH="0" baseline="0" noProof="0" dirty="0" smtClean="0">
+              <a:ln>
+                <a:noFill/>
+              </a:ln>
+              <a:solidFill>
+                <a:schemeClr val="tx2"/>
+              </a:solidFill>
+              <a:effectLst/>
+              <a:uLnTx/>
+              <a:uFillTx/>
+              <a:latin typeface="Arial" pitchFamily="34" charset="0"/>
+              <a:ea typeface="+mj-ea"/>
+              <a:cs typeface="+mj-cs"/>
+            </a:endParaRPr>
+          </a:p>
+          <a:p>
+            <a:pPr lvl="0">
+              <a:spcBef>
+                <a:spcPct val="0"/>
+              </a:spcBef>
+              <a:buFont typeface="Arial" pitchFamily="34" charset="0"/>
+              <a:buChar char="•"/>
+              <a:defRPr/>
+            </a:pPr>
+            <a:r>
+              <a:rPr kumimoji="0" lang="en-US" sz="3000" b="0" i="0" u="none" strike="noStrike" kern="1200" cap="none" spc="0" normalizeH="0" baseline="0" noProof="0" dirty="0" smtClean="0">
+                <a:ln>
+                  <a:noFill/>
+                </a:ln>
+                <a:solidFill>
+                  <a:schemeClr val="tx2"/>
+                </a:solidFill>
+                <a:effectLst/>
+                <a:uLnTx/>
+                <a:uFillTx/>
+                <a:latin typeface="Arial" pitchFamily="34" charset="0"/>
+                <a:ea typeface="+mj-ea"/>
+                <a:cs typeface="+mj-cs"/>
+              </a:rPr>
+              <a:t> Play around </a:t>
+            </a:r>
+            <a:r>
+              <a:rPr lang="en-US" sz="3000" dirty="0" err="1" smtClean="0">
+                <a:solidFill>
+                  <a:schemeClr val="tx2"/>
+                </a:solidFill>
+                <a:latin typeface="Arial" pitchFamily="34" charset="0"/>
+              </a:rPr>
+              <a:t>SceneBuilder</a:t>
+            </a:r>
+            <a:r>
+              <a:rPr lang="en-US" sz="3000" dirty="0" smtClean="0">
+                <a:solidFill>
+                  <a:schemeClr val="tx2"/>
+                </a:solidFill>
+                <a:latin typeface="Arial" pitchFamily="34" charset="0"/>
+              </a:rPr>
+              <a:t> and </a:t>
+            </a:r>
+            <a:r>
+              <a:rPr lang="en-US" sz="3000" dirty="0" err="1" smtClean="0">
+                <a:solidFill>
+                  <a:schemeClr val="tx2"/>
+                </a:solidFill>
+                <a:latin typeface="Arial" pitchFamily="34" charset="0"/>
+              </a:rPr>
+              <a:t>NetBeans</a:t>
+            </a:r>
+            <a:endParaRPr kumimoji="0" lang="en-US" sz="3000" b="0" i="0" u="none" strike="noStrike" kern="1200" cap="none" spc="0" normalizeH="0" baseline="0" noProof="0" dirty="0" smtClean="0">
+              <a:ln>
+                <a:noFill/>
+              </a:ln>
+              <a:solidFill>
+                <a:schemeClr val="tx2"/>
+              </a:solidFill>
+              <a:effectLst/>
+              <a:uLnTx/>
+              <a:uFillTx/>
+              <a:latin typeface="Arial" pitchFamily="34" charset="0"/>
+              <a:ea typeface="+mj-ea"/>
+              <a:cs typeface="+mj-cs"/>
+            </a:endParaRPr>
+          </a:p>
+          <a:p>
+            <a:pPr marL="0" marR="0" lvl="0" indent="0" algn="l" defTabSz="914400" rtl="0" eaLnBrk="1" fontAlgn="auto" latinLnBrk="0" hangingPunct="1">
+              <a:lnSpc>
+                <a:spcPct val="100000"/>
+              </a:lnSpc>
+              <a:spcBef>
+                <a:spcPct val="0"/>
+              </a:spcBef>
+              <a:spcAft>
+                <a:spcPts val="0"/>
+              </a:spcAft>
+              <a:buClrTx/>
+              <a:buSzTx/>
+              <a:buFont typeface="Arial" pitchFamily="34" charset="0"/>
+              <a:buChar char="•"/>
+              <a:tabLst/>
+              <a:defRPr/>
+            </a:pPr>
+            <a:r>
+              <a:rPr lang="en-US" sz="3000" dirty="0" smtClean="0">
+                <a:solidFill>
+                  <a:schemeClr val="tx2"/>
+                </a:solidFill>
+                <a:latin typeface="Arial" pitchFamily="34" charset="0"/>
+                <a:ea typeface="+mj-ea"/>
+                <a:cs typeface="+mj-cs"/>
+              </a:rPr>
+              <a:t> Create a custom component</a:t>
+            </a:r>
+            <a:endParaRPr kumimoji="0" lang="nl-NL" sz="3000" b="0" i="0" u="none" strike="noStrike" kern="1200" cap="none" spc="0" normalizeH="0" baseline="0" noProof="0" dirty="0" smtClean="0">
+              <a:ln>
+                <a:noFill/>
+              </a:ln>
+              <a:solidFill>
+                <a:schemeClr val="tx2"/>
+              </a:solidFill>
+              <a:effectLst/>
+              <a:uLnTx/>
+              <a:uFillTx/>
+              <a:latin typeface="Arial" pitchFamily="34" charset="0"/>
+              <a:ea typeface="+mj-ea"/>
+              <a:cs typeface="+mj-cs"/>
+            </a:endParaRPr>
+          </a:p>
+          <a:p>
+            <a:pPr marL="0" marR="0" lvl="0" indent="0" algn="l" defTabSz="914400" rtl="0" eaLnBrk="1" fontAlgn="auto" latinLnBrk="0" hangingPunct="1">
+              <a:lnSpc>
+                <a:spcPct val="100000"/>
+              </a:lnSpc>
+              <a:spcBef>
+                <a:spcPct val="0"/>
+              </a:spcBef>
+              <a:spcAft>
+                <a:spcPts val="0"/>
+              </a:spcAft>
+              <a:buClrTx/>
+              <a:buSzTx/>
+              <a:buFont typeface="Arial" pitchFamily="34" charset="0"/>
+              <a:buChar char="•"/>
               <a:tabLst/>
               <a:defRPr/>
             </a:pPr>
@@ -49772,7 +50268,7 @@
                 <a:ea typeface="+mj-ea"/>
                 <a:cs typeface="+mj-cs"/>
               </a:rPr>
-              <a:t>2048</a:t>
+              <a:t> 2048 game</a:t>
             </a:r>
             <a:endParaRPr kumimoji="0" lang="nl-NL" sz="3000" b="0" i="0" u="none" strike="noStrike" kern="1200" cap="none" spc="0" normalizeH="0" baseline="0" noProof="0" dirty="0">
               <a:ln>

--- a/JavaFX meetup juli 2016.pptx
+++ b/JavaFX meetup juli 2016.pptx
@@ -121,7 +121,7 @@
   </p:defaultTextStyle>
   <p:extLst>
     <p:ext uri="{EFAFB233-063F-42B5-8137-9DF3F51BA10A}">
-      <p15:sldGuideLst xmlns="" xmlns:p15="http://schemas.microsoft.com/office/powerpoint/2012/main">
+      <p15:sldGuideLst xmlns:p15="http://schemas.microsoft.com/office/powerpoint/2012/main" xmlns="">
         <p15:guide id="1" orient="horz" pos="835">
           <p15:clr>
             <a:srgbClr val="A4A3A4"/>
@@ -185,7 +185,7 @@
       </p15:sldGuideLst>
     </p:ext>
     <p:ext uri="{2D200454-40CA-4A62-9FC3-DE9A4176ACB9}">
-      <p15:notesGuideLst xmlns="" xmlns:p15="http://schemas.microsoft.com/office/powerpoint/2012/main">
+      <p15:notesGuideLst xmlns:p15="http://schemas.microsoft.com/office/powerpoint/2012/main" xmlns="">
         <p15:guide id="1" orient="horz" pos="2880">
           <p15:clr>
             <a:srgbClr val="A4A3A4"/>
@@ -298,7 +298,7 @@
                 <a:latin typeface="Arial" pitchFamily="34" charset="0"/>
               </a:rPr>
               <a:pPr/>
-              <a:t>7/13/2016</a:t>
+              <a:t>7/14/2016</a:t>
             </a:fld>
             <a:endParaRPr lang="en-US" dirty="0">
               <a:latin typeface="Arial" pitchFamily="34" charset="0"/>
@@ -382,7 +382,7 @@
     </p:spTree>
     <p:extLst>
       <p:ext uri="{BB962C8B-B14F-4D97-AF65-F5344CB8AC3E}">
-        <p14:creationId xmlns="" xmlns:p14="http://schemas.microsoft.com/office/powerpoint/2010/main" val="3809342365"/>
+        <p14:creationId xmlns:p14="http://schemas.microsoft.com/office/powerpoint/2010/main" xmlns="" val="3809342365"/>
       </p:ext>
     </p:extLst>
   </p:cSld>
@@ -477,7 +477,7 @@
             <a:fld id="{B5D7A87D-1CDA-443F-BAE3-82C9C05446C3}" type="datetimeFigureOut">
               <a:rPr lang="en-US" smtClean="0"/>
               <a:pPr/>
-              <a:t>7/13/2016</a:t>
+              <a:t>7/14/2016</a:t>
             </a:fld>
             <a:endParaRPr lang="en-US" dirty="0"/>
           </a:p>
@@ -652,7 +652,7 @@
     </p:spTree>
     <p:extLst>
       <p:ext uri="{BB962C8B-B14F-4D97-AF65-F5344CB8AC3E}">
-        <p14:creationId xmlns="" xmlns:p14="http://schemas.microsoft.com/office/powerpoint/2010/main" val="3116277547"/>
+        <p14:creationId xmlns:p14="http://schemas.microsoft.com/office/powerpoint/2010/main" xmlns="" val="3116277547"/>
       </p:ext>
     </p:extLst>
   </p:cSld>
@@ -829,7 +829,7 @@
     </p:spTree>
     <p:extLst>
       <p:ext uri="{BB962C8B-B14F-4D97-AF65-F5344CB8AC3E}">
-        <p14:creationId xmlns="" xmlns:p14="http://schemas.microsoft.com/office/powerpoint/2010/main" val="3950182644"/>
+        <p14:creationId xmlns:p14="http://schemas.microsoft.com/office/powerpoint/2010/main" xmlns="" val="3950182644"/>
       </p:ext>
     </p:extLst>
   </p:cSld>
@@ -869,7 +869,7 @@
             <a:grayscl/>
             <a:extLst>
               <a:ext uri="{28A0092B-C50C-407E-A947-70E740481C1C}">
-                <a14:useLocalDpi xmlns="" xmlns:a14="http://schemas.microsoft.com/office/drawing/2010/main" val="0"/>
+                <a14:useLocalDpi xmlns:a14="http://schemas.microsoft.com/office/drawing/2010/main" xmlns="" val="0"/>
               </a:ext>
             </a:extLst>
           </a:blip>
@@ -890,7 +890,7 @@
           </a:ln>
           <a:extLst>
             <a:ext uri="{909E8E84-426E-40DD-AFC4-6F175D3DCCD1}">
-              <a14:hiddenFill xmlns="" xmlns:a14="http://schemas.microsoft.com/office/drawing/2010/main">
+              <a14:hiddenFill xmlns:a14="http://schemas.microsoft.com/office/drawing/2010/main" xmlns="">
                 <a:solidFill>
                   <a:srgbClr val="FFFFFF"/>
                 </a:solidFill>
@@ -37673,7 +37673,7 @@
             <a:grayscl/>
             <a:extLst>
               <a:ext uri="{28A0092B-C50C-407E-A947-70E740481C1C}">
-                <a14:useLocalDpi xmlns="" xmlns:a14="http://schemas.microsoft.com/office/drawing/2010/main" val="0"/>
+                <a14:useLocalDpi xmlns:a14="http://schemas.microsoft.com/office/drawing/2010/main" xmlns="" val="0"/>
               </a:ext>
             </a:extLst>
           </a:blip>
@@ -37694,7 +37694,7 @@
           </a:ln>
           <a:extLst>
             <a:ext uri="{909E8E84-426E-40DD-AFC4-6F175D3DCCD1}">
-              <a14:hiddenFill xmlns="" xmlns:a14="http://schemas.microsoft.com/office/drawing/2010/main">
+              <a14:hiddenFill xmlns:a14="http://schemas.microsoft.com/office/drawing/2010/main" xmlns="">
                 <a:solidFill>
                   <a:srgbClr val="FFFFFF"/>
                 </a:solidFill>
@@ -45006,7 +45006,7 @@
     </p:spTree>
     <p:extLst>
       <p:ext uri="{BB962C8B-B14F-4D97-AF65-F5344CB8AC3E}">
-        <p14:creationId xmlns="" xmlns:p14="http://schemas.microsoft.com/office/powerpoint/2010/main" val="3697878167"/>
+        <p14:creationId xmlns:p14="http://schemas.microsoft.com/office/powerpoint/2010/main" xmlns="" val="3697878167"/>
       </p:ext>
     </p:extLst>
   </p:cSld>
@@ -45278,26 +45278,7 @@
                   <a:lin ang="0" scaled="1"/>
                 </a:gradFill>
               </a:rPr>
-              <a:t> 17:30 </a:t>
-            </a:r>
-            <a:r>
-              <a:rPr lang="de-DE" b="1" dirty="0" smtClean="0">
-                <a:gradFill>
-                  <a:gsLst>
-                    <a:gs pos="0">
-                      <a:srgbClr val="FF6A00"/>
-                    </a:gs>
-                    <a:gs pos="50000">
-                      <a:srgbClr val="E31937"/>
-                    </a:gs>
-                    <a:gs pos="100000">
-                      <a:srgbClr val="991F3D"/>
-                    </a:gs>
-                  </a:gsLst>
-                  <a:lin ang="0" scaled="1"/>
-                </a:gradFill>
-              </a:rPr>
-              <a:t>– 18:30</a:t>
+              <a:t> 17:30 – 18:30</a:t>
             </a:r>
           </a:p>
           <a:p>
@@ -45781,22 +45762,6 @@
               </a:rPr>
               <a:t>-on</a:t>
             </a:r>
-            <a:endParaRPr lang="de-DE" b="1" dirty="0" smtClean="0">
-              <a:gradFill>
-                <a:gsLst>
-                  <a:gs pos="0">
-                    <a:srgbClr val="FF6A00"/>
-                  </a:gs>
-                  <a:gs pos="50000">
-                    <a:srgbClr val="E31937"/>
-                  </a:gs>
-                  <a:gs pos="100000">
-                    <a:srgbClr val="991F3D"/>
-                  </a:gs>
-                </a:gsLst>
-                <a:lin ang="0" scaled="1"/>
-              </a:gradFill>
-            </a:endParaRPr>
           </a:p>
         </p:txBody>
       </p:sp>
@@ -45855,7 +45820,7 @@
     </p:spTree>
     <p:extLst>
       <p:ext uri="{BB962C8B-B14F-4D97-AF65-F5344CB8AC3E}">
-        <p14:creationId xmlns="" xmlns:p14="http://schemas.microsoft.com/office/powerpoint/2010/main" val="4261803648"/>
+        <p14:creationId xmlns:p14="http://schemas.microsoft.com/office/powerpoint/2010/main" xmlns="" val="4261803648"/>
       </p:ext>
     </p:extLst>
   </p:cSld>
@@ -46048,31 +46013,7 @@
                 <a:cs typeface="+mj-cs"/>
                 <a:hlinkClick r:id="rId2"/>
               </a:rPr>
-              <a:t> https</a:t>
-            </a:r>
-            <a:r>
-              <a:rPr lang="en-US" sz="1600" dirty="0" smtClean="0">
-                <a:solidFill>
-                  <a:schemeClr val="tx2"/>
-                </a:solidFill>
-                <a:latin typeface="Arial" pitchFamily="34" charset="0"/>
-                <a:ea typeface="+mj-ea"/>
-                <a:cs typeface="+mj-cs"/>
-                <a:hlinkClick r:id="rId2"/>
-              </a:rPr>
-              <a:t>://</a:t>
-            </a:r>
-            <a:r>
-              <a:rPr lang="en-US" sz="1600" dirty="0" smtClean="0">
-                <a:solidFill>
-                  <a:schemeClr val="tx2"/>
-                </a:solidFill>
-                <a:latin typeface="Arial" pitchFamily="34" charset="0"/>
-                <a:ea typeface="+mj-ea"/>
-                <a:cs typeface="+mj-cs"/>
-                <a:hlinkClick r:id="rId2"/>
-              </a:rPr>
-              <a:t>docs.oracle.com/javafx/2/api/javafx/scene/doc-files/cssref.html</a:t>
+              <a:t> https://docs.oracle.com/javafx/2/api/javafx/scene/doc-files/cssref.html</a:t>
             </a:r>
             <a:endParaRPr lang="en-US" sz="1600" dirty="0" smtClean="0">
               <a:solidFill>
@@ -46101,27 +46042,8 @@
                 <a:ea typeface="+mj-ea"/>
                 <a:cs typeface="+mj-cs"/>
               </a:rPr>
-              <a:t> https</a:t>
+              <a:t> https://docs.oracle.com/javafx/2/api/javafx/fxml/doc-files/introduction_to_fxml.html</a:t>
             </a:r>
-            <a:r>
-              <a:rPr lang="en-US" sz="1600" dirty="0" smtClean="0">
-                <a:solidFill>
-                  <a:schemeClr val="tx2"/>
-                </a:solidFill>
-                <a:latin typeface="Arial" pitchFamily="34" charset="0"/>
-                <a:ea typeface="+mj-ea"/>
-                <a:cs typeface="+mj-cs"/>
-              </a:rPr>
-              <a:t>://docs.oracle.com/javafx/2/api/javafx/fxml/doc-files/introduction_to_fxml.html</a:t>
-            </a:r>
-            <a:endParaRPr lang="en-US" sz="1600" dirty="0" smtClean="0">
-              <a:solidFill>
-                <a:schemeClr val="tx2"/>
-              </a:solidFill>
-              <a:latin typeface="Arial" pitchFamily="34" charset="0"/>
-              <a:ea typeface="+mj-ea"/>
-              <a:cs typeface="+mj-cs"/>
-            </a:endParaRPr>
           </a:p>
           <a:p>
             <a:pPr marL="0" marR="0" lvl="0" indent="0" algn="l" defTabSz="914400" rtl="0" eaLnBrk="1" fontAlgn="auto" latinLnBrk="0" hangingPunct="1">
@@ -46205,24 +46127,7 @@
                 <a:ea typeface="+mj-ea"/>
                 <a:cs typeface="+mj-cs"/>
               </a:rPr>
-              <a:t> </a:t>
-            </a:r>
-            <a:r>
-              <a:rPr kumimoji="0" lang="en-US" sz="3000" b="0" i="0" u="none" strike="noStrike" kern="1200" cap="none" spc="0" normalizeH="0" noProof="0" dirty="0" smtClean="0">
-                <a:ln>
-                  <a:noFill/>
-                </a:ln>
-                <a:solidFill>
-                  <a:schemeClr val="tx2"/>
-                </a:solidFill>
-                <a:effectLst/>
-                <a:uLnTx/>
-                <a:uFillTx/>
-                <a:latin typeface="Arial" pitchFamily="34" charset="0"/>
-                <a:ea typeface="+mj-ea"/>
-                <a:cs typeface="+mj-cs"/>
-              </a:rPr>
-              <a:t>Java</a:t>
+              <a:t> Java</a:t>
             </a:r>
           </a:p>
           <a:p>
@@ -46254,18 +46159,7 @@
                 <a:ea typeface="+mj-ea"/>
                 <a:cs typeface="+mj-cs"/>
               </a:rPr>
-              <a:t>https</a:t>
-            </a:r>
-            <a:r>
-              <a:rPr lang="en-US" sz="1600" dirty="0" smtClean="0">
-                <a:solidFill>
-                  <a:schemeClr val="tx2"/>
-                </a:solidFill>
-                <a:latin typeface="Arial" pitchFamily="34" charset="0"/>
-                <a:ea typeface="+mj-ea"/>
-                <a:cs typeface="+mj-cs"/>
-              </a:rPr>
-              <a:t>://docs.oracle.com/javafx/2/</a:t>
+              <a:t>https://docs.oracle.com/javafx/2/</a:t>
             </a:r>
             <a:endParaRPr kumimoji="0" lang="en-US" sz="1600" b="0" i="0" u="none" strike="noStrike" kern="1200" cap="none" spc="0" normalizeH="0" noProof="0" dirty="0" smtClean="0">
               <a:ln>
@@ -46315,24 +46209,7 @@
                 <a:ea typeface="+mj-ea"/>
                 <a:cs typeface="+mj-cs"/>
               </a:rPr>
-              <a:t> </a:t>
-            </a:r>
-            <a:r>
-              <a:rPr kumimoji="0" lang="en-US" sz="3000" b="0" i="0" u="none" strike="noStrike" kern="1200" cap="none" spc="0" normalizeH="0" baseline="0" noProof="0" dirty="0" smtClean="0">
-                <a:ln>
-                  <a:noFill/>
-                </a:ln>
-                <a:solidFill>
-                  <a:schemeClr val="tx2"/>
-                </a:solidFill>
-                <a:effectLst/>
-                <a:uLnTx/>
-                <a:uFillTx/>
-                <a:latin typeface="Arial" pitchFamily="34" charset="0"/>
-                <a:ea typeface="+mj-ea"/>
-                <a:cs typeface="+mj-cs"/>
-              </a:rPr>
-              <a:t>binding</a:t>
+              <a:t> binding</a:t>
             </a:r>
           </a:p>
           <a:p>
@@ -46362,18 +46239,7 @@
                 <a:ea typeface="+mj-ea"/>
                 <a:cs typeface="+mj-cs"/>
               </a:rPr>
-              <a:t> </a:t>
-            </a:r>
-            <a:r>
-              <a:rPr lang="en-US" sz="3000" dirty="0" smtClean="0">
-                <a:solidFill>
-                  <a:schemeClr val="tx2"/>
-                </a:solidFill>
-                <a:latin typeface="Arial" pitchFamily="34" charset="0"/>
-                <a:ea typeface="+mj-ea"/>
-                <a:cs typeface="+mj-cs"/>
-              </a:rPr>
-              <a:t>multiplatform (see </a:t>
+              <a:t> multiplatform (see </a:t>
             </a:r>
             <a:r>
               <a:rPr lang="en-US" sz="3000" dirty="0" err="1" smtClean="0">
@@ -46460,18 +46326,7 @@
                 <a:ea typeface="+mj-ea"/>
                 <a:cs typeface="+mj-cs"/>
               </a:rPr>
-              <a:t> </a:t>
-            </a:r>
-            <a:r>
-              <a:rPr lang="en-US" sz="3000" baseline="0" dirty="0" smtClean="0">
-                <a:solidFill>
-                  <a:schemeClr val="tx2"/>
-                </a:solidFill>
-                <a:latin typeface="Arial" pitchFamily="34" charset="0"/>
-                <a:ea typeface="+mj-ea"/>
-                <a:cs typeface="+mj-cs"/>
-              </a:rPr>
-              <a:t>android, </a:t>
+              <a:t> android, </a:t>
             </a:r>
             <a:r>
               <a:rPr lang="en-US" sz="3000" baseline="0" dirty="0" err="1" smtClean="0">
@@ -46539,7 +46394,7 @@
     </p:spTree>
     <p:extLst>
       <p:ext uri="{BB962C8B-B14F-4D97-AF65-F5344CB8AC3E}">
-        <p14:creationId xmlns="" xmlns:p14="http://schemas.microsoft.com/office/powerpoint/2010/main" val="1362647605"/>
+        <p14:creationId xmlns:p14="http://schemas.microsoft.com/office/powerpoint/2010/main" xmlns="" val="1362647605"/>
       </p:ext>
     </p:extLst>
   </p:cSld>
@@ -46547,7 +46402,7 @@
     <a:masterClrMapping/>
   </p:clrMapOvr>
   <mc:AlternateContent xmlns:mc="http://schemas.openxmlformats.org/markup-compatibility/2006">
-    <mc:Choice xmlns="" xmlns:p14="http://schemas.microsoft.com/office/powerpoint/2010/main" Requires="p14">
+    <mc:Choice xmlns:p14="http://schemas.microsoft.com/office/powerpoint/2010/main" xmlns="" Requires="p14">
       <p:transition spd="slow" p14:dur="2000"/>
     </mc:Choice>
     <mc:Fallback>
@@ -47314,29 +47169,7 @@
                 <a:ea typeface="+mj-ea"/>
                 <a:cs typeface="Courier New" pitchFamily="49" charset="0"/>
               </a:rPr>
-              <a:t> </a:t>
-            </a:r>
-            <a:r>
-              <a:rPr lang="en-US" sz="1400" dirty="0" smtClean="0">
-                <a:solidFill>
-                  <a:schemeClr val="tx2"/>
-                </a:solidFill>
-                <a:latin typeface="Courier New" pitchFamily="49" charset="0"/>
-                <a:ea typeface="+mj-ea"/>
-                <a:cs typeface="Courier New" pitchFamily="49" charset="0"/>
-              </a:rPr>
-              <a:t>loader = </a:t>
-            </a:r>
-            <a:r>
-              <a:rPr lang="en-US" sz="1400" dirty="0" smtClean="0">
-                <a:solidFill>
-                  <a:schemeClr val="tx2"/>
-                </a:solidFill>
-                <a:latin typeface="Courier New" pitchFamily="49" charset="0"/>
-                <a:ea typeface="+mj-ea"/>
-                <a:cs typeface="Courier New" pitchFamily="49" charset="0"/>
-              </a:rPr>
-              <a:t>new </a:t>
+              <a:t> loader = new </a:t>
             </a:r>
             <a:r>
               <a:rPr lang="en-US" sz="1400" dirty="0" err="1" smtClean="0">
@@ -47465,18 +47298,7 @@
                 <a:ea typeface="+mj-ea"/>
                 <a:cs typeface="Courier New" pitchFamily="49" charset="0"/>
               </a:rPr>
-              <a:t>(this</a:t>
-            </a:r>
-            <a:r>
-              <a:rPr lang="en-US" sz="1400" dirty="0" smtClean="0">
-                <a:solidFill>
-                  <a:schemeClr val="tx2"/>
-                </a:solidFill>
-                <a:latin typeface="Courier New" pitchFamily="49" charset="0"/>
-                <a:ea typeface="+mj-ea"/>
-                <a:cs typeface="Courier New" pitchFamily="49" charset="0"/>
-              </a:rPr>
-              <a:t>);</a:t>
+              <a:t>(this);</a:t>
             </a:r>
           </a:p>
           <a:p>
@@ -47517,18 +47339,7 @@
                 <a:ea typeface="+mj-ea"/>
                 <a:cs typeface="Courier New" pitchFamily="49" charset="0"/>
               </a:rPr>
-              <a:t>(this</a:t>
-            </a:r>
-            <a:r>
-              <a:rPr lang="en-US" sz="1400" dirty="0" smtClean="0">
-                <a:solidFill>
-                  <a:schemeClr val="tx2"/>
-                </a:solidFill>
-                <a:latin typeface="Courier New" pitchFamily="49" charset="0"/>
-                <a:ea typeface="+mj-ea"/>
-                <a:cs typeface="Courier New" pitchFamily="49" charset="0"/>
-              </a:rPr>
-              <a:t>);</a:t>
+              <a:t>(this);</a:t>
             </a:r>
           </a:p>
           <a:p>
@@ -47781,18 +47592,7 @@
                 <a:ea typeface="+mj-ea"/>
                 <a:cs typeface="Courier New" pitchFamily="49" charset="0"/>
               </a:rPr>
-              <a:t>() </a:t>
-            </a:r>
-            <a:r>
-              <a:rPr lang="en-US" sz="1400" dirty="0" smtClean="0">
-                <a:solidFill>
-                  <a:schemeClr val="tx2"/>
-                </a:solidFill>
-                <a:latin typeface="Courier New" pitchFamily="49" charset="0"/>
-                <a:ea typeface="+mj-ea"/>
-                <a:cs typeface="Courier New" pitchFamily="49" charset="0"/>
-              </a:rPr>
-              <a:t>{return </a:t>
+              <a:t>() {return </a:t>
             </a:r>
             <a:r>
               <a:rPr lang="en-US" sz="1400" dirty="0" err="1" smtClean="0">
@@ -47814,27 +47614,8 @@
                 <a:ea typeface="+mj-ea"/>
                 <a:cs typeface="Courier New" pitchFamily="49" charset="0"/>
               </a:rPr>
-              <a:t>().get</a:t>
+              <a:t>().get();}</a:t>
             </a:r>
-            <a:r>
-              <a:rPr lang="en-US" sz="1400" dirty="0" smtClean="0">
-                <a:solidFill>
-                  <a:schemeClr val="tx2"/>
-                </a:solidFill>
-                <a:latin typeface="Courier New" pitchFamily="49" charset="0"/>
-                <a:ea typeface="+mj-ea"/>
-                <a:cs typeface="Courier New" pitchFamily="49" charset="0"/>
-              </a:rPr>
-              <a:t>();}</a:t>
-            </a:r>
-            <a:endParaRPr lang="en-US" sz="1400" dirty="0" smtClean="0">
-              <a:solidFill>
-                <a:schemeClr val="tx2"/>
-              </a:solidFill>
-              <a:latin typeface="Courier New" pitchFamily="49" charset="0"/>
-              <a:ea typeface="+mj-ea"/>
-              <a:cs typeface="Courier New" pitchFamily="49" charset="0"/>
-            </a:endParaRPr>
           </a:p>
           <a:p>
             <a:pPr lvl="0">
@@ -47890,18 +47671,7 @@
                 <a:ea typeface="+mj-ea"/>
                 <a:cs typeface="Courier New" pitchFamily="49" charset="0"/>
               </a:rPr>
-              <a:t>(String value) </a:t>
-            </a:r>
-            <a:r>
-              <a:rPr lang="en-US" sz="1400" dirty="0" smtClean="0">
-                <a:solidFill>
-                  <a:schemeClr val="tx2"/>
-                </a:solidFill>
-                <a:latin typeface="Courier New" pitchFamily="49" charset="0"/>
-                <a:ea typeface="+mj-ea"/>
-                <a:cs typeface="Courier New" pitchFamily="49" charset="0"/>
-              </a:rPr>
-              <a:t>{</a:t>
+              <a:t>(String value) {</a:t>
             </a:r>
             <a:r>
               <a:rPr lang="en-US" sz="1400" dirty="0" err="1" smtClean="0">
@@ -47923,27 +47693,8 @@
                 <a:ea typeface="+mj-ea"/>
                 <a:cs typeface="Courier New" pitchFamily="49" charset="0"/>
               </a:rPr>
-              <a:t>().set(value</a:t>
+              <a:t>().set(value);}</a:t>
             </a:r>
-            <a:r>
-              <a:rPr lang="en-US" sz="1400" dirty="0" smtClean="0">
-                <a:solidFill>
-                  <a:schemeClr val="tx2"/>
-                </a:solidFill>
-                <a:latin typeface="Courier New" pitchFamily="49" charset="0"/>
-                <a:ea typeface="+mj-ea"/>
-                <a:cs typeface="Courier New" pitchFamily="49" charset="0"/>
-              </a:rPr>
-              <a:t>);}</a:t>
-            </a:r>
-            <a:endParaRPr lang="en-US" sz="1400" dirty="0" smtClean="0">
-              <a:solidFill>
-                <a:schemeClr val="tx2"/>
-              </a:solidFill>
-              <a:latin typeface="Courier New" pitchFamily="49" charset="0"/>
-              <a:ea typeface="+mj-ea"/>
-              <a:cs typeface="Courier New" pitchFamily="49" charset="0"/>
-            </a:endParaRPr>
           </a:p>
           <a:p>
             <a:pPr lvl="0">
@@ -48021,18 +47772,7 @@
                 <a:ea typeface="+mj-ea"/>
                 <a:cs typeface="Courier New" pitchFamily="49" charset="0"/>
               </a:rPr>
-              <a:t>() </a:t>
-            </a:r>
-            <a:r>
-              <a:rPr lang="en-US" sz="1400" dirty="0" smtClean="0">
-                <a:solidFill>
-                  <a:schemeClr val="tx2"/>
-                </a:solidFill>
-                <a:latin typeface="Courier New" pitchFamily="49" charset="0"/>
-                <a:ea typeface="+mj-ea"/>
-                <a:cs typeface="Courier New" pitchFamily="49" charset="0"/>
-              </a:rPr>
-              <a:t>{return </a:t>
+              <a:t>() {return </a:t>
             </a:r>
             <a:r>
               <a:rPr lang="en-US" sz="1400" dirty="0" err="1" smtClean="0">
@@ -48056,14 +47796,6 @@
               </a:rPr>
               <a:t>();}</a:t>
             </a:r>
-            <a:endParaRPr lang="en-US" sz="1400" dirty="0" smtClean="0">
-              <a:solidFill>
-                <a:schemeClr val="tx2"/>
-              </a:solidFill>
-              <a:latin typeface="Courier New" pitchFamily="49" charset="0"/>
-              <a:ea typeface="+mj-ea"/>
-              <a:cs typeface="Courier New" pitchFamily="49" charset="0"/>
-            </a:endParaRPr>
           </a:p>
           <a:p>
             <a:pPr lvl="0">
@@ -48138,18 +47870,7 @@
                 <a:ea typeface="+mj-ea"/>
                 <a:cs typeface="Courier New" pitchFamily="49" charset="0"/>
               </a:rPr>
-              <a:t>() </a:t>
-            </a:r>
-            <a:r>
-              <a:rPr lang="en-US" sz="1400" dirty="0" smtClean="0">
-                <a:solidFill>
-                  <a:schemeClr val="tx2"/>
-                </a:solidFill>
-                <a:latin typeface="Courier New" pitchFamily="49" charset="0"/>
-                <a:ea typeface="+mj-ea"/>
-                <a:cs typeface="Courier New" pitchFamily="49" charset="0"/>
-              </a:rPr>
-              <a:t>{</a:t>
+              <a:t>() {</a:t>
             </a:r>
             <a:r>
               <a:rPr lang="en-US" sz="1400" dirty="0" err="1" smtClean="0">
@@ -48171,27 +47892,8 @@
                 <a:ea typeface="+mj-ea"/>
                 <a:cs typeface="Courier New" pitchFamily="49" charset="0"/>
               </a:rPr>
-              <a:t>("The button was clicked</a:t>
+              <a:t>("The button was clicked!");}</a:t>
             </a:r>
-            <a:r>
-              <a:rPr lang="en-US" sz="1400" dirty="0" smtClean="0">
-                <a:solidFill>
-                  <a:schemeClr val="tx2"/>
-                </a:solidFill>
-                <a:latin typeface="Courier New" pitchFamily="49" charset="0"/>
-                <a:ea typeface="+mj-ea"/>
-                <a:cs typeface="Courier New" pitchFamily="49" charset="0"/>
-              </a:rPr>
-              <a:t>!");}</a:t>
-            </a:r>
-            <a:endParaRPr lang="en-US" sz="1400" dirty="0" smtClean="0">
-              <a:solidFill>
-                <a:schemeClr val="tx2"/>
-              </a:solidFill>
-              <a:latin typeface="Courier New" pitchFamily="49" charset="0"/>
-              <a:ea typeface="+mj-ea"/>
-              <a:cs typeface="Courier New" pitchFamily="49" charset="0"/>
-            </a:endParaRPr>
           </a:p>
           <a:p>
             <a:pPr lvl="0">
@@ -48288,7 +47990,7 @@
     </p:spTree>
     <p:extLst>
       <p:ext uri="{BB962C8B-B14F-4D97-AF65-F5344CB8AC3E}">
-        <p14:creationId xmlns="" xmlns:p14="http://schemas.microsoft.com/office/powerpoint/2010/main" val="1362647605"/>
+        <p14:creationId xmlns:p14="http://schemas.microsoft.com/office/powerpoint/2010/main" xmlns="" val="1362647605"/>
       </p:ext>
     </p:extLst>
   </p:cSld>
@@ -48296,7 +47998,7 @@
     <a:masterClrMapping/>
   </p:clrMapOvr>
   <mc:AlternateContent xmlns:mc="http://schemas.openxmlformats.org/markup-compatibility/2006">
-    <mc:Choice xmlns="" xmlns:p14="http://schemas.microsoft.com/office/powerpoint/2010/main" Requires="p14">
+    <mc:Choice xmlns:p14="http://schemas.microsoft.com/office/powerpoint/2010/main" xmlns="" Requires="p14">
       <p:transition spd="slow" p14:dur="2000"/>
     </mc:Choice>
     <mc:Fallback>
@@ -48526,18 +48228,7 @@
                 <a:ea typeface="+mj-ea"/>
                 <a:cs typeface="+mj-cs"/>
               </a:rPr>
-              <a:t>B</a:t>
-            </a:r>
-            <a:r>
-              <a:rPr lang="en-US" sz="3000" dirty="0" smtClean="0">
-                <a:solidFill>
-                  <a:srgbClr val="00B050"/>
-                </a:solidFill>
-                <a:latin typeface="Arial" pitchFamily="34" charset="0"/>
-                <a:ea typeface="+mj-ea"/>
-                <a:cs typeface="+mj-cs"/>
-              </a:rPr>
-              <a:t>eauty / features</a:t>
+              <a:t>Beauty / features</a:t>
             </a:r>
           </a:p>
           <a:p>
@@ -48634,14 +48325,6 @@
               </a:rPr>
               <a:t>Multi-platform</a:t>
             </a:r>
-            <a:endParaRPr lang="en-US" sz="3000" dirty="0" smtClean="0">
-              <a:solidFill>
-                <a:srgbClr val="00B050"/>
-              </a:solidFill>
-              <a:latin typeface="Arial" pitchFamily="34" charset="0"/>
-              <a:ea typeface="+mj-ea"/>
-              <a:cs typeface="+mj-cs"/>
-            </a:endParaRPr>
           </a:p>
           <a:p>
             <a:pPr marL="0" marR="0" lvl="0" indent="0" algn="l" defTabSz="914400" rtl="0" eaLnBrk="1" fontAlgn="auto" latinLnBrk="0" hangingPunct="1">
@@ -48742,8 +48425,16 @@
                 <a:ea typeface="+mj-ea"/>
                 <a:cs typeface="+mj-cs"/>
               </a:rPr>
-              <a:t>Deployment</a:t>
+              <a:t>Java in browser trouble</a:t>
             </a:r>
+            <a:endParaRPr lang="en-US" sz="3000" dirty="0" smtClean="0">
+              <a:solidFill>
+                <a:srgbClr val="FF0000"/>
+              </a:solidFill>
+              <a:latin typeface="Arial" pitchFamily="34" charset="0"/>
+              <a:ea typeface="+mj-ea"/>
+              <a:cs typeface="+mj-cs"/>
+            </a:endParaRPr>
           </a:p>
           <a:p>
             <a:pPr marL="0" marR="0" lvl="0" indent="0" algn="l" defTabSz="914400" rtl="0" eaLnBrk="1" fontAlgn="auto" latinLnBrk="0" hangingPunct="1">
@@ -48770,7 +48461,7 @@
                 <a:ea typeface="+mj-ea"/>
                 <a:cs typeface="+mj-cs"/>
               </a:rPr>
-              <a:t>Oracle</a:t>
+              <a:t>Callback complexity</a:t>
             </a:r>
             <a:endParaRPr lang="en-US" sz="3000" dirty="0" smtClean="0">
               <a:solidFill>
@@ -48797,31 +48488,39 @@
               <a:tabLst/>
               <a:defRPr/>
             </a:pPr>
-            <a:endParaRPr lang="en-US" sz="3000" dirty="0" smtClean="0">
-              <a:solidFill>
-                <a:srgbClr val="FF0000"/>
-              </a:solidFill>
-              <a:latin typeface="Arial" pitchFamily="34" charset="0"/>
-              <a:ea typeface="+mj-ea"/>
-              <a:cs typeface="+mj-cs"/>
-            </a:endParaRPr>
-          </a:p>
-          <a:p>
-            <a:pPr marL="0" marR="0" lvl="0" indent="0" algn="l" defTabSz="914400" rtl="0" eaLnBrk="1" fontAlgn="auto" latinLnBrk="0" hangingPunct="1">
-              <a:lnSpc>
-                <a:spcPct val="100000"/>
-              </a:lnSpc>
-              <a:spcBef>
-                <a:spcPct val="0"/>
-              </a:spcBef>
-              <a:spcAft>
-                <a:spcPts val="0"/>
-              </a:spcAft>
-              <a:buClrTx/>
-              <a:buSzTx/>
-              <a:tabLst/>
-              <a:defRPr/>
-            </a:pPr>
+            <a:r>
+              <a:rPr lang="en-US" sz="3000" dirty="0" smtClean="0">
+                <a:solidFill>
+                  <a:srgbClr val="FF0000"/>
+                </a:solidFill>
+                <a:latin typeface="Arial" pitchFamily="34" charset="0"/>
+                <a:ea typeface="+mj-ea"/>
+                <a:cs typeface="+mj-cs"/>
+              </a:rPr>
+              <a:t>Odd </a:t>
+            </a:r>
+            <a:r>
+              <a:rPr lang="en-US" sz="3000" dirty="0" err="1" smtClean="0">
+                <a:solidFill>
+                  <a:srgbClr val="FF0000"/>
+                </a:solidFill>
+                <a:latin typeface="Arial" pitchFamily="34" charset="0"/>
+                <a:ea typeface="+mj-ea"/>
+                <a:cs typeface="+mj-cs"/>
+              </a:rPr>
+              <a:t>behaviour</a:t>
+            </a:r>
+            <a:r>
+              <a:rPr lang="en-US" sz="3000" dirty="0" smtClean="0">
+                <a:solidFill>
+                  <a:srgbClr val="FF0000"/>
+                </a:solidFill>
+                <a:latin typeface="Arial" pitchFamily="34" charset="0"/>
+                <a:ea typeface="+mj-ea"/>
+                <a:cs typeface="+mj-cs"/>
+              </a:rPr>
+              <a:t> (sometimes)</a:t>
+            </a:r>
             <a:endParaRPr lang="en-US" sz="3000" dirty="0" smtClean="0">
               <a:solidFill>
                 <a:srgbClr val="FF0000"/>
@@ -48836,7 +48535,7 @@
     </p:spTree>
     <p:extLst>
       <p:ext uri="{BB962C8B-B14F-4D97-AF65-F5344CB8AC3E}">
-        <p14:creationId xmlns="" xmlns:p14="http://schemas.microsoft.com/office/powerpoint/2010/main" val="1362647605"/>
+        <p14:creationId xmlns:p14="http://schemas.microsoft.com/office/powerpoint/2010/main" xmlns="" val="1362647605"/>
       </p:ext>
     </p:extLst>
   </p:cSld>
@@ -48844,7 +48543,7 @@
     <a:masterClrMapping/>
   </p:clrMapOvr>
   <mc:AlternateContent xmlns:mc="http://schemas.openxmlformats.org/markup-compatibility/2006">
-    <mc:Choice xmlns="" xmlns:p14="http://schemas.microsoft.com/office/powerpoint/2010/main" Requires="p14">
+    <mc:Choice xmlns:p14="http://schemas.microsoft.com/office/powerpoint/2010/main" xmlns="" Requires="p14">
       <p:transition spd="slow" p14:dur="2000"/>
     </mc:Choice>
     <mc:Fallback>
@@ -49123,7 +48822,7 @@
     </p:spTree>
     <p:extLst>
       <p:ext uri="{BB962C8B-B14F-4D97-AF65-F5344CB8AC3E}">
-        <p14:creationId xmlns="" xmlns:p14="http://schemas.microsoft.com/office/powerpoint/2010/main" val="1362647605"/>
+        <p14:creationId xmlns:p14="http://schemas.microsoft.com/office/powerpoint/2010/main" xmlns="" val="1362647605"/>
       </p:ext>
     </p:extLst>
   </p:cSld>
@@ -49131,7 +48830,7 @@
     <a:masterClrMapping/>
   </p:clrMapOvr>
   <mc:AlternateContent xmlns:mc="http://schemas.openxmlformats.org/markup-compatibility/2006">
-    <mc:Choice xmlns="" xmlns:p14="http://schemas.microsoft.com/office/powerpoint/2010/main" Requires="p14">
+    <mc:Choice xmlns:p14="http://schemas.microsoft.com/office/powerpoint/2010/main" xmlns="" Requires="p14">
       <p:transition spd="slow" p14:dur="2000"/>
     </mc:Choice>
     <mc:Fallback>
@@ -49235,48 +48934,7 @@
           </a:bodyPr>
           <a:lstStyle/>
           <a:p>
-            <a:pPr marL="0" marR="0" lvl="0" indent="0" algn="l" defTabSz="914400" rtl="0" eaLnBrk="1" fontAlgn="auto" latinLnBrk="0" hangingPunct="1">
-              <a:lnSpc>
-                <a:spcPct val="100000"/>
-              </a:lnSpc>
-              <a:spcBef>
-                <a:spcPct val="0"/>
-              </a:spcBef>
-              <a:spcAft>
-                <a:spcPts val="0"/>
-              </a:spcAft>
-              <a:buClrTx/>
-              <a:buSzTx/>
-              <a:buFont typeface="Arial" pitchFamily="34" charset="0"/>
-              <a:buChar char="•"/>
-              <a:tabLst/>
-              <a:defRPr/>
-            </a:pPr>
-            <a:r>
-              <a:rPr lang="en-US" sz="3000" dirty="0" smtClean="0">
-                <a:solidFill>
-                  <a:schemeClr val="tx2"/>
-                </a:solidFill>
-                <a:latin typeface="Arial" pitchFamily="34" charset="0"/>
-                <a:ea typeface="+mj-ea"/>
-                <a:cs typeface="+mj-cs"/>
-              </a:rPr>
-              <a:t> </a:t>
-            </a:r>
-            <a:r>
-              <a:rPr lang="en-US" sz="3000" dirty="0" smtClean="0">
-                <a:solidFill>
-                  <a:schemeClr val="tx2"/>
-                </a:solidFill>
-                <a:latin typeface="Arial" pitchFamily="34" charset="0"/>
-                <a:ea typeface="+mj-ea"/>
-                <a:cs typeface="+mj-cs"/>
-              </a:rPr>
-              <a:t>packaging</a:t>
-            </a:r>
-          </a:p>
-          <a:p>
-            <a:pPr lvl="1">
+            <a:pPr lvl="0">
               <a:spcBef>
                 <a:spcPct val="0"/>
               </a:spcBef>
@@ -49285,64 +48943,14 @@
               <a:defRPr/>
             </a:pPr>
             <a:r>
-              <a:rPr lang="en-US" sz="3000" dirty="0" smtClean="0">
+              <a:rPr lang="en-US" sz="1600" dirty="0" smtClean="0">
                 <a:solidFill>
                   <a:schemeClr val="tx2"/>
                 </a:solidFill>
                 <a:latin typeface="Arial" pitchFamily="34" charset="0"/>
                 <a:ea typeface="+mj-ea"/>
                 <a:cs typeface="+mj-cs"/>
-              </a:rPr>
-              <a:t> </a:t>
-            </a:r>
-            <a:r>
-              <a:rPr lang="en-US" sz="3000" dirty="0" smtClean="0">
-                <a:solidFill>
-                  <a:schemeClr val="tx2"/>
-                </a:solidFill>
-                <a:latin typeface="Arial" pitchFamily="34" charset="0"/>
-                <a:ea typeface="+mj-ea"/>
-                <a:cs typeface="+mj-cs"/>
-              </a:rPr>
-              <a:t>shade </a:t>
-            </a:r>
-            <a:r>
-              <a:rPr lang="en-US" sz="3000" dirty="0" err="1" smtClean="0">
-                <a:solidFill>
-                  <a:schemeClr val="tx2"/>
-                </a:solidFill>
-                <a:latin typeface="Arial" pitchFamily="34" charset="0"/>
-                <a:ea typeface="+mj-ea"/>
-                <a:cs typeface="+mj-cs"/>
-              </a:rPr>
-              <a:t>plugin</a:t>
-            </a:r>
-            <a:endParaRPr lang="en-US" sz="3000" dirty="0" smtClean="0">
-              <a:solidFill>
-                <a:schemeClr val="tx2"/>
-              </a:solidFill>
-              <a:latin typeface="Arial" pitchFamily="34" charset="0"/>
-              <a:ea typeface="+mj-ea"/>
-              <a:cs typeface="+mj-cs"/>
-            </a:endParaRPr>
-          </a:p>
-          <a:p>
-            <a:pPr lvl="1">
-              <a:spcBef>
-                <a:spcPct val="0"/>
-              </a:spcBef>
-              <a:buFont typeface="Arial" pitchFamily="34" charset="0"/>
-              <a:buChar char="•"/>
-              <a:defRPr/>
-            </a:pPr>
-            <a:r>
-              <a:rPr lang="en-US" sz="3000" dirty="0" smtClean="0">
-                <a:solidFill>
-                  <a:schemeClr val="tx2"/>
-                </a:solidFill>
-                <a:latin typeface="Arial" pitchFamily="34" charset="0"/>
-                <a:ea typeface="+mj-ea"/>
-                <a:cs typeface="+mj-cs"/>
+                <a:hlinkClick r:id="rId2"/>
               </a:rPr>
               <a:t> </a:t>
             </a:r>
@@ -49354,8 +48962,33 @@
                 <a:latin typeface="Arial" pitchFamily="34" charset="0"/>
                 <a:ea typeface="+mj-ea"/>
                 <a:cs typeface="+mj-cs"/>
+                <a:hlinkClick r:id="rId2"/>
               </a:rPr>
-              <a:t>http://docs.oracle.com/javafx/2/deployment/self-contained-packaging.htm</a:t>
+              <a:t>http</a:t>
+            </a:r>
+            <a:r>
+              <a:rPr lang="en-US" sz="1600" dirty="0" smtClean="0">
+                <a:solidFill>
+                  <a:schemeClr val="tx2"/>
+                </a:solidFill>
+                <a:latin typeface="Arial" pitchFamily="34" charset="0"/>
+                <a:ea typeface="+mj-ea"/>
+                <a:cs typeface="+mj-cs"/>
+                <a:hlinkClick r:id="rId2"/>
+              </a:rPr>
+              <a:t>://</a:t>
+            </a:r>
+            <a:r>
+              <a:rPr lang="en-US" sz="1600" dirty="0" smtClean="0">
+                <a:solidFill>
+                  <a:schemeClr val="tx2"/>
+                </a:solidFill>
+                <a:latin typeface="Arial" pitchFamily="34" charset="0"/>
+                <a:ea typeface="+mj-ea"/>
+                <a:cs typeface="+mj-cs"/>
+                <a:hlinkClick r:id="rId2"/>
+              </a:rPr>
+              <a:t>docs.oracle.com/javafx/2/get_started/basic_deployment.htm</a:t>
             </a:r>
             <a:endParaRPr lang="en-US" sz="1600" dirty="0" smtClean="0">
               <a:solidFill>
@@ -49367,39 +49000,24 @@
             </a:endParaRPr>
           </a:p>
           <a:p>
-            <a:pPr marL="0" marR="0" lvl="0" indent="0" algn="l" defTabSz="914400" rtl="0" eaLnBrk="1" fontAlgn="auto" latinLnBrk="0" hangingPunct="1">
-              <a:lnSpc>
-                <a:spcPct val="100000"/>
-              </a:lnSpc>
+            <a:pPr lvl="0">
               <a:spcBef>
                 <a:spcPct val="0"/>
               </a:spcBef>
-              <a:spcAft>
-                <a:spcPts val="0"/>
-              </a:spcAft>
-              <a:buClrTx/>
-              <a:buSzTx/>
               <a:buFont typeface="Arial" pitchFamily="34" charset="0"/>
               <a:buChar char="•"/>
-              <a:tabLst/>
               <a:defRPr/>
             </a:pPr>
             <a:r>
-              <a:rPr kumimoji="0" lang="en-US" sz="3000" b="0" i="0" u="none" strike="noStrike" kern="1200" cap="none" spc="0" normalizeH="0" noProof="0" dirty="0" smtClean="0">
-                <a:ln>
-                  <a:noFill/>
-                </a:ln>
+              <a:rPr lang="en-US" sz="1600" dirty="0" smtClean="0">
                 <a:solidFill>
                   <a:schemeClr val="tx2"/>
                 </a:solidFill>
-                <a:effectLst/>
-                <a:uLnTx/>
-                <a:uFillTx/>
                 <a:latin typeface="Arial" pitchFamily="34" charset="0"/>
                 <a:ea typeface="+mj-ea"/>
                 <a:cs typeface="+mj-cs"/>
               </a:rPr>
-              <a:t> distribution</a:t>
+              <a:t> https://github.com/javafx-maven-plugin </a:t>
             </a:r>
           </a:p>
           <a:p>
@@ -49421,7 +49039,7 @@
               <a:defRPr/>
             </a:pPr>
             <a:r>
-              <a:rPr lang="en-US" sz="3000" dirty="0" smtClean="0">
+              <a:rPr lang="en-US" sz="1600" dirty="0" smtClean="0">
                 <a:solidFill>
                   <a:schemeClr val="tx2"/>
                 </a:solidFill>
@@ -49429,43 +49047,10 @@
                 <a:ea typeface="+mj-ea"/>
                 <a:cs typeface="+mj-cs"/>
               </a:rPr>
-              <a:t> running</a:t>
+              <a:t> http</a:t>
             </a:r>
-            <a:endParaRPr kumimoji="0" lang="en-US" sz="3000" b="0" i="0" u="none" strike="noStrike" kern="1200" cap="none" spc="0" normalizeH="0" noProof="0" dirty="0" smtClean="0">
-              <a:ln>
-                <a:noFill/>
-              </a:ln>
-              <a:solidFill>
-                <a:schemeClr val="tx2"/>
-              </a:solidFill>
-              <a:effectLst/>
-              <a:uLnTx/>
-              <a:uFillTx/>
-              <a:latin typeface="Arial" pitchFamily="34" charset="0"/>
-              <a:ea typeface="+mj-ea"/>
-              <a:cs typeface="+mj-cs"/>
-            </a:endParaRPr>
-          </a:p>
-          <a:p>
-            <a:pPr marL="0" marR="0" lvl="0" indent="0" algn="l" defTabSz="914400" rtl="0" eaLnBrk="1" fontAlgn="auto" latinLnBrk="0" hangingPunct="1">
-              <a:lnSpc>
-                <a:spcPct val="100000"/>
-              </a:lnSpc>
-              <a:spcBef>
-                <a:spcPct val="0"/>
-              </a:spcBef>
-              <a:spcAft>
-                <a:spcPts val="0"/>
-              </a:spcAft>
-              <a:buClrTx/>
-              <a:buSzTx/>
-              <a:buFont typeface="Arial" pitchFamily="34" charset="0"/>
-              <a:buChar char="•"/>
-              <a:tabLst/>
-              <a:defRPr/>
-            </a:pPr>
             <a:r>
-              <a:rPr lang="en-US" sz="3000" dirty="0" smtClean="0">
+              <a:rPr lang="en-US" sz="1600" dirty="0" smtClean="0">
                 <a:solidFill>
                   <a:schemeClr val="tx2"/>
                 </a:solidFill>
@@ -49473,9 +49058,47 @@
                 <a:ea typeface="+mj-ea"/>
                 <a:cs typeface="+mj-cs"/>
               </a:rPr>
-              <a:t> updates</a:t>
+              <a:t>://docs.oracle.com/javafx/2/deployment/self-contained-packaging.htm</a:t>
             </a:r>
-            <a:endParaRPr kumimoji="0" lang="en-US" sz="3000" b="0" i="0" u="none" strike="noStrike" kern="1200" cap="none" spc="0" normalizeH="0" baseline="0" noProof="0" dirty="0" smtClean="0">
+          </a:p>
+          <a:p>
+            <a:pPr lvl="0">
+              <a:spcBef>
+                <a:spcPct val="0"/>
+              </a:spcBef>
+              <a:buFont typeface="Arial" pitchFamily="34" charset="0"/>
+              <a:buChar char="•"/>
+              <a:defRPr/>
+            </a:pPr>
+            <a:r>
+              <a:rPr kumimoji="0" lang="en-US" sz="1600" b="0" i="0" u="none" strike="noStrike" kern="1200" cap="none" spc="0" normalizeH="0" noProof="0" dirty="0" smtClean="0">
+                <a:ln>
+                  <a:noFill/>
+                </a:ln>
+                <a:solidFill>
+                  <a:schemeClr val="tx2"/>
+                </a:solidFill>
+                <a:effectLst/>
+                <a:uLnTx/>
+                <a:uFillTx/>
+                <a:latin typeface="Arial" pitchFamily="34" charset="0"/>
+                <a:ea typeface="+mj-ea"/>
+                <a:cs typeface="+mj-cs"/>
+              </a:rPr>
+              <a:t> </a:t>
+            </a:r>
+            <a:r>
+              <a:rPr lang="en-US" sz="1600" dirty="0" smtClean="0">
+                <a:solidFill>
+                  <a:schemeClr val="tx2"/>
+                </a:solidFill>
+                <a:latin typeface="Arial" pitchFamily="34" charset="0"/>
+                <a:ea typeface="+mj-ea"/>
+                <a:cs typeface="+mj-cs"/>
+              </a:rPr>
+              <a:t>https://github.com/edvin/fxlauncher</a:t>
+            </a:r>
+            <a:endParaRPr kumimoji="0" lang="en-US" sz="1600" b="0" i="0" u="none" strike="noStrike" kern="1200" cap="none" spc="0" normalizeH="0" baseline="0" noProof="0" dirty="0" smtClean="0">
               <a:ln>
                 <a:noFill/>
               </a:ln>
@@ -49495,7 +49118,7 @@
     </p:spTree>
     <p:extLst>
       <p:ext uri="{BB962C8B-B14F-4D97-AF65-F5344CB8AC3E}">
-        <p14:creationId xmlns="" xmlns:p14="http://schemas.microsoft.com/office/powerpoint/2010/main" val="1362647605"/>
+        <p14:creationId xmlns:p14="http://schemas.microsoft.com/office/powerpoint/2010/main" xmlns="" val="1362647605"/>
       </p:ext>
     </p:extLst>
   </p:cSld>
@@ -49503,7 +49126,7 @@
     <a:masterClrMapping/>
   </p:clrMapOvr>
   <mc:AlternateContent xmlns:mc="http://schemas.openxmlformats.org/markup-compatibility/2006">
-    <mc:Choice xmlns="" xmlns:p14="http://schemas.microsoft.com/office/powerpoint/2010/main" Requires="p14">
+    <mc:Choice xmlns:p14="http://schemas.microsoft.com/office/powerpoint/2010/main" xmlns="" Requires="p14">
       <p:transition spd="slow" p14:dur="2000"/>
     </mc:Choice>
     <mc:Fallback>
@@ -49779,7 +49402,7 @@
     </p:spTree>
     <p:extLst>
       <p:ext uri="{BB962C8B-B14F-4D97-AF65-F5344CB8AC3E}">
-        <p14:creationId xmlns="" xmlns:p14="http://schemas.microsoft.com/office/powerpoint/2010/main" val="1362647605"/>
+        <p14:creationId xmlns:p14="http://schemas.microsoft.com/office/powerpoint/2010/main" xmlns="" val="1362647605"/>
       </p:ext>
     </p:extLst>
   </p:cSld>
@@ -49787,7 +49410,7 @@
     <a:masterClrMapping/>
   </p:clrMapOvr>
   <mc:AlternateContent xmlns:mc="http://schemas.openxmlformats.org/markup-compatibility/2006">
-    <mc:Choice xmlns="" xmlns:p14="http://schemas.microsoft.com/office/powerpoint/2010/main" Requires="p14">
+    <mc:Choice xmlns:p14="http://schemas.microsoft.com/office/powerpoint/2010/main" xmlns="" Requires="p14">
       <p:transition spd="slow" p14:dur="2000"/>
     </mc:Choice>
     <mc:Fallback>
@@ -50290,7 +49913,7 @@
     </p:spTree>
     <p:extLst>
       <p:ext uri="{BB962C8B-B14F-4D97-AF65-F5344CB8AC3E}">
-        <p14:creationId xmlns="" xmlns:p14="http://schemas.microsoft.com/office/powerpoint/2010/main" val="1419182396"/>
+        <p14:creationId xmlns:p14="http://schemas.microsoft.com/office/powerpoint/2010/main" xmlns="" val="1419182396"/>
       </p:ext>
     </p:extLst>
   </p:cSld>
@@ -51238,12 +50861,9 @@
 </file>
 
 <file path=customXml/item1.xml><?xml version="1.0" encoding="utf-8"?>
-<?mso-contentType ?>
-<FormTemplates xmlns="http://schemas.microsoft.com/sharepoint/v3/contenttype/forms">
-  <Display>DocumentLibraryForm</Display>
-  <Edit>DocumentLibraryForm</Edit>
-  <New>DocumentLibraryForm</New>
-</FormTemplates>
+<p:properties xmlns:p="http://schemas.microsoft.com/office/2006/metadata/properties" xmlns:xsi="http://www.w3.org/2001/XMLSchema-instance" xmlns:pc="http://schemas.microsoft.com/office/infopath/2007/PartnerControls">
+  <documentManagement/>
+</p:properties>
 </file>
 
 <file path=customXml/item2.xml><?xml version="1.0" encoding="utf-8"?>
@@ -51296,15 +50916,25 @@
 </file>
 
 <file path=customXml/item3.xml><?xml version="1.0" encoding="utf-8"?>
-<p:properties xmlns:p="http://schemas.microsoft.com/office/2006/metadata/properties" xmlns:xsi="http://www.w3.org/2001/XMLSchema-instance" xmlns:pc="http://schemas.microsoft.com/office/infopath/2007/PartnerControls">
-  <documentManagement/>
-</p:properties>
+<?mso-contentType ?>
+<FormTemplates xmlns="http://schemas.microsoft.com/sharepoint/v3/contenttype/forms">
+  <Display>DocumentLibraryForm</Display>
+  <Edit>DocumentLibraryForm</Edit>
+  <New>DocumentLibraryForm</New>
+</FormTemplates>
 </file>
 
 <file path=customXml/itemProps1.xml><?xml version="1.0" encoding="utf-8"?>
-<ds:datastoreItem xmlns:ds="http://schemas.openxmlformats.org/officeDocument/2006/customXml" ds:itemID="{ADA5D674-9920-4D2F-B065-BC24FD29F86D}">
+<ds:datastoreItem xmlns:ds="http://schemas.openxmlformats.org/officeDocument/2006/customXml" ds:itemID="{F346CD18-12AD-4AEC-8965-62D46F5CB212}">
   <ds:schemaRefs>
-    <ds:schemaRef ds:uri="http://schemas.microsoft.com/sharepoint/v3/contenttype/forms"/>
+    <ds:schemaRef ds:uri="http://purl.org/dc/terms/"/>
+    <ds:schemaRef ds:uri="http://schemas.microsoft.com/office/2006/documentManagement/types"/>
+    <ds:schemaRef ds:uri="http://purl.org/dc/elements/1.1/"/>
+    <ds:schemaRef ds:uri="http://purl.org/dc/dcmitype/"/>
+    <ds:schemaRef ds:uri="http://www.w3.org/XML/1998/namespace"/>
+    <ds:schemaRef ds:uri="http://schemas.openxmlformats.org/package/2006/metadata/core-properties"/>
+    <ds:schemaRef ds:uri="http://schemas.microsoft.com/office/2006/metadata/properties"/>
+    <ds:schemaRef ds:uri="http://schemas.microsoft.com/office/infopath/2007/PartnerControls"/>
   </ds:schemaRefs>
 </ds:datastoreItem>
 </file>
@@ -51325,16 +50955,9 @@
 </file>
 
 <file path=customXml/itemProps3.xml><?xml version="1.0" encoding="utf-8"?>
-<ds:datastoreItem xmlns:ds="http://schemas.openxmlformats.org/officeDocument/2006/customXml" ds:itemID="{F346CD18-12AD-4AEC-8965-62D46F5CB212}">
+<ds:datastoreItem xmlns:ds="http://schemas.openxmlformats.org/officeDocument/2006/customXml" ds:itemID="{ADA5D674-9920-4D2F-B065-BC24FD29F86D}">
   <ds:schemaRefs>
-    <ds:schemaRef ds:uri="http://purl.org/dc/terms/"/>
-    <ds:schemaRef ds:uri="http://schemas.microsoft.com/office/2006/documentManagement/types"/>
-    <ds:schemaRef ds:uri="http://purl.org/dc/elements/1.1/"/>
-    <ds:schemaRef ds:uri="http://purl.org/dc/dcmitype/"/>
-    <ds:schemaRef ds:uri="http://www.w3.org/XML/1998/namespace"/>
-    <ds:schemaRef ds:uri="http://schemas.openxmlformats.org/package/2006/metadata/core-properties"/>
-    <ds:schemaRef ds:uri="http://schemas.microsoft.com/office/2006/metadata/properties"/>
-    <ds:schemaRef ds:uri="http://schemas.microsoft.com/office/infopath/2007/PartnerControls"/>
+    <ds:schemaRef ds:uri="http://schemas.microsoft.com/sharepoint/v3/contenttype/forms"/>
   </ds:schemaRefs>
 </ds:datastoreItem>
 </file>
--- a/JavaFX meetup juli 2016.pptx
+++ b/JavaFX meetup juli 2016.pptx
@@ -121,7 +121,7 @@
   </p:defaultTextStyle>
   <p:extLst>
     <p:ext uri="{EFAFB233-063F-42B5-8137-9DF3F51BA10A}">
-      <p15:sldGuideLst xmlns:p15="http://schemas.microsoft.com/office/powerpoint/2012/main" xmlns="">
+      <p15:sldGuideLst xmlns="" xmlns:p15="http://schemas.microsoft.com/office/powerpoint/2012/main">
         <p15:guide id="1" orient="horz" pos="835">
           <p15:clr>
             <a:srgbClr val="A4A3A4"/>
@@ -185,7 +185,7 @@
       </p15:sldGuideLst>
     </p:ext>
     <p:ext uri="{2D200454-40CA-4A62-9FC3-DE9A4176ACB9}">
-      <p15:notesGuideLst xmlns:p15="http://schemas.microsoft.com/office/powerpoint/2012/main" xmlns="">
+      <p15:notesGuideLst xmlns="" xmlns:p15="http://schemas.microsoft.com/office/powerpoint/2012/main">
         <p15:guide id="1" orient="horz" pos="2880">
           <p15:clr>
             <a:srgbClr val="A4A3A4"/>
@@ -382,7 +382,7 @@
     </p:spTree>
     <p:extLst>
       <p:ext uri="{BB962C8B-B14F-4D97-AF65-F5344CB8AC3E}">
-        <p14:creationId xmlns:p14="http://schemas.microsoft.com/office/powerpoint/2010/main" xmlns="" val="3809342365"/>
+        <p14:creationId xmlns="" xmlns:p14="http://schemas.microsoft.com/office/powerpoint/2010/main" val="3809342365"/>
       </p:ext>
     </p:extLst>
   </p:cSld>
@@ -652,7 +652,7 @@
     </p:spTree>
     <p:extLst>
       <p:ext uri="{BB962C8B-B14F-4D97-AF65-F5344CB8AC3E}">
-        <p14:creationId xmlns:p14="http://schemas.microsoft.com/office/powerpoint/2010/main" xmlns="" val="3116277547"/>
+        <p14:creationId xmlns="" xmlns:p14="http://schemas.microsoft.com/office/powerpoint/2010/main" val="3116277547"/>
       </p:ext>
     </p:extLst>
   </p:cSld>
@@ -829,7 +829,7 @@
     </p:spTree>
     <p:extLst>
       <p:ext uri="{BB962C8B-B14F-4D97-AF65-F5344CB8AC3E}">
-        <p14:creationId xmlns:p14="http://schemas.microsoft.com/office/powerpoint/2010/main" xmlns="" val="3950182644"/>
+        <p14:creationId xmlns="" xmlns:p14="http://schemas.microsoft.com/office/powerpoint/2010/main" val="3950182644"/>
       </p:ext>
     </p:extLst>
   </p:cSld>
@@ -869,7 +869,7 @@
             <a:grayscl/>
             <a:extLst>
               <a:ext uri="{28A0092B-C50C-407E-A947-70E740481C1C}">
-                <a14:useLocalDpi xmlns:a14="http://schemas.microsoft.com/office/drawing/2010/main" xmlns="" val="0"/>
+                <a14:useLocalDpi xmlns="" xmlns:a14="http://schemas.microsoft.com/office/drawing/2010/main" val="0"/>
               </a:ext>
             </a:extLst>
           </a:blip>
@@ -890,7 +890,7 @@
           </a:ln>
           <a:extLst>
             <a:ext uri="{909E8E84-426E-40DD-AFC4-6F175D3DCCD1}">
-              <a14:hiddenFill xmlns:a14="http://schemas.microsoft.com/office/drawing/2010/main" xmlns="">
+              <a14:hiddenFill xmlns="" xmlns:a14="http://schemas.microsoft.com/office/drawing/2010/main">
                 <a:solidFill>
                   <a:srgbClr val="FFFFFF"/>
                 </a:solidFill>
@@ -37673,7 +37673,7 @@
             <a:grayscl/>
             <a:extLst>
               <a:ext uri="{28A0092B-C50C-407E-A947-70E740481C1C}">
-                <a14:useLocalDpi xmlns:a14="http://schemas.microsoft.com/office/drawing/2010/main" xmlns="" val="0"/>
+                <a14:useLocalDpi xmlns="" xmlns:a14="http://schemas.microsoft.com/office/drawing/2010/main" val="0"/>
               </a:ext>
             </a:extLst>
           </a:blip>
@@ -37694,7 +37694,7 @@
           </a:ln>
           <a:extLst>
             <a:ext uri="{909E8E84-426E-40DD-AFC4-6F175D3DCCD1}">
-              <a14:hiddenFill xmlns:a14="http://schemas.microsoft.com/office/drawing/2010/main" xmlns="">
+              <a14:hiddenFill xmlns="" xmlns:a14="http://schemas.microsoft.com/office/drawing/2010/main">
                 <a:solidFill>
                   <a:srgbClr val="FFFFFF"/>
                 </a:solidFill>
@@ -45006,7 +45006,7 @@
     </p:spTree>
     <p:extLst>
       <p:ext uri="{BB962C8B-B14F-4D97-AF65-F5344CB8AC3E}">
-        <p14:creationId xmlns:p14="http://schemas.microsoft.com/office/powerpoint/2010/main" xmlns="" val="3697878167"/>
+        <p14:creationId xmlns="" xmlns:p14="http://schemas.microsoft.com/office/powerpoint/2010/main" val="3697878167"/>
       </p:ext>
     </p:extLst>
   </p:cSld>
@@ -45820,7 +45820,7 @@
     </p:spTree>
     <p:extLst>
       <p:ext uri="{BB962C8B-B14F-4D97-AF65-F5344CB8AC3E}">
-        <p14:creationId xmlns:p14="http://schemas.microsoft.com/office/powerpoint/2010/main" xmlns="" val="4261803648"/>
+        <p14:creationId xmlns="" xmlns:p14="http://schemas.microsoft.com/office/powerpoint/2010/main" val="4261803648"/>
       </p:ext>
     </p:extLst>
   </p:cSld>
@@ -46394,7 +46394,7 @@
     </p:spTree>
     <p:extLst>
       <p:ext uri="{BB962C8B-B14F-4D97-AF65-F5344CB8AC3E}">
-        <p14:creationId xmlns:p14="http://schemas.microsoft.com/office/powerpoint/2010/main" xmlns="" val="1362647605"/>
+        <p14:creationId xmlns="" xmlns:p14="http://schemas.microsoft.com/office/powerpoint/2010/main" val="1362647605"/>
       </p:ext>
     </p:extLst>
   </p:cSld>
@@ -46402,7 +46402,7 @@
     <a:masterClrMapping/>
   </p:clrMapOvr>
   <mc:AlternateContent xmlns:mc="http://schemas.openxmlformats.org/markup-compatibility/2006">
-    <mc:Choice xmlns:p14="http://schemas.microsoft.com/office/powerpoint/2010/main" xmlns="" Requires="p14">
+    <mc:Choice xmlns="" xmlns:p14="http://schemas.microsoft.com/office/powerpoint/2010/main" Requires="p14">
       <p:transition spd="slow" p14:dur="2000"/>
     </mc:Choice>
     <mc:Fallback>
@@ -47374,16 +47374,8 @@
                 <a:ea typeface="+mj-ea"/>
                 <a:cs typeface="Courier New" pitchFamily="49" charset="0"/>
               </a:rPr>
-              <a:t>        try {</a:t>
+              <a:t>        try </a:t>
             </a:r>
-          </a:p>
-          <a:p>
-            <a:pPr lvl="0">
-              <a:spcBef>
-                <a:spcPct val="0"/>
-              </a:spcBef>
-              <a:defRPr/>
-            </a:pPr>
             <a:r>
               <a:rPr lang="en-US" sz="1400" dirty="0" smtClean="0">
                 <a:solidFill>
@@ -47393,7 +47385,7 @@
                 <a:ea typeface="+mj-ea"/>
                 <a:cs typeface="Courier New" pitchFamily="49" charset="0"/>
               </a:rPr>
-              <a:t>            </a:t>
+              <a:t>{ </a:t>
             </a:r>
             <a:r>
               <a:rPr lang="en-US" sz="1400" dirty="0" err="1" smtClean="0">
@@ -47415,16 +47407,8 @@
                 <a:ea typeface="+mj-ea"/>
                 <a:cs typeface="Courier New" pitchFamily="49" charset="0"/>
               </a:rPr>
-              <a:t>();</a:t>
+              <a:t>(); } </a:t>
             </a:r>
-          </a:p>
-          <a:p>
-            <a:pPr lvl="0">
-              <a:spcBef>
-                <a:spcPct val="0"/>
-              </a:spcBef>
-              <a:defRPr/>
-            </a:pPr>
             <a:r>
               <a:rPr lang="en-US" sz="1400" dirty="0" smtClean="0">
                 <a:solidFill>
@@ -47434,7 +47418,7 @@
                 <a:ea typeface="+mj-ea"/>
                 <a:cs typeface="Courier New" pitchFamily="49" charset="0"/>
               </a:rPr>
-              <a:t>        } catch (</a:t>
+              <a:t>catch (</a:t>
             </a:r>
             <a:r>
               <a:rPr lang="en-US" sz="1400" dirty="0" err="1" smtClean="0">
@@ -47990,7 +47974,7 @@
     </p:spTree>
     <p:extLst>
       <p:ext uri="{BB962C8B-B14F-4D97-AF65-F5344CB8AC3E}">
-        <p14:creationId xmlns:p14="http://schemas.microsoft.com/office/powerpoint/2010/main" xmlns="" val="1362647605"/>
+        <p14:creationId xmlns="" xmlns:p14="http://schemas.microsoft.com/office/powerpoint/2010/main" val="1362647605"/>
       </p:ext>
     </p:extLst>
   </p:cSld>
@@ -47998,7 +47982,7 @@
     <a:masterClrMapping/>
   </p:clrMapOvr>
   <mc:AlternateContent xmlns:mc="http://schemas.openxmlformats.org/markup-compatibility/2006">
-    <mc:Choice xmlns:p14="http://schemas.microsoft.com/office/powerpoint/2010/main" xmlns="" Requires="p14">
+    <mc:Choice xmlns="" xmlns:p14="http://schemas.microsoft.com/office/powerpoint/2010/main" Requires="p14">
       <p:transition spd="slow" p14:dur="2000"/>
     </mc:Choice>
     <mc:Fallback>
@@ -48427,14 +48411,6 @@
               </a:rPr>
               <a:t>Java in browser trouble</a:t>
             </a:r>
-            <a:endParaRPr lang="en-US" sz="3000" dirty="0" smtClean="0">
-              <a:solidFill>
-                <a:srgbClr val="FF0000"/>
-              </a:solidFill>
-              <a:latin typeface="Arial" pitchFamily="34" charset="0"/>
-              <a:ea typeface="+mj-ea"/>
-              <a:cs typeface="+mj-cs"/>
-            </a:endParaRPr>
           </a:p>
           <a:p>
             <a:pPr marL="0" marR="0" lvl="0" indent="0" algn="l" defTabSz="914400" rtl="0" eaLnBrk="1" fontAlgn="auto" latinLnBrk="0" hangingPunct="1">
@@ -48463,14 +48439,6 @@
               </a:rPr>
               <a:t>Callback complexity</a:t>
             </a:r>
-            <a:endParaRPr lang="en-US" sz="3000" dirty="0" smtClean="0">
-              <a:solidFill>
-                <a:srgbClr val="FF0000"/>
-              </a:solidFill>
-              <a:latin typeface="Arial" pitchFamily="34" charset="0"/>
-              <a:ea typeface="+mj-ea"/>
-              <a:cs typeface="+mj-cs"/>
-            </a:endParaRPr>
           </a:p>
           <a:p>
             <a:pPr marL="0" marR="0" lvl="0" indent="0" algn="l" defTabSz="914400" rtl="0" eaLnBrk="1" fontAlgn="auto" latinLnBrk="0" hangingPunct="1">
@@ -48521,21 +48489,13 @@
               </a:rPr>
               <a:t> (sometimes)</a:t>
             </a:r>
-            <a:endParaRPr lang="en-US" sz="3000" dirty="0" smtClean="0">
-              <a:solidFill>
-                <a:srgbClr val="FF0000"/>
-              </a:solidFill>
-              <a:latin typeface="Arial" pitchFamily="34" charset="0"/>
-              <a:ea typeface="+mj-ea"/>
-              <a:cs typeface="+mj-cs"/>
-            </a:endParaRPr>
           </a:p>
         </p:txBody>
       </p:sp>
     </p:spTree>
     <p:extLst>
       <p:ext uri="{BB962C8B-B14F-4D97-AF65-F5344CB8AC3E}">
-        <p14:creationId xmlns:p14="http://schemas.microsoft.com/office/powerpoint/2010/main" xmlns="" val="1362647605"/>
+        <p14:creationId xmlns="" xmlns:p14="http://schemas.microsoft.com/office/powerpoint/2010/main" val="1362647605"/>
       </p:ext>
     </p:extLst>
   </p:cSld>
@@ -48543,7 +48503,7 @@
     <a:masterClrMapping/>
   </p:clrMapOvr>
   <mc:AlternateContent xmlns:mc="http://schemas.openxmlformats.org/markup-compatibility/2006">
-    <mc:Choice xmlns:p14="http://schemas.microsoft.com/office/powerpoint/2010/main" xmlns="" Requires="p14">
+    <mc:Choice xmlns="" xmlns:p14="http://schemas.microsoft.com/office/powerpoint/2010/main" Requires="p14">
       <p:transition spd="slow" p14:dur="2000"/>
     </mc:Choice>
     <mc:Fallback>
@@ -48822,7 +48782,7 @@
     </p:spTree>
     <p:extLst>
       <p:ext uri="{BB962C8B-B14F-4D97-AF65-F5344CB8AC3E}">
-        <p14:creationId xmlns:p14="http://schemas.microsoft.com/office/powerpoint/2010/main" xmlns="" val="1362647605"/>
+        <p14:creationId xmlns="" xmlns:p14="http://schemas.microsoft.com/office/powerpoint/2010/main" val="1362647605"/>
       </p:ext>
     </p:extLst>
   </p:cSld>
@@ -48830,7 +48790,7 @@
     <a:masterClrMapping/>
   </p:clrMapOvr>
   <mc:AlternateContent xmlns:mc="http://schemas.openxmlformats.org/markup-compatibility/2006">
-    <mc:Choice xmlns:p14="http://schemas.microsoft.com/office/powerpoint/2010/main" xmlns="" Requires="p14">
+    <mc:Choice xmlns="" xmlns:p14="http://schemas.microsoft.com/office/powerpoint/2010/main" Requires="p14">
       <p:transition spd="slow" p14:dur="2000"/>
     </mc:Choice>
     <mc:Fallback>
@@ -48952,43 +48912,7 @@
                 <a:cs typeface="+mj-cs"/>
                 <a:hlinkClick r:id="rId2"/>
               </a:rPr>
-              <a:t> </a:t>
-            </a:r>
-            <a:r>
-              <a:rPr lang="en-US" sz="1600" dirty="0" smtClean="0">
-                <a:solidFill>
-                  <a:schemeClr val="tx2"/>
-                </a:solidFill>
-                <a:latin typeface="Arial" pitchFamily="34" charset="0"/>
-                <a:ea typeface="+mj-ea"/>
-                <a:cs typeface="+mj-cs"/>
-                <a:hlinkClick r:id="rId2"/>
-              </a:rPr>
-              <a:t>http</a:t>
-            </a:r>
-            <a:r>
-              <a:rPr lang="en-US" sz="1600" dirty="0" smtClean="0">
-                <a:solidFill>
-                  <a:schemeClr val="tx2"/>
-                </a:solidFill>
-                <a:latin typeface="Arial" pitchFamily="34" charset="0"/>
-                <a:ea typeface="+mj-ea"/>
-                <a:cs typeface="+mj-cs"/>
-                <a:hlinkClick r:id="rId2"/>
-              </a:rPr>
-              <a:t>://</a:t>
-            </a:r>
-            <a:r>
-              <a:rPr lang="en-US" sz="1600" dirty="0" smtClean="0">
-                <a:solidFill>
-                  <a:schemeClr val="tx2"/>
-                </a:solidFill>
-                <a:latin typeface="Arial" pitchFamily="34" charset="0"/>
-                <a:ea typeface="+mj-ea"/>
-                <a:cs typeface="+mj-cs"/>
-                <a:hlinkClick r:id="rId2"/>
-              </a:rPr>
-              <a:t>docs.oracle.com/javafx/2/get_started/basic_deployment.htm</a:t>
+              <a:t> http://docs.oracle.com/javafx/2/get_started/basic_deployment.htm</a:t>
             </a:r>
             <a:endParaRPr lang="en-US" sz="1600" dirty="0" smtClean="0">
               <a:solidFill>
@@ -49047,18 +48971,7 @@
                 <a:ea typeface="+mj-ea"/>
                 <a:cs typeface="+mj-cs"/>
               </a:rPr>
-              <a:t> http</a:t>
-            </a:r>
-            <a:r>
-              <a:rPr lang="en-US" sz="1600" dirty="0" smtClean="0">
-                <a:solidFill>
-                  <a:schemeClr val="tx2"/>
-                </a:solidFill>
-                <a:latin typeface="Arial" pitchFamily="34" charset="0"/>
-                <a:ea typeface="+mj-ea"/>
-                <a:cs typeface="+mj-cs"/>
-              </a:rPr>
-              <a:t>://docs.oracle.com/javafx/2/deployment/self-contained-packaging.htm</a:t>
+              <a:t> http://docs.oracle.com/javafx/2/deployment/self-contained-packaging.htm</a:t>
             </a:r>
           </a:p>
           <a:p>
@@ -49095,8 +49008,73 @@
                 <a:latin typeface="Arial" pitchFamily="34" charset="0"/>
                 <a:ea typeface="+mj-ea"/>
                 <a:cs typeface="+mj-cs"/>
+                <a:hlinkClick r:id="rId3"/>
               </a:rPr>
-              <a:t>https://github.com/edvin/fxlauncher</a:t>
+              <a:t>https://</a:t>
+            </a:r>
+            <a:r>
+              <a:rPr lang="en-US" sz="1600" dirty="0" smtClean="0">
+                <a:solidFill>
+                  <a:schemeClr val="tx2"/>
+                </a:solidFill>
+                <a:latin typeface="Arial" pitchFamily="34" charset="0"/>
+                <a:ea typeface="+mj-ea"/>
+                <a:cs typeface="+mj-cs"/>
+                <a:hlinkClick r:id="rId3"/>
+              </a:rPr>
+              <a:t>github.com/edvin/fxlauncher</a:t>
+            </a:r>
+            <a:endParaRPr lang="en-US" sz="1600" dirty="0" smtClean="0">
+              <a:solidFill>
+                <a:schemeClr val="tx2"/>
+              </a:solidFill>
+              <a:latin typeface="Arial" pitchFamily="34" charset="0"/>
+              <a:ea typeface="+mj-ea"/>
+              <a:cs typeface="+mj-cs"/>
+            </a:endParaRPr>
+          </a:p>
+          <a:p>
+            <a:pPr lvl="0">
+              <a:spcBef>
+                <a:spcPct val="0"/>
+              </a:spcBef>
+              <a:buFont typeface="Arial" pitchFamily="34" charset="0"/>
+              <a:buChar char="•"/>
+              <a:defRPr/>
+            </a:pPr>
+            <a:r>
+              <a:rPr kumimoji="0" lang="en-US" sz="1600" b="0" i="0" u="none" strike="noStrike" kern="1200" cap="none" spc="0" normalizeH="0" baseline="0" noProof="0" dirty="0" smtClean="0">
+                <a:ln>
+                  <a:noFill/>
+                </a:ln>
+                <a:solidFill>
+                  <a:schemeClr val="tx2"/>
+                </a:solidFill>
+                <a:effectLst/>
+                <a:uLnTx/>
+                <a:uFillTx/>
+                <a:latin typeface="Arial" pitchFamily="34" charset="0"/>
+                <a:ea typeface="+mj-ea"/>
+                <a:cs typeface="+mj-cs"/>
+              </a:rPr>
+              <a:t> </a:t>
+            </a:r>
+            <a:r>
+              <a:rPr kumimoji="0" lang="en-US" sz="1600" b="0" i="0" u="none" strike="noStrike" kern="1200" cap="none" spc="0" normalizeH="0" baseline="0" noProof="0" dirty="0" smtClean="0">
+                <a:ln>
+                  <a:noFill/>
+                </a:ln>
+                <a:solidFill>
+                  <a:schemeClr val="tx2"/>
+                </a:solidFill>
+                <a:effectLst/>
+                <a:uLnTx/>
+                <a:uFillTx/>
+                <a:latin typeface="Arial" pitchFamily="34" charset="0"/>
+                <a:ea typeface="+mj-ea"/>
+                <a:cs typeface="+mj-cs"/>
+              </a:rPr>
+              <a:t>spring-boot</a:t>
             </a:r>
             <a:endParaRPr kumimoji="0" lang="en-US" sz="1600" b="0" i="0" u="none" strike="noStrike" kern="1200" cap="none" spc="0" normalizeH="0" baseline="0" noProof="0" dirty="0" smtClean="0">
               <a:ln>
@@ -49118,7 +49096,7 @@
     </p:spTree>
     <p:extLst>
       <p:ext uri="{BB962C8B-B14F-4D97-AF65-F5344CB8AC3E}">
-        <p14:creationId xmlns:p14="http://schemas.microsoft.com/office/powerpoint/2010/main" xmlns="" val="1362647605"/>
+        <p14:creationId xmlns="" xmlns:p14="http://schemas.microsoft.com/office/powerpoint/2010/main" val="1362647605"/>
       </p:ext>
     </p:extLst>
   </p:cSld>
@@ -49126,7 +49104,7 @@
     <a:masterClrMapping/>
   </p:clrMapOvr>
   <mc:AlternateContent xmlns:mc="http://schemas.openxmlformats.org/markup-compatibility/2006">
-    <mc:Choice xmlns:p14="http://schemas.microsoft.com/office/powerpoint/2010/main" xmlns="" Requires="p14">
+    <mc:Choice xmlns="" xmlns:p14="http://schemas.microsoft.com/office/powerpoint/2010/main" Requires="p14">
       <p:transition spd="slow" p14:dur="2000"/>
     </mc:Choice>
     <mc:Fallback>
@@ -49402,7 +49380,7 @@
     </p:spTree>
     <p:extLst>
       <p:ext uri="{BB962C8B-B14F-4D97-AF65-F5344CB8AC3E}">
-        <p14:creationId xmlns:p14="http://schemas.microsoft.com/office/powerpoint/2010/main" xmlns="" val="1362647605"/>
+        <p14:creationId xmlns="" xmlns:p14="http://schemas.microsoft.com/office/powerpoint/2010/main" val="1362647605"/>
       </p:ext>
     </p:extLst>
   </p:cSld>
@@ -49410,7 +49388,7 @@
     <a:masterClrMapping/>
   </p:clrMapOvr>
   <mc:AlternateContent xmlns:mc="http://schemas.openxmlformats.org/markup-compatibility/2006">
-    <mc:Choice xmlns:p14="http://schemas.microsoft.com/office/powerpoint/2010/main" xmlns="" Requires="p14">
+    <mc:Choice xmlns="" xmlns:p14="http://schemas.microsoft.com/office/powerpoint/2010/main" Requires="p14">
       <p:transition spd="slow" p14:dur="2000"/>
     </mc:Choice>
     <mc:Fallback>
@@ -49913,7 +49891,7 @@
     </p:spTree>
     <p:extLst>
       <p:ext uri="{BB962C8B-B14F-4D97-AF65-F5344CB8AC3E}">
-        <p14:creationId xmlns:p14="http://schemas.microsoft.com/office/powerpoint/2010/main" xmlns="" val="1419182396"/>
+        <p14:creationId xmlns="" xmlns:p14="http://schemas.microsoft.com/office/powerpoint/2010/main" val="1419182396"/>
       </p:ext>
     </p:extLst>
   </p:cSld>
@@ -50861,9 +50839,12 @@
 </file>
 
 <file path=customXml/item1.xml><?xml version="1.0" encoding="utf-8"?>
-<p:properties xmlns:p="http://schemas.microsoft.com/office/2006/metadata/properties" xmlns:xsi="http://www.w3.org/2001/XMLSchema-instance" xmlns:pc="http://schemas.microsoft.com/office/infopath/2007/PartnerControls">
-  <documentManagement/>
-</p:properties>
+<?mso-contentType ?>
+<FormTemplates xmlns="http://schemas.microsoft.com/sharepoint/v3/contenttype/forms">
+  <Display>DocumentLibraryForm</Display>
+  <Edit>DocumentLibraryForm</Edit>
+  <New>DocumentLibraryForm</New>
+</FormTemplates>
 </file>
 
 <file path=customXml/item2.xml><?xml version="1.0" encoding="utf-8"?>
@@ -50916,25 +50897,15 @@
 </file>
 
 <file path=customXml/item3.xml><?xml version="1.0" encoding="utf-8"?>
-<?mso-contentType ?>
-<FormTemplates xmlns="http://schemas.microsoft.com/sharepoint/v3/contenttype/forms">
-  <Display>DocumentLibraryForm</Display>
-  <Edit>DocumentLibraryForm</Edit>
-  <New>DocumentLibraryForm</New>
-</FormTemplates>
+<p:properties xmlns:p="http://schemas.microsoft.com/office/2006/metadata/properties" xmlns:xsi="http://www.w3.org/2001/XMLSchema-instance" xmlns:pc="http://schemas.microsoft.com/office/infopath/2007/PartnerControls">
+  <documentManagement/>
+</p:properties>
 </file>
 
 <file path=customXml/itemProps1.xml><?xml version="1.0" encoding="utf-8"?>
-<ds:datastoreItem xmlns:ds="http://schemas.openxmlformats.org/officeDocument/2006/customXml" ds:itemID="{F346CD18-12AD-4AEC-8965-62D46F5CB212}">
+<ds:datastoreItem xmlns:ds="http://schemas.openxmlformats.org/officeDocument/2006/customXml" ds:itemID="{ADA5D674-9920-4D2F-B065-BC24FD29F86D}">
   <ds:schemaRefs>
-    <ds:schemaRef ds:uri="http://purl.org/dc/terms/"/>
-    <ds:schemaRef ds:uri="http://schemas.microsoft.com/office/2006/documentManagement/types"/>
-    <ds:schemaRef ds:uri="http://purl.org/dc/elements/1.1/"/>
-    <ds:schemaRef ds:uri="http://purl.org/dc/dcmitype/"/>
-    <ds:schemaRef ds:uri="http://www.w3.org/XML/1998/namespace"/>
-    <ds:schemaRef ds:uri="http://schemas.openxmlformats.org/package/2006/metadata/core-properties"/>
-    <ds:schemaRef ds:uri="http://schemas.microsoft.com/office/2006/metadata/properties"/>
-    <ds:schemaRef ds:uri="http://schemas.microsoft.com/office/infopath/2007/PartnerControls"/>
+    <ds:schemaRef ds:uri="http://schemas.microsoft.com/sharepoint/v3/contenttype/forms"/>
   </ds:schemaRefs>
 </ds:datastoreItem>
 </file>
@@ -50955,9 +50926,16 @@
 </file>
 
 <file path=customXml/itemProps3.xml><?xml version="1.0" encoding="utf-8"?>
-<ds:datastoreItem xmlns:ds="http://schemas.openxmlformats.org/officeDocument/2006/customXml" ds:itemID="{ADA5D674-9920-4D2F-B065-BC24FD29F86D}">
+<ds:datastoreItem xmlns:ds="http://schemas.openxmlformats.org/officeDocument/2006/customXml" ds:itemID="{F346CD18-12AD-4AEC-8965-62D46F5CB212}">
   <ds:schemaRefs>
-    <ds:schemaRef ds:uri="http://schemas.microsoft.com/sharepoint/v3/contenttype/forms"/>
+    <ds:schemaRef ds:uri="http://purl.org/dc/terms/"/>
+    <ds:schemaRef ds:uri="http://schemas.microsoft.com/office/2006/documentManagement/types"/>
+    <ds:schemaRef ds:uri="http://purl.org/dc/elements/1.1/"/>
+    <ds:schemaRef ds:uri="http://purl.org/dc/dcmitype/"/>
+    <ds:schemaRef ds:uri="http://www.w3.org/XML/1998/namespace"/>
+    <ds:schemaRef ds:uri="http://schemas.openxmlformats.org/package/2006/metadata/core-properties"/>
+    <ds:schemaRef ds:uri="http://schemas.microsoft.com/office/2006/metadata/properties"/>
+    <ds:schemaRef ds:uri="http://schemas.microsoft.com/office/infopath/2007/PartnerControls"/>
   </ds:schemaRefs>
 </ds:datastoreItem>
 </file>
--- a/JavaFX meetup juli 2016.pptx
+++ b/JavaFX meetup juli 2016.pptx
@@ -121,7 +121,7 @@
   </p:defaultTextStyle>
   <p:extLst>
     <p:ext uri="{EFAFB233-063F-42B5-8137-9DF3F51BA10A}">
-      <p15:sldGuideLst xmlns="" xmlns:p15="http://schemas.microsoft.com/office/powerpoint/2012/main">
+      <p15:sldGuideLst xmlns:p15="http://schemas.microsoft.com/office/powerpoint/2012/main" xmlns="">
         <p15:guide id="1" orient="horz" pos="835">
           <p15:clr>
             <a:srgbClr val="A4A3A4"/>
@@ -185,7 +185,7 @@
       </p15:sldGuideLst>
     </p:ext>
     <p:ext uri="{2D200454-40CA-4A62-9FC3-DE9A4176ACB9}">
-      <p15:notesGuideLst xmlns="" xmlns:p15="http://schemas.microsoft.com/office/powerpoint/2012/main">
+      <p15:notesGuideLst xmlns:p15="http://schemas.microsoft.com/office/powerpoint/2012/main" xmlns="">
         <p15:guide id="1" orient="horz" pos="2880">
           <p15:clr>
             <a:srgbClr val="A4A3A4"/>
@@ -298,7 +298,7 @@
                 <a:latin typeface="Arial" pitchFamily="34" charset="0"/>
               </a:rPr>
               <a:pPr/>
-              <a:t>7/14/2016</a:t>
+              <a:t>7/18/2016</a:t>
             </a:fld>
             <a:endParaRPr lang="en-US" dirty="0">
               <a:latin typeface="Arial" pitchFamily="34" charset="0"/>
@@ -382,7 +382,7 @@
     </p:spTree>
     <p:extLst>
       <p:ext uri="{BB962C8B-B14F-4D97-AF65-F5344CB8AC3E}">
-        <p14:creationId xmlns="" xmlns:p14="http://schemas.microsoft.com/office/powerpoint/2010/main" val="3809342365"/>
+        <p14:creationId xmlns:p14="http://schemas.microsoft.com/office/powerpoint/2010/main" xmlns="" val="3809342365"/>
       </p:ext>
     </p:extLst>
   </p:cSld>
@@ -477,7 +477,7 @@
             <a:fld id="{B5D7A87D-1CDA-443F-BAE3-82C9C05446C3}" type="datetimeFigureOut">
               <a:rPr lang="en-US" smtClean="0"/>
               <a:pPr/>
-              <a:t>7/14/2016</a:t>
+              <a:t>7/18/2016</a:t>
             </a:fld>
             <a:endParaRPr lang="en-US" dirty="0"/>
           </a:p>
@@ -652,7 +652,7 @@
     </p:spTree>
     <p:extLst>
       <p:ext uri="{BB962C8B-B14F-4D97-AF65-F5344CB8AC3E}">
-        <p14:creationId xmlns="" xmlns:p14="http://schemas.microsoft.com/office/powerpoint/2010/main" val="3116277547"/>
+        <p14:creationId xmlns:p14="http://schemas.microsoft.com/office/powerpoint/2010/main" xmlns="" val="3116277547"/>
       </p:ext>
     </p:extLst>
   </p:cSld>
@@ -829,7 +829,7 @@
     </p:spTree>
     <p:extLst>
       <p:ext uri="{BB962C8B-B14F-4D97-AF65-F5344CB8AC3E}">
-        <p14:creationId xmlns="" xmlns:p14="http://schemas.microsoft.com/office/powerpoint/2010/main" val="3950182644"/>
+        <p14:creationId xmlns:p14="http://schemas.microsoft.com/office/powerpoint/2010/main" xmlns="" val="3950182644"/>
       </p:ext>
     </p:extLst>
   </p:cSld>
@@ -869,7 +869,7 @@
             <a:grayscl/>
             <a:extLst>
               <a:ext uri="{28A0092B-C50C-407E-A947-70E740481C1C}">
-                <a14:useLocalDpi xmlns="" xmlns:a14="http://schemas.microsoft.com/office/drawing/2010/main" val="0"/>
+                <a14:useLocalDpi xmlns:a14="http://schemas.microsoft.com/office/drawing/2010/main" xmlns="" val="0"/>
               </a:ext>
             </a:extLst>
           </a:blip>
@@ -890,7 +890,7 @@
           </a:ln>
           <a:extLst>
             <a:ext uri="{909E8E84-426E-40DD-AFC4-6F175D3DCCD1}">
-              <a14:hiddenFill xmlns="" xmlns:a14="http://schemas.microsoft.com/office/drawing/2010/main">
+              <a14:hiddenFill xmlns:a14="http://schemas.microsoft.com/office/drawing/2010/main" xmlns="">
                 <a:solidFill>
                   <a:srgbClr val="FFFFFF"/>
                 </a:solidFill>
@@ -37673,7 +37673,7 @@
             <a:grayscl/>
             <a:extLst>
               <a:ext uri="{28A0092B-C50C-407E-A947-70E740481C1C}">
-                <a14:useLocalDpi xmlns="" xmlns:a14="http://schemas.microsoft.com/office/drawing/2010/main" val="0"/>
+                <a14:useLocalDpi xmlns:a14="http://schemas.microsoft.com/office/drawing/2010/main" xmlns="" val="0"/>
               </a:ext>
             </a:extLst>
           </a:blip>
@@ -37694,7 +37694,7 @@
           </a:ln>
           <a:extLst>
             <a:ext uri="{909E8E84-426E-40DD-AFC4-6F175D3DCCD1}">
-              <a14:hiddenFill xmlns="" xmlns:a14="http://schemas.microsoft.com/office/drawing/2010/main">
+              <a14:hiddenFill xmlns:a14="http://schemas.microsoft.com/office/drawing/2010/main" xmlns="">
                 <a:solidFill>
                   <a:srgbClr val="FFFFFF"/>
                 </a:solidFill>
@@ -45006,7 +45006,7 @@
     </p:spTree>
     <p:extLst>
       <p:ext uri="{BB962C8B-B14F-4D97-AF65-F5344CB8AC3E}">
-        <p14:creationId xmlns="" xmlns:p14="http://schemas.microsoft.com/office/powerpoint/2010/main" val="3697878167"/>
+        <p14:creationId xmlns:p14="http://schemas.microsoft.com/office/powerpoint/2010/main" xmlns="" val="3697878167"/>
       </p:ext>
     </p:extLst>
   </p:cSld>
@@ -45820,7 +45820,7 @@
     </p:spTree>
     <p:extLst>
       <p:ext uri="{BB962C8B-B14F-4D97-AF65-F5344CB8AC3E}">
-        <p14:creationId xmlns="" xmlns:p14="http://schemas.microsoft.com/office/powerpoint/2010/main" val="4261803648"/>
+        <p14:creationId xmlns:p14="http://schemas.microsoft.com/office/powerpoint/2010/main" xmlns="" val="4261803648"/>
       </p:ext>
     </p:extLst>
   </p:cSld>
@@ -46394,7 +46394,7 @@
     </p:spTree>
     <p:extLst>
       <p:ext uri="{BB962C8B-B14F-4D97-AF65-F5344CB8AC3E}">
-        <p14:creationId xmlns="" xmlns:p14="http://schemas.microsoft.com/office/powerpoint/2010/main" val="1362647605"/>
+        <p14:creationId xmlns:p14="http://schemas.microsoft.com/office/powerpoint/2010/main" xmlns="" val="1362647605"/>
       </p:ext>
     </p:extLst>
   </p:cSld>
@@ -46402,7 +46402,7 @@
     <a:masterClrMapping/>
   </p:clrMapOvr>
   <mc:AlternateContent xmlns:mc="http://schemas.openxmlformats.org/markup-compatibility/2006">
-    <mc:Choice xmlns="" xmlns:p14="http://schemas.microsoft.com/office/powerpoint/2010/main" Requires="p14">
+    <mc:Choice xmlns:p14="http://schemas.microsoft.com/office/powerpoint/2010/main" xmlns="" Requires="p14">
       <p:transition spd="slow" p14:dur="2000"/>
     </mc:Choice>
     <mc:Fallback>
@@ -47374,18 +47374,7 @@
                 <a:ea typeface="+mj-ea"/>
                 <a:cs typeface="Courier New" pitchFamily="49" charset="0"/>
               </a:rPr>
-              <a:t>        try </a:t>
-            </a:r>
-            <a:r>
-              <a:rPr lang="en-US" sz="1400" dirty="0" smtClean="0">
-                <a:solidFill>
-                  <a:schemeClr val="tx2"/>
-                </a:solidFill>
-                <a:latin typeface="Courier New" pitchFamily="49" charset="0"/>
-                <a:ea typeface="+mj-ea"/>
-                <a:cs typeface="Courier New" pitchFamily="49" charset="0"/>
-              </a:rPr>
-              <a:t>{ </a:t>
+              <a:t>        try { </a:t>
             </a:r>
             <a:r>
               <a:rPr lang="en-US" sz="1400" dirty="0" err="1" smtClean="0">
@@ -47407,18 +47396,7 @@
                 <a:ea typeface="+mj-ea"/>
                 <a:cs typeface="Courier New" pitchFamily="49" charset="0"/>
               </a:rPr>
-              <a:t>(); } </a:t>
-            </a:r>
-            <a:r>
-              <a:rPr lang="en-US" sz="1400" dirty="0" smtClean="0">
-                <a:solidFill>
-                  <a:schemeClr val="tx2"/>
-                </a:solidFill>
-                <a:latin typeface="Courier New" pitchFamily="49" charset="0"/>
-                <a:ea typeface="+mj-ea"/>
-                <a:cs typeface="Courier New" pitchFamily="49" charset="0"/>
-              </a:rPr>
-              <a:t>catch (</a:t>
+              <a:t>(); } catch (</a:t>
             </a:r>
             <a:r>
               <a:rPr lang="en-US" sz="1400" dirty="0" err="1" smtClean="0">
@@ -47974,7 +47952,7 @@
     </p:spTree>
     <p:extLst>
       <p:ext uri="{BB962C8B-B14F-4D97-AF65-F5344CB8AC3E}">
-        <p14:creationId xmlns="" xmlns:p14="http://schemas.microsoft.com/office/powerpoint/2010/main" val="1362647605"/>
+        <p14:creationId xmlns:p14="http://schemas.microsoft.com/office/powerpoint/2010/main" xmlns="" val="1362647605"/>
       </p:ext>
     </p:extLst>
   </p:cSld>
@@ -47982,7 +47960,7 @@
     <a:masterClrMapping/>
   </p:clrMapOvr>
   <mc:AlternateContent xmlns:mc="http://schemas.openxmlformats.org/markup-compatibility/2006">
-    <mc:Choice xmlns="" xmlns:p14="http://schemas.microsoft.com/office/powerpoint/2010/main" Requires="p14">
+    <mc:Choice xmlns:p14="http://schemas.microsoft.com/office/powerpoint/2010/main" xmlns="" Requires="p14">
       <p:transition spd="slow" p14:dur="2000"/>
     </mc:Choice>
     <mc:Fallback>
@@ -48495,7 +48473,7 @@
     </p:spTree>
     <p:extLst>
       <p:ext uri="{BB962C8B-B14F-4D97-AF65-F5344CB8AC3E}">
-        <p14:creationId xmlns="" xmlns:p14="http://schemas.microsoft.com/office/powerpoint/2010/main" val="1362647605"/>
+        <p14:creationId xmlns:p14="http://schemas.microsoft.com/office/powerpoint/2010/main" xmlns="" val="1362647605"/>
       </p:ext>
     </p:extLst>
   </p:cSld>
@@ -48503,7 +48481,7 @@
     <a:masterClrMapping/>
   </p:clrMapOvr>
   <mc:AlternateContent xmlns:mc="http://schemas.openxmlformats.org/markup-compatibility/2006">
-    <mc:Choice xmlns="" xmlns:p14="http://schemas.microsoft.com/office/powerpoint/2010/main" Requires="p14">
+    <mc:Choice xmlns:p14="http://schemas.microsoft.com/office/powerpoint/2010/main" xmlns="" Requires="p14">
       <p:transition spd="slow" p14:dur="2000"/>
     </mc:Choice>
     <mc:Fallback>
@@ -48782,7 +48760,7 @@
     </p:spTree>
     <p:extLst>
       <p:ext uri="{BB962C8B-B14F-4D97-AF65-F5344CB8AC3E}">
-        <p14:creationId xmlns="" xmlns:p14="http://schemas.microsoft.com/office/powerpoint/2010/main" val="1362647605"/>
+        <p14:creationId xmlns:p14="http://schemas.microsoft.com/office/powerpoint/2010/main" xmlns="" val="1362647605"/>
       </p:ext>
     </p:extLst>
   </p:cSld>
@@ -48790,7 +48768,7 @@
     <a:masterClrMapping/>
   </p:clrMapOvr>
   <mc:AlternateContent xmlns:mc="http://schemas.openxmlformats.org/markup-compatibility/2006">
-    <mc:Choice xmlns="" xmlns:p14="http://schemas.microsoft.com/office/powerpoint/2010/main" Requires="p14">
+    <mc:Choice xmlns:p14="http://schemas.microsoft.com/office/powerpoint/2010/main" xmlns="" Requires="p14">
       <p:transition spd="slow" p14:dur="2000"/>
     </mc:Choice>
     <mc:Fallback>
@@ -49010,19 +48988,7 @@
                 <a:cs typeface="+mj-cs"/>
                 <a:hlinkClick r:id="rId3"/>
               </a:rPr>
-              <a:t>https://</a:t>
-            </a:r>
-            <a:r>
-              <a:rPr lang="en-US" sz="1600" dirty="0" smtClean="0">
-                <a:solidFill>
-                  <a:schemeClr val="tx2"/>
-                </a:solidFill>
-                <a:latin typeface="Arial" pitchFamily="34" charset="0"/>
-                <a:ea typeface="+mj-ea"/>
-                <a:cs typeface="+mj-cs"/>
-                <a:hlinkClick r:id="rId3"/>
-              </a:rPr>
-              <a:t>github.com/edvin/fxlauncher</a:t>
+              <a:t>https://github.com/edvin/fxlauncher</a:t>
             </a:r>
             <a:endParaRPr lang="en-US" sz="1600" dirty="0" smtClean="0">
               <a:solidFill>
@@ -49057,46 +49023,15 @@
                 <a:ea typeface="+mj-ea"/>
                 <a:cs typeface="+mj-cs"/>
               </a:rPr>
-              <a:t> </a:t>
+              <a:t> spring-boot</a:t>
             </a:r>
-            <a:r>
-              <a:rPr kumimoji="0" lang="en-US" sz="1600" b="0" i="0" u="none" strike="noStrike" kern="1200" cap="none" spc="0" normalizeH="0" baseline="0" noProof="0" dirty="0" smtClean="0">
-                <a:ln>
-                  <a:noFill/>
-                </a:ln>
-                <a:solidFill>
-                  <a:schemeClr val="tx2"/>
-                </a:solidFill>
-                <a:effectLst/>
-                <a:uLnTx/>
-                <a:uFillTx/>
-                <a:latin typeface="Arial" pitchFamily="34" charset="0"/>
-                <a:ea typeface="+mj-ea"/>
-                <a:cs typeface="+mj-cs"/>
-              </a:rPr>
-              <a:t>spring-boot</a:t>
-            </a:r>
-            <a:endParaRPr kumimoji="0" lang="en-US" sz="1600" b="0" i="0" u="none" strike="noStrike" kern="1200" cap="none" spc="0" normalizeH="0" baseline="0" noProof="0" dirty="0" smtClean="0">
-              <a:ln>
-                <a:noFill/>
-              </a:ln>
-              <a:solidFill>
-                <a:schemeClr val="tx2"/>
-              </a:solidFill>
-              <a:effectLst/>
-              <a:uLnTx/>
-              <a:uFillTx/>
-              <a:latin typeface="Arial" pitchFamily="34" charset="0"/>
-              <a:ea typeface="+mj-ea"/>
-              <a:cs typeface="+mj-cs"/>
-            </a:endParaRPr>
           </a:p>
         </p:txBody>
       </p:sp>
     </p:spTree>
     <p:extLst>
       <p:ext uri="{BB962C8B-B14F-4D97-AF65-F5344CB8AC3E}">
-        <p14:creationId xmlns="" xmlns:p14="http://schemas.microsoft.com/office/powerpoint/2010/main" val="1362647605"/>
+        <p14:creationId xmlns:p14="http://schemas.microsoft.com/office/powerpoint/2010/main" xmlns="" val="1362647605"/>
       </p:ext>
     </p:extLst>
   </p:cSld>
@@ -49104,7 +49039,7 @@
     <a:masterClrMapping/>
   </p:clrMapOvr>
   <mc:AlternateContent xmlns:mc="http://schemas.openxmlformats.org/markup-compatibility/2006">
-    <mc:Choice xmlns="" xmlns:p14="http://schemas.microsoft.com/office/powerpoint/2010/main" Requires="p14">
+    <mc:Choice xmlns:p14="http://schemas.microsoft.com/office/powerpoint/2010/main" xmlns="" Requires="p14">
       <p:transition spd="slow" p14:dur="2000"/>
     </mc:Choice>
     <mc:Fallback>
@@ -49380,7 +49315,7 @@
     </p:spTree>
     <p:extLst>
       <p:ext uri="{BB962C8B-B14F-4D97-AF65-F5344CB8AC3E}">
-        <p14:creationId xmlns="" xmlns:p14="http://schemas.microsoft.com/office/powerpoint/2010/main" val="1362647605"/>
+        <p14:creationId xmlns:p14="http://schemas.microsoft.com/office/powerpoint/2010/main" xmlns="" val="1362647605"/>
       </p:ext>
     </p:extLst>
   </p:cSld>
@@ -49388,7 +49323,7 @@
     <a:masterClrMapping/>
   </p:clrMapOvr>
   <mc:AlternateContent xmlns:mc="http://schemas.openxmlformats.org/markup-compatibility/2006">
-    <mc:Choice xmlns="" xmlns:p14="http://schemas.microsoft.com/office/powerpoint/2010/main" Requires="p14">
+    <mc:Choice xmlns:p14="http://schemas.microsoft.com/office/powerpoint/2010/main" xmlns="" Requires="p14">
       <p:transition spd="slow" p14:dur="2000"/>
     </mc:Choice>
     <mc:Fallback>
@@ -49793,25 +49728,16 @@
             </a:endParaRPr>
           </a:p>
           <a:p>
-            <a:pPr marL="0" marR="0" lvl="0" indent="0" algn="l" defTabSz="914400" rtl="0" eaLnBrk="1" fontAlgn="auto" latinLnBrk="0" hangingPunct="1">
-              <a:lnSpc>
-                <a:spcPct val="100000"/>
-              </a:lnSpc>
+            <a:pPr lvl="0">
               <a:spcBef>
                 <a:spcPct val="0"/>
               </a:spcBef>
-              <a:spcAft>
-                <a:spcPts val="0"/>
-              </a:spcAft>
-              <a:buClrTx/>
-              <a:buSzTx/>
               <a:buFont typeface="Arial" pitchFamily="34" charset="0"/>
               <a:buChar char="•"/>
-              <a:tabLst/>
               <a:defRPr/>
             </a:pPr>
             <a:r>
-              <a:rPr lang="en-US" sz="3000" dirty="0" smtClean="0">
+              <a:rPr lang="en-US" sz="2000" dirty="0" smtClean="0">
                 <a:solidFill>
                   <a:schemeClr val="tx2"/>
                 </a:solidFill>
@@ -49819,9 +49745,135 @@
                 <a:ea typeface="+mj-ea"/>
                 <a:cs typeface="+mj-cs"/>
               </a:rPr>
-              <a:t> Create a custom component</a:t>
+              <a:t> </a:t>
             </a:r>
-            <a:endParaRPr kumimoji="0" lang="nl-NL" sz="3000" b="0" i="0" u="none" strike="noStrike" kern="1200" cap="none" spc="0" normalizeH="0" baseline="0" noProof="0" dirty="0" smtClean="0">
+            <a:r>
+              <a:rPr lang="en-US" sz="2000" dirty="0" err="1" smtClean="0">
+                <a:solidFill>
+                  <a:schemeClr val="tx2"/>
+                </a:solidFill>
+                <a:latin typeface="Arial" pitchFamily="34" charset="0"/>
+                <a:ea typeface="+mj-ea"/>
+                <a:cs typeface="+mj-cs"/>
+              </a:rPr>
+              <a:t>git</a:t>
+            </a:r>
+            <a:r>
+              <a:rPr lang="en-US" sz="2000" dirty="0" smtClean="0">
+                <a:solidFill>
+                  <a:schemeClr val="tx2"/>
+                </a:solidFill>
+                <a:latin typeface="Arial" pitchFamily="34" charset="0"/>
+                <a:ea typeface="+mj-ea"/>
+                <a:cs typeface="+mj-cs"/>
+              </a:rPr>
+              <a:t> </a:t>
+            </a:r>
+            <a:r>
+              <a:rPr lang="en-US" sz="2000" dirty="0" smtClean="0">
+                <a:solidFill>
+                  <a:schemeClr val="tx2"/>
+                </a:solidFill>
+                <a:latin typeface="Arial" pitchFamily="34" charset="0"/>
+                <a:ea typeface="+mj-ea"/>
+                <a:cs typeface="+mj-cs"/>
+              </a:rPr>
+              <a:t>clone –b workshop </a:t>
+            </a:r>
+            <a:r>
+              <a:rPr lang="en-US" sz="2000" dirty="0" smtClean="0">
+                <a:solidFill>
+                  <a:schemeClr val="tx2"/>
+                </a:solidFill>
+                <a:latin typeface="Arial" pitchFamily="34" charset="0"/>
+                <a:ea typeface="+mj-ea"/>
+                <a:cs typeface="+mj-cs"/>
+                <a:hlinkClick r:id="rId2"/>
+              </a:rPr>
+              <a:t>https://</a:t>
+            </a:r>
+            <a:r>
+              <a:rPr lang="en-US" sz="2000" dirty="0" smtClean="0">
+                <a:solidFill>
+                  <a:schemeClr val="tx2"/>
+                </a:solidFill>
+                <a:latin typeface="Arial" pitchFamily="34" charset="0"/>
+                <a:ea typeface="+mj-ea"/>
+                <a:cs typeface="+mj-cs"/>
+                <a:hlinkClick r:id="rId2"/>
+              </a:rPr>
+              <a:t>github.com/eduarddrenth/iText-GUI.git</a:t>
+            </a:r>
+            <a:endParaRPr lang="en-US" sz="2000" dirty="0" smtClean="0">
+              <a:solidFill>
+                <a:schemeClr val="tx2"/>
+              </a:solidFill>
+              <a:latin typeface="Arial" pitchFamily="34" charset="0"/>
+              <a:ea typeface="+mj-ea"/>
+              <a:cs typeface="+mj-cs"/>
+            </a:endParaRPr>
+          </a:p>
+          <a:p>
+            <a:pPr lvl="1">
+              <a:spcBef>
+                <a:spcPct val="0"/>
+              </a:spcBef>
+              <a:buFont typeface="Arial" pitchFamily="34" charset="0"/>
+              <a:buChar char="•"/>
+              <a:defRPr/>
+            </a:pPr>
+            <a:r>
+              <a:rPr kumimoji="0" lang="en-US" sz="2400" b="0" i="0" u="none" strike="noStrike" kern="1200" cap="none" spc="0" normalizeH="0" baseline="0" noProof="0" dirty="0" smtClean="0">
+                <a:ln>
+                  <a:noFill/>
+                </a:ln>
+                <a:solidFill>
+                  <a:schemeClr val="tx2"/>
+                </a:solidFill>
+                <a:effectLst/>
+                <a:uLnTx/>
+                <a:uFillTx/>
+                <a:latin typeface="Arial" pitchFamily="34" charset="0"/>
+                <a:ea typeface="+mj-ea"/>
+                <a:cs typeface="+mj-cs"/>
+              </a:rPr>
+              <a:t> </a:t>
+            </a:r>
+            <a:r>
+              <a:rPr kumimoji="0" lang="en-US" sz="2400" b="0" i="0" u="none" strike="noStrike" kern="1200" cap="none" spc="0" normalizeH="0" baseline="0" noProof="0" dirty="0" smtClean="0">
+                <a:ln>
+                  <a:noFill/>
+                </a:ln>
+                <a:solidFill>
+                  <a:schemeClr val="tx2"/>
+                </a:solidFill>
+                <a:effectLst/>
+                <a:uLnTx/>
+                <a:uFillTx/>
+                <a:latin typeface="Arial" pitchFamily="34" charset="0"/>
+                <a:ea typeface="+mj-ea"/>
+                <a:cs typeface="+mj-cs"/>
+              </a:rPr>
+              <a:t>open project in </a:t>
+            </a:r>
+            <a:r>
+              <a:rPr kumimoji="0" lang="en-US" sz="2400" b="0" i="0" u="none" strike="noStrike" kern="1200" cap="none" spc="0" normalizeH="0" baseline="0" noProof="0" dirty="0" err="1" smtClean="0">
+                <a:ln>
+                  <a:noFill/>
+                </a:ln>
+                <a:solidFill>
+                  <a:schemeClr val="tx2"/>
+                </a:solidFill>
+                <a:effectLst/>
+                <a:uLnTx/>
+                <a:uFillTx/>
+                <a:latin typeface="Arial" pitchFamily="34" charset="0"/>
+                <a:ea typeface="+mj-ea"/>
+                <a:cs typeface="+mj-cs"/>
+              </a:rPr>
+              <a:t>NetBeans</a:t>
+            </a:r>
+            <a:endParaRPr kumimoji="0" lang="en-US" sz="2400" b="0" i="0" u="none" strike="noStrike" kern="1200" cap="none" spc="0" normalizeH="0" baseline="0" noProof="0" dirty="0" smtClean="0">
               <a:ln>
                 <a:noFill/>
               </a:ln>
@@ -49837,25 +49889,48 @@
             </a:endParaRPr>
           </a:p>
           <a:p>
-            <a:pPr marL="0" marR="0" lvl="0" indent="0" algn="l" defTabSz="914400" rtl="0" eaLnBrk="1" fontAlgn="auto" latinLnBrk="0" hangingPunct="1">
-              <a:lnSpc>
-                <a:spcPct val="100000"/>
-              </a:lnSpc>
+            <a:pPr lvl="1">
               <a:spcBef>
                 <a:spcPct val="0"/>
               </a:spcBef>
-              <a:spcAft>
-                <a:spcPts val="0"/>
-              </a:spcAft>
-              <a:buClrTx/>
-              <a:buSzTx/>
               <a:buFont typeface="Arial" pitchFamily="34" charset="0"/>
               <a:buChar char="•"/>
-              <a:tabLst/>
               <a:defRPr/>
             </a:pPr>
             <a:r>
-              <a:rPr kumimoji="0" lang="nl-NL" sz="3000" b="0" i="0" u="none" strike="noStrike" kern="1200" cap="none" spc="0" normalizeH="0" baseline="0" noProof="0" dirty="0" smtClean="0">
+              <a:rPr lang="en-US" sz="2400" dirty="0" smtClean="0">
+                <a:solidFill>
+                  <a:schemeClr val="tx2"/>
+                </a:solidFill>
+                <a:latin typeface="Arial" pitchFamily="34" charset="0"/>
+                <a:ea typeface="+mj-ea"/>
+                <a:cs typeface="+mj-cs"/>
+              </a:rPr>
+              <a:t> </a:t>
+            </a:r>
+            <a:r>
+              <a:rPr lang="en-US" sz="2400" dirty="0" smtClean="0">
+                <a:solidFill>
+                  <a:schemeClr val="tx2"/>
+                </a:solidFill>
+                <a:latin typeface="Arial" pitchFamily="34" charset="0"/>
+                <a:ea typeface="+mj-ea"/>
+                <a:cs typeface="+mj-cs"/>
+              </a:rPr>
+              <a:t>solve TODO’s in the project (action items search for TODO)</a:t>
+            </a:r>
+          </a:p>
+          <a:p>
+            <a:pPr lvl="1">
+              <a:spcBef>
+                <a:spcPct val="0"/>
+              </a:spcBef>
+              <a:buFont typeface="Arial" pitchFamily="34" charset="0"/>
+              <a:buChar char="•"/>
+              <a:defRPr/>
+            </a:pPr>
+            <a:r>
+              <a:rPr kumimoji="0" lang="en-US" sz="2400" b="0" i="0" u="none" strike="noStrike" kern="1200" cap="none" spc="0" normalizeH="0" baseline="0" noProof="0" dirty="0" smtClean="0">
                 <a:ln>
                   <a:noFill/>
                 </a:ln>
@@ -49869,9 +49944,43 @@
                 <a:ea typeface="+mj-ea"/>
                 <a:cs typeface="+mj-cs"/>
               </a:rPr>
-              <a:t> 2048 game</a:t>
+              <a:t> </a:t>
             </a:r>
-            <a:endParaRPr kumimoji="0" lang="nl-NL" sz="3000" b="0" i="0" u="none" strike="noStrike" kern="1200" cap="none" spc="0" normalizeH="0" baseline="0" noProof="0" dirty="0">
+            <a:r>
+              <a:rPr kumimoji="0" lang="en-US" sz="2400" b="0" i="0" u="none" strike="noStrike" kern="1200" cap="none" spc="0" normalizeH="0" baseline="0" noProof="0" dirty="0" smtClean="0">
+                <a:ln>
+                  <a:noFill/>
+                </a:ln>
+                <a:solidFill>
+                  <a:schemeClr val="tx2"/>
+                </a:solidFill>
+                <a:effectLst/>
+                <a:uLnTx/>
+                <a:uFillTx/>
+                <a:latin typeface="Arial" pitchFamily="34" charset="0"/>
+                <a:ea typeface="+mj-ea"/>
+                <a:cs typeface="+mj-cs"/>
+              </a:rPr>
+              <a:t>cheat: diff to develop </a:t>
+            </a:r>
+            <a:r>
+              <a:rPr kumimoji="0" lang="en-US" sz="2400" b="0" i="0" u="none" strike="noStrike" kern="1200" cap="none" spc="0" normalizeH="0" baseline="0" noProof="0" smtClean="0">
+                <a:ln>
+                  <a:noFill/>
+                </a:ln>
+                <a:solidFill>
+                  <a:schemeClr val="tx2"/>
+                </a:solidFill>
+                <a:effectLst/>
+                <a:uLnTx/>
+                <a:uFillTx/>
+                <a:latin typeface="Arial" pitchFamily="34" charset="0"/>
+                <a:ea typeface="+mj-ea"/>
+                <a:cs typeface="+mj-cs"/>
+              </a:rPr>
+              <a:t>branche</a:t>
+            </a:r>
+            <a:endParaRPr kumimoji="0" lang="nl-NL" sz="2400" b="0" i="0" u="none" strike="noStrike" kern="1200" cap="none" spc="0" normalizeH="0" baseline="0" noProof="0" dirty="0">
               <a:ln>
                 <a:noFill/>
               </a:ln>
@@ -49891,7 +50000,7 @@
     </p:spTree>
     <p:extLst>
       <p:ext uri="{BB962C8B-B14F-4D97-AF65-F5344CB8AC3E}">
-        <p14:creationId xmlns="" xmlns:p14="http://schemas.microsoft.com/office/powerpoint/2010/main" val="1419182396"/>
+        <p14:creationId xmlns:p14="http://schemas.microsoft.com/office/powerpoint/2010/main" xmlns="" val="1419182396"/>
       </p:ext>
     </p:extLst>
   </p:cSld>
@@ -50839,12 +50948,9 @@
 </file>
 
 <file path=customXml/item1.xml><?xml version="1.0" encoding="utf-8"?>
-<?mso-contentType ?>
-<FormTemplates xmlns="http://schemas.microsoft.com/sharepoint/v3/contenttype/forms">
-  <Display>DocumentLibraryForm</Display>
-  <Edit>DocumentLibraryForm</Edit>
-  <New>DocumentLibraryForm</New>
-</FormTemplates>
+<p:properties xmlns:p="http://schemas.microsoft.com/office/2006/metadata/properties" xmlns:xsi="http://www.w3.org/2001/XMLSchema-instance" xmlns:pc="http://schemas.microsoft.com/office/infopath/2007/PartnerControls">
+  <documentManagement/>
+</p:properties>
 </file>
 
 <file path=customXml/item2.xml><?xml version="1.0" encoding="utf-8"?>
@@ -50897,15 +51003,25 @@
 </file>
 
 <file path=customXml/item3.xml><?xml version="1.0" encoding="utf-8"?>
-<p:properties xmlns:p="http://schemas.microsoft.com/office/2006/metadata/properties" xmlns:xsi="http://www.w3.org/2001/XMLSchema-instance" xmlns:pc="http://schemas.microsoft.com/office/infopath/2007/PartnerControls">
-  <documentManagement/>
-</p:properties>
+<?mso-contentType ?>
+<FormTemplates xmlns="http://schemas.microsoft.com/sharepoint/v3/contenttype/forms">
+  <Display>DocumentLibraryForm</Display>
+  <Edit>DocumentLibraryForm</Edit>
+  <New>DocumentLibraryForm</New>
+</FormTemplates>
 </file>
 
 <file path=customXml/itemProps1.xml><?xml version="1.0" encoding="utf-8"?>
-<ds:datastoreItem xmlns:ds="http://schemas.openxmlformats.org/officeDocument/2006/customXml" ds:itemID="{ADA5D674-9920-4D2F-B065-BC24FD29F86D}">
+<ds:datastoreItem xmlns:ds="http://schemas.openxmlformats.org/officeDocument/2006/customXml" ds:itemID="{F346CD18-12AD-4AEC-8965-62D46F5CB212}">
   <ds:schemaRefs>
-    <ds:schemaRef ds:uri="http://schemas.microsoft.com/sharepoint/v3/contenttype/forms"/>
+    <ds:schemaRef ds:uri="http://purl.org/dc/terms/"/>
+    <ds:schemaRef ds:uri="http://schemas.microsoft.com/office/2006/documentManagement/types"/>
+    <ds:schemaRef ds:uri="http://purl.org/dc/elements/1.1/"/>
+    <ds:schemaRef ds:uri="http://purl.org/dc/dcmitype/"/>
+    <ds:schemaRef ds:uri="http://www.w3.org/XML/1998/namespace"/>
+    <ds:schemaRef ds:uri="http://schemas.openxmlformats.org/package/2006/metadata/core-properties"/>
+    <ds:schemaRef ds:uri="http://schemas.microsoft.com/office/2006/metadata/properties"/>
+    <ds:schemaRef ds:uri="http://schemas.microsoft.com/office/infopath/2007/PartnerControls"/>
   </ds:schemaRefs>
 </ds:datastoreItem>
 </file>
@@ -50926,16 +51042,9 @@
 </file>
 
 <file path=customXml/itemProps3.xml><?xml version="1.0" encoding="utf-8"?>
-<ds:datastoreItem xmlns:ds="http://schemas.openxmlformats.org/officeDocument/2006/customXml" ds:itemID="{F346CD18-12AD-4AEC-8965-62D46F5CB212}">
+<ds:datastoreItem xmlns:ds="http://schemas.openxmlformats.org/officeDocument/2006/customXml" ds:itemID="{ADA5D674-9920-4D2F-B065-BC24FD29F86D}">
   <ds:schemaRefs>
-    <ds:schemaRef ds:uri="http://purl.org/dc/terms/"/>
-    <ds:schemaRef ds:uri="http://schemas.microsoft.com/office/2006/documentManagement/types"/>
-    <ds:schemaRef ds:uri="http://purl.org/dc/elements/1.1/"/>
-    <ds:schemaRef ds:uri="http://purl.org/dc/dcmitype/"/>
-    <ds:schemaRef ds:uri="http://www.w3.org/XML/1998/namespace"/>
-    <ds:schemaRef ds:uri="http://schemas.openxmlformats.org/package/2006/metadata/core-properties"/>
-    <ds:schemaRef ds:uri="http://schemas.microsoft.com/office/2006/metadata/properties"/>
-    <ds:schemaRef ds:uri="http://schemas.microsoft.com/office/infopath/2007/PartnerControls"/>
+    <ds:schemaRef ds:uri="http://schemas.microsoft.com/sharepoint/v3/contenttype/forms"/>
   </ds:schemaRefs>
 </ds:datastoreItem>
 </file>
--- a/JavaFX meetup juli 2016.pptx
+++ b/JavaFX meetup juli 2016.pptx
@@ -121,7 +121,7 @@
   </p:defaultTextStyle>
   <p:extLst>
     <p:ext uri="{EFAFB233-063F-42B5-8137-9DF3F51BA10A}">
-      <p15:sldGuideLst xmlns:p15="http://schemas.microsoft.com/office/powerpoint/2012/main" xmlns="">
+      <p15:sldGuideLst xmlns="" xmlns:p15="http://schemas.microsoft.com/office/powerpoint/2012/main">
         <p15:guide id="1" orient="horz" pos="835">
           <p15:clr>
             <a:srgbClr val="A4A3A4"/>
@@ -185,7 +185,7 @@
       </p15:sldGuideLst>
     </p:ext>
     <p:ext uri="{2D200454-40CA-4A62-9FC3-DE9A4176ACB9}">
-      <p15:notesGuideLst xmlns:p15="http://schemas.microsoft.com/office/powerpoint/2012/main" xmlns="">
+      <p15:notesGuideLst xmlns="" xmlns:p15="http://schemas.microsoft.com/office/powerpoint/2012/main">
         <p15:guide id="1" orient="horz" pos="2880">
           <p15:clr>
             <a:srgbClr val="A4A3A4"/>
@@ -298,7 +298,7 @@
                 <a:latin typeface="Arial" pitchFamily="34" charset="0"/>
               </a:rPr>
               <a:pPr/>
-              <a:t>7/18/2016</a:t>
+              <a:t>7/19/2016</a:t>
             </a:fld>
             <a:endParaRPr lang="en-US" dirty="0">
               <a:latin typeface="Arial" pitchFamily="34" charset="0"/>
@@ -382,7 +382,7 @@
     </p:spTree>
     <p:extLst>
       <p:ext uri="{BB962C8B-B14F-4D97-AF65-F5344CB8AC3E}">
-        <p14:creationId xmlns:p14="http://schemas.microsoft.com/office/powerpoint/2010/main" xmlns="" val="3809342365"/>
+        <p14:creationId xmlns="" xmlns:p14="http://schemas.microsoft.com/office/powerpoint/2010/main" val="3809342365"/>
       </p:ext>
     </p:extLst>
   </p:cSld>
@@ -477,7 +477,7 @@
             <a:fld id="{B5D7A87D-1CDA-443F-BAE3-82C9C05446C3}" type="datetimeFigureOut">
               <a:rPr lang="en-US" smtClean="0"/>
               <a:pPr/>
-              <a:t>7/18/2016</a:t>
+              <a:t>7/19/2016</a:t>
             </a:fld>
             <a:endParaRPr lang="en-US" dirty="0"/>
           </a:p>
@@ -652,7 +652,7 @@
     </p:spTree>
     <p:extLst>
       <p:ext uri="{BB962C8B-B14F-4D97-AF65-F5344CB8AC3E}">
-        <p14:creationId xmlns:p14="http://schemas.microsoft.com/office/powerpoint/2010/main" xmlns="" val="3116277547"/>
+        <p14:creationId xmlns="" xmlns:p14="http://schemas.microsoft.com/office/powerpoint/2010/main" val="3116277547"/>
       </p:ext>
     </p:extLst>
   </p:cSld>
@@ -829,7 +829,7 @@
     </p:spTree>
     <p:extLst>
       <p:ext uri="{BB962C8B-B14F-4D97-AF65-F5344CB8AC3E}">
-        <p14:creationId xmlns:p14="http://schemas.microsoft.com/office/powerpoint/2010/main" xmlns="" val="3950182644"/>
+        <p14:creationId xmlns="" xmlns:p14="http://schemas.microsoft.com/office/powerpoint/2010/main" val="3950182644"/>
       </p:ext>
     </p:extLst>
   </p:cSld>
@@ -869,7 +869,7 @@
             <a:grayscl/>
             <a:extLst>
               <a:ext uri="{28A0092B-C50C-407E-A947-70E740481C1C}">
-                <a14:useLocalDpi xmlns:a14="http://schemas.microsoft.com/office/drawing/2010/main" xmlns="" val="0"/>
+                <a14:useLocalDpi xmlns="" xmlns:a14="http://schemas.microsoft.com/office/drawing/2010/main" val="0"/>
               </a:ext>
             </a:extLst>
           </a:blip>
@@ -890,7 +890,7 @@
           </a:ln>
           <a:extLst>
             <a:ext uri="{909E8E84-426E-40DD-AFC4-6F175D3DCCD1}">
-              <a14:hiddenFill xmlns:a14="http://schemas.microsoft.com/office/drawing/2010/main" xmlns="">
+              <a14:hiddenFill xmlns="" xmlns:a14="http://schemas.microsoft.com/office/drawing/2010/main">
                 <a:solidFill>
                   <a:srgbClr val="FFFFFF"/>
                 </a:solidFill>
@@ -37673,7 +37673,7 @@
             <a:grayscl/>
             <a:extLst>
               <a:ext uri="{28A0092B-C50C-407E-A947-70E740481C1C}">
-                <a14:useLocalDpi xmlns:a14="http://schemas.microsoft.com/office/drawing/2010/main" xmlns="" val="0"/>
+                <a14:useLocalDpi xmlns="" xmlns:a14="http://schemas.microsoft.com/office/drawing/2010/main" val="0"/>
               </a:ext>
             </a:extLst>
           </a:blip>
@@ -37694,7 +37694,7 @@
           </a:ln>
           <a:extLst>
             <a:ext uri="{909E8E84-426E-40DD-AFC4-6F175D3DCCD1}">
-              <a14:hiddenFill xmlns:a14="http://schemas.microsoft.com/office/drawing/2010/main" xmlns="">
+              <a14:hiddenFill xmlns="" xmlns:a14="http://schemas.microsoft.com/office/drawing/2010/main">
                 <a:solidFill>
                   <a:srgbClr val="FFFFFF"/>
                 </a:solidFill>
@@ -45006,7 +45006,7 @@
     </p:spTree>
     <p:extLst>
       <p:ext uri="{BB962C8B-B14F-4D97-AF65-F5344CB8AC3E}">
-        <p14:creationId xmlns:p14="http://schemas.microsoft.com/office/powerpoint/2010/main" xmlns="" val="3697878167"/>
+        <p14:creationId xmlns="" xmlns:p14="http://schemas.microsoft.com/office/powerpoint/2010/main" val="3697878167"/>
       </p:ext>
     </p:extLst>
   </p:cSld>
@@ -45820,7 +45820,7 @@
     </p:spTree>
     <p:extLst>
       <p:ext uri="{BB962C8B-B14F-4D97-AF65-F5344CB8AC3E}">
-        <p14:creationId xmlns:p14="http://schemas.microsoft.com/office/powerpoint/2010/main" xmlns="" val="4261803648"/>
+        <p14:creationId xmlns="" xmlns:p14="http://schemas.microsoft.com/office/powerpoint/2010/main" val="4261803648"/>
       </p:ext>
     </p:extLst>
   </p:cSld>
@@ -45838,7 +45838,7 @@
 </file>
 
 <file path=ppt/slides/slide3.xml><?xml version="1.0" encoding="utf-8"?>
-<p:sld xmlns:a="http://schemas.openxmlformats.org/drawingml/2006/main" xmlns:r="http://schemas.openxmlformats.org/officeDocument/2006/relationships" xmlns:p="http://schemas.openxmlformats.org/presentationml/2006/main" show="0">
+<p:sld xmlns:a="http://schemas.openxmlformats.org/drawingml/2006/main" xmlns:r="http://schemas.openxmlformats.org/officeDocument/2006/relationships" xmlns:p="http://schemas.openxmlformats.org/presentationml/2006/main">
   <p:cSld>
     <p:spTree>
       <p:nvGrpSpPr>
@@ -46394,21 +46394,14 @@
     </p:spTree>
     <p:extLst>
       <p:ext uri="{BB962C8B-B14F-4D97-AF65-F5344CB8AC3E}">
-        <p14:creationId xmlns:p14="http://schemas.microsoft.com/office/powerpoint/2010/main" xmlns="" val="1362647605"/>
+        <p14:creationId xmlns="" xmlns:p14="http://schemas.microsoft.com/office/powerpoint/2010/main" val="1362647605"/>
       </p:ext>
     </p:extLst>
   </p:cSld>
   <p:clrMapOvr>
     <a:masterClrMapping/>
   </p:clrMapOvr>
-  <mc:AlternateContent xmlns:mc="http://schemas.openxmlformats.org/markup-compatibility/2006">
-    <mc:Choice xmlns:p14="http://schemas.microsoft.com/office/powerpoint/2010/main" xmlns="" Requires="p14">
-      <p:transition spd="slow" p14:dur="2000"/>
-    </mc:Choice>
-    <mc:Fallback>
-      <p:transition spd="slow"/>
-    </mc:Fallback>
-  </mc:AlternateContent>
+  <p:transition spd="slow"/>
   <p:timing>
     <p:tnLst>
       <p:par>
@@ -46420,7 +46413,7 @@
 </file>
 
 <file path=ppt/slides/slide4.xml><?xml version="1.0" encoding="utf-8"?>
-<p:sld xmlns:a="http://schemas.openxmlformats.org/drawingml/2006/main" xmlns:r="http://schemas.openxmlformats.org/officeDocument/2006/relationships" xmlns:p="http://schemas.openxmlformats.org/presentationml/2006/main" show="0">
+<p:sld xmlns:a="http://schemas.openxmlformats.org/drawingml/2006/main" xmlns:r="http://schemas.openxmlformats.org/officeDocument/2006/relationships" xmlns:p="http://schemas.openxmlformats.org/presentationml/2006/main">
   <p:cSld>
     <p:spTree>
       <p:nvGrpSpPr>
@@ -47952,21 +47945,14 @@
     </p:spTree>
     <p:extLst>
       <p:ext uri="{BB962C8B-B14F-4D97-AF65-F5344CB8AC3E}">
-        <p14:creationId xmlns:p14="http://schemas.microsoft.com/office/powerpoint/2010/main" xmlns="" val="1362647605"/>
+        <p14:creationId xmlns="" xmlns:p14="http://schemas.microsoft.com/office/powerpoint/2010/main" val="1362647605"/>
       </p:ext>
     </p:extLst>
   </p:cSld>
   <p:clrMapOvr>
     <a:masterClrMapping/>
   </p:clrMapOvr>
-  <mc:AlternateContent xmlns:mc="http://schemas.openxmlformats.org/markup-compatibility/2006">
-    <mc:Choice xmlns:p14="http://schemas.microsoft.com/office/powerpoint/2010/main" xmlns="" Requires="p14">
-      <p:transition spd="slow" p14:dur="2000"/>
-    </mc:Choice>
-    <mc:Fallback>
-      <p:transition spd="slow"/>
-    </mc:Fallback>
-  </mc:AlternateContent>
+  <p:transition spd="slow"/>
   <p:timing>
     <p:tnLst>
       <p:par>
@@ -47978,7 +47964,7 @@
 </file>
 
 <file path=ppt/slides/slide5.xml><?xml version="1.0" encoding="utf-8"?>
-<p:sld xmlns:a="http://schemas.openxmlformats.org/drawingml/2006/main" xmlns:r="http://schemas.openxmlformats.org/officeDocument/2006/relationships" xmlns:p="http://schemas.openxmlformats.org/presentationml/2006/main" show="0">
+<p:sld xmlns:a="http://schemas.openxmlformats.org/drawingml/2006/main" xmlns:r="http://schemas.openxmlformats.org/officeDocument/2006/relationships" xmlns:p="http://schemas.openxmlformats.org/presentationml/2006/main">
   <p:cSld>
     <p:spTree>
       <p:nvGrpSpPr>
@@ -48473,21 +48459,14 @@
     </p:spTree>
     <p:extLst>
       <p:ext uri="{BB962C8B-B14F-4D97-AF65-F5344CB8AC3E}">
-        <p14:creationId xmlns:p14="http://schemas.microsoft.com/office/powerpoint/2010/main" xmlns="" val="1362647605"/>
+        <p14:creationId xmlns="" xmlns:p14="http://schemas.microsoft.com/office/powerpoint/2010/main" val="1362647605"/>
       </p:ext>
     </p:extLst>
   </p:cSld>
   <p:clrMapOvr>
     <a:masterClrMapping/>
   </p:clrMapOvr>
-  <mc:AlternateContent xmlns:mc="http://schemas.openxmlformats.org/markup-compatibility/2006">
-    <mc:Choice xmlns:p14="http://schemas.microsoft.com/office/powerpoint/2010/main" xmlns="" Requires="p14">
-      <p:transition spd="slow" p14:dur="2000"/>
-    </mc:Choice>
-    <mc:Fallback>
-      <p:transition spd="slow"/>
-    </mc:Fallback>
-  </mc:AlternateContent>
+  <p:transition spd="slow"/>
   <p:timing>
     <p:tnLst>
       <p:par>
@@ -48499,7 +48478,7 @@
 </file>
 
 <file path=ppt/slides/slide6.xml><?xml version="1.0" encoding="utf-8"?>
-<p:sld xmlns:a="http://schemas.openxmlformats.org/drawingml/2006/main" xmlns:r="http://schemas.openxmlformats.org/officeDocument/2006/relationships" xmlns:p="http://schemas.openxmlformats.org/presentationml/2006/main" show="0">
+<p:sld xmlns:a="http://schemas.openxmlformats.org/drawingml/2006/main" xmlns:r="http://schemas.openxmlformats.org/officeDocument/2006/relationships" xmlns:p="http://schemas.openxmlformats.org/presentationml/2006/main">
   <p:cSld>
     <p:spTree>
       <p:nvGrpSpPr>
@@ -48760,21 +48739,14 @@
     </p:spTree>
     <p:extLst>
       <p:ext uri="{BB962C8B-B14F-4D97-AF65-F5344CB8AC3E}">
-        <p14:creationId xmlns:p14="http://schemas.microsoft.com/office/powerpoint/2010/main" xmlns="" val="1362647605"/>
+        <p14:creationId xmlns="" xmlns:p14="http://schemas.microsoft.com/office/powerpoint/2010/main" val="1362647605"/>
       </p:ext>
     </p:extLst>
   </p:cSld>
   <p:clrMapOvr>
     <a:masterClrMapping/>
   </p:clrMapOvr>
-  <mc:AlternateContent xmlns:mc="http://schemas.openxmlformats.org/markup-compatibility/2006">
-    <mc:Choice xmlns:p14="http://schemas.microsoft.com/office/powerpoint/2010/main" xmlns="" Requires="p14">
-      <p:transition spd="slow" p14:dur="2000"/>
-    </mc:Choice>
-    <mc:Fallback>
-      <p:transition spd="slow"/>
-    </mc:Fallback>
-  </mc:AlternateContent>
+  <p:transition spd="slow"/>
   <p:timing>
     <p:tnLst>
       <p:par>
@@ -48786,7 +48758,7 @@
 </file>
 
 <file path=ppt/slides/slide7.xml><?xml version="1.0" encoding="utf-8"?>
-<p:sld xmlns:a="http://schemas.openxmlformats.org/drawingml/2006/main" xmlns:r="http://schemas.openxmlformats.org/officeDocument/2006/relationships" xmlns:p="http://schemas.openxmlformats.org/presentationml/2006/main" show="0">
+<p:sld xmlns:a="http://schemas.openxmlformats.org/drawingml/2006/main" xmlns:r="http://schemas.openxmlformats.org/officeDocument/2006/relationships" xmlns:p="http://schemas.openxmlformats.org/presentationml/2006/main">
   <p:cSld>
     <p:spTree>
       <p:nvGrpSpPr>
@@ -49031,21 +49003,14 @@
     </p:spTree>
     <p:extLst>
       <p:ext uri="{BB962C8B-B14F-4D97-AF65-F5344CB8AC3E}">
-        <p14:creationId xmlns:p14="http://schemas.microsoft.com/office/powerpoint/2010/main" xmlns="" val="1362647605"/>
+        <p14:creationId xmlns="" xmlns:p14="http://schemas.microsoft.com/office/powerpoint/2010/main" val="1362647605"/>
       </p:ext>
     </p:extLst>
   </p:cSld>
   <p:clrMapOvr>
     <a:masterClrMapping/>
   </p:clrMapOvr>
-  <mc:AlternateContent xmlns:mc="http://schemas.openxmlformats.org/markup-compatibility/2006">
-    <mc:Choice xmlns:p14="http://schemas.microsoft.com/office/powerpoint/2010/main" xmlns="" Requires="p14">
-      <p:transition spd="slow" p14:dur="2000"/>
-    </mc:Choice>
-    <mc:Fallback>
-      <p:transition spd="slow"/>
-    </mc:Fallback>
-  </mc:AlternateContent>
+  <p:transition spd="slow"/>
   <p:timing>
     <p:tnLst>
       <p:par>
@@ -49057,7 +49022,7 @@
 </file>
 
 <file path=ppt/slides/slide8.xml><?xml version="1.0" encoding="utf-8"?>
-<p:sld xmlns:a="http://schemas.openxmlformats.org/drawingml/2006/main" xmlns:r="http://schemas.openxmlformats.org/officeDocument/2006/relationships" xmlns:p="http://schemas.openxmlformats.org/presentationml/2006/main" show="0">
+<p:sld xmlns:a="http://schemas.openxmlformats.org/drawingml/2006/main" xmlns:r="http://schemas.openxmlformats.org/officeDocument/2006/relationships" xmlns:p="http://schemas.openxmlformats.org/presentationml/2006/main">
   <p:cSld>
     <p:spTree>
       <p:nvGrpSpPr>
@@ -49315,21 +49280,14 @@
     </p:spTree>
     <p:extLst>
       <p:ext uri="{BB962C8B-B14F-4D97-AF65-F5344CB8AC3E}">
-        <p14:creationId xmlns:p14="http://schemas.microsoft.com/office/powerpoint/2010/main" xmlns="" val="1362647605"/>
+        <p14:creationId xmlns="" xmlns:p14="http://schemas.microsoft.com/office/powerpoint/2010/main" val="1362647605"/>
       </p:ext>
     </p:extLst>
   </p:cSld>
   <p:clrMapOvr>
     <a:masterClrMapping/>
   </p:clrMapOvr>
-  <mc:AlternateContent xmlns:mc="http://schemas.openxmlformats.org/markup-compatibility/2006">
-    <mc:Choice xmlns:p14="http://schemas.microsoft.com/office/powerpoint/2010/main" xmlns="" Requires="p14">
-      <p:transition spd="slow" p14:dur="2000"/>
-    </mc:Choice>
-    <mc:Fallback>
-      <p:transition spd="slow"/>
-    </mc:Fallback>
-  </mc:AlternateContent>
+  <p:transition spd="slow"/>
   <p:timing>
     <p:tnLst>
       <p:par>
@@ -49767,18 +49725,7 @@
                 <a:ea typeface="+mj-ea"/>
                 <a:cs typeface="+mj-cs"/>
               </a:rPr>
-              <a:t> </a:t>
-            </a:r>
-            <a:r>
-              <a:rPr lang="en-US" sz="2000" dirty="0" smtClean="0">
-                <a:solidFill>
-                  <a:schemeClr val="tx2"/>
-                </a:solidFill>
-                <a:latin typeface="Arial" pitchFamily="34" charset="0"/>
-                <a:ea typeface="+mj-ea"/>
-                <a:cs typeface="+mj-cs"/>
-              </a:rPr>
-              <a:t>clone –b workshop </a:t>
+              <a:t> clone –b workshop </a:t>
             </a:r>
             <a:r>
               <a:rPr lang="en-US" sz="2000" dirty="0" smtClean="0">
@@ -49790,19 +49737,7 @@
                 <a:cs typeface="+mj-cs"/>
                 <a:hlinkClick r:id="rId2"/>
               </a:rPr>
-              <a:t>https://</a:t>
-            </a:r>
-            <a:r>
-              <a:rPr lang="en-US" sz="2000" dirty="0" smtClean="0">
-                <a:solidFill>
-                  <a:schemeClr val="tx2"/>
-                </a:solidFill>
-                <a:latin typeface="Arial" pitchFamily="34" charset="0"/>
-                <a:ea typeface="+mj-ea"/>
-                <a:cs typeface="+mj-cs"/>
-                <a:hlinkClick r:id="rId2"/>
-              </a:rPr>
-              <a:t>github.com/eduarddrenth/iText-GUI.git</a:t>
+              <a:t>https://github.com/eduarddrenth/iText-GUI.git</a:t>
             </a:r>
             <a:endParaRPr lang="en-US" sz="2000" dirty="0" smtClean="0">
               <a:solidFill>
@@ -49837,24 +49772,7 @@
                 <a:ea typeface="+mj-ea"/>
                 <a:cs typeface="+mj-cs"/>
               </a:rPr>
-              <a:t> </a:t>
-            </a:r>
-            <a:r>
-              <a:rPr kumimoji="0" lang="en-US" sz="2400" b="0" i="0" u="none" strike="noStrike" kern="1200" cap="none" spc="0" normalizeH="0" baseline="0" noProof="0" dirty="0" smtClean="0">
-                <a:ln>
-                  <a:noFill/>
-                </a:ln>
-                <a:solidFill>
-                  <a:schemeClr val="tx2"/>
-                </a:solidFill>
-                <a:effectLst/>
-                <a:uLnTx/>
-                <a:uFillTx/>
-                <a:latin typeface="Arial" pitchFamily="34" charset="0"/>
-                <a:ea typeface="+mj-ea"/>
-                <a:cs typeface="+mj-cs"/>
-              </a:rPr>
-              <a:t>open project in </a:t>
+              <a:t> open project in </a:t>
             </a:r>
             <a:r>
               <a:rPr kumimoji="0" lang="en-US" sz="2400" b="0" i="0" u="none" strike="noStrike" kern="1200" cap="none" spc="0" normalizeH="0" baseline="0" noProof="0" dirty="0" err="1" smtClean="0">
@@ -49906,18 +49824,7 @@
                 <a:ea typeface="+mj-ea"/>
                 <a:cs typeface="+mj-cs"/>
               </a:rPr>
-              <a:t> </a:t>
-            </a:r>
-            <a:r>
-              <a:rPr lang="en-US" sz="2400" dirty="0" smtClean="0">
-                <a:solidFill>
-                  <a:schemeClr val="tx2"/>
-                </a:solidFill>
-                <a:latin typeface="Arial" pitchFamily="34" charset="0"/>
-                <a:ea typeface="+mj-ea"/>
-                <a:cs typeface="+mj-cs"/>
-              </a:rPr>
-              <a:t>solve TODO’s in the project (action items search for TODO)</a:t>
+              <a:t> solve TODO’s in the project (action items search for TODO)</a:t>
             </a:r>
           </a:p>
           <a:p>
@@ -49944,24 +49851,7 @@
                 <a:ea typeface="+mj-ea"/>
                 <a:cs typeface="+mj-cs"/>
               </a:rPr>
-              <a:t> </a:t>
-            </a:r>
-            <a:r>
-              <a:rPr kumimoji="0" lang="en-US" sz="2400" b="0" i="0" u="none" strike="noStrike" kern="1200" cap="none" spc="0" normalizeH="0" baseline="0" noProof="0" dirty="0" smtClean="0">
-                <a:ln>
-                  <a:noFill/>
-                </a:ln>
-                <a:solidFill>
-                  <a:schemeClr val="tx2"/>
-                </a:solidFill>
-                <a:effectLst/>
-                <a:uLnTx/>
-                <a:uFillTx/>
-                <a:latin typeface="Arial" pitchFamily="34" charset="0"/>
-                <a:ea typeface="+mj-ea"/>
-                <a:cs typeface="+mj-cs"/>
-              </a:rPr>
-              <a:t>cheat: diff to develop </a:t>
+              <a:t> cheat: diff to develop </a:t>
             </a:r>
             <a:r>
               <a:rPr kumimoji="0" lang="en-US" sz="2400" b="0" i="0" u="none" strike="noStrike" kern="1200" cap="none" spc="0" normalizeH="0" baseline="0" noProof="0" smtClean="0">
@@ -50000,7 +49890,7 @@
     </p:spTree>
     <p:extLst>
       <p:ext uri="{BB962C8B-B14F-4D97-AF65-F5344CB8AC3E}">
-        <p14:creationId xmlns:p14="http://schemas.microsoft.com/office/powerpoint/2010/main" xmlns="" val="1419182396"/>
+        <p14:creationId xmlns="" xmlns:p14="http://schemas.microsoft.com/office/powerpoint/2010/main" val="1419182396"/>
       </p:ext>
     </p:extLst>
   </p:cSld>
@@ -50948,9 +50838,12 @@
 </file>
 
 <file path=customXml/item1.xml><?xml version="1.0" encoding="utf-8"?>
-<p:properties xmlns:p="http://schemas.microsoft.com/office/2006/metadata/properties" xmlns:xsi="http://www.w3.org/2001/XMLSchema-instance" xmlns:pc="http://schemas.microsoft.com/office/infopath/2007/PartnerControls">
-  <documentManagement/>
-</p:properties>
+<?mso-contentType ?>
+<FormTemplates xmlns="http://schemas.microsoft.com/sharepoint/v3/contenttype/forms">
+  <Display>DocumentLibraryForm</Display>
+  <Edit>DocumentLibraryForm</Edit>
+  <New>DocumentLibraryForm</New>
+</FormTemplates>
 </file>
 
 <file path=customXml/item2.xml><?xml version="1.0" encoding="utf-8"?>
@@ -51003,25 +50896,15 @@
 </file>
 
 <file path=customXml/item3.xml><?xml version="1.0" encoding="utf-8"?>
-<?mso-contentType ?>
-<FormTemplates xmlns="http://schemas.microsoft.com/sharepoint/v3/contenttype/forms">
-  <Display>DocumentLibraryForm</Display>
-  <Edit>DocumentLibraryForm</Edit>
-  <New>DocumentLibraryForm</New>
-</FormTemplates>
+<p:properties xmlns:p="http://schemas.microsoft.com/office/2006/metadata/properties" xmlns:xsi="http://www.w3.org/2001/XMLSchema-instance" xmlns:pc="http://schemas.microsoft.com/office/infopath/2007/PartnerControls">
+  <documentManagement/>
+</p:properties>
 </file>
 
 <file path=customXml/itemProps1.xml><?xml version="1.0" encoding="utf-8"?>
-<ds:datastoreItem xmlns:ds="http://schemas.openxmlformats.org/officeDocument/2006/customXml" ds:itemID="{F346CD18-12AD-4AEC-8965-62D46F5CB212}">
+<ds:datastoreItem xmlns:ds="http://schemas.openxmlformats.org/officeDocument/2006/customXml" ds:itemID="{ADA5D674-9920-4D2F-B065-BC24FD29F86D}">
   <ds:schemaRefs>
-    <ds:schemaRef ds:uri="http://purl.org/dc/terms/"/>
-    <ds:schemaRef ds:uri="http://schemas.microsoft.com/office/2006/documentManagement/types"/>
-    <ds:schemaRef ds:uri="http://purl.org/dc/elements/1.1/"/>
-    <ds:schemaRef ds:uri="http://purl.org/dc/dcmitype/"/>
-    <ds:schemaRef ds:uri="http://www.w3.org/XML/1998/namespace"/>
-    <ds:schemaRef ds:uri="http://schemas.openxmlformats.org/package/2006/metadata/core-properties"/>
-    <ds:schemaRef ds:uri="http://schemas.microsoft.com/office/2006/metadata/properties"/>
-    <ds:schemaRef ds:uri="http://schemas.microsoft.com/office/infopath/2007/PartnerControls"/>
+    <ds:schemaRef ds:uri="http://schemas.microsoft.com/sharepoint/v3/contenttype/forms"/>
   </ds:schemaRefs>
 </ds:datastoreItem>
 </file>
@@ -51042,9 +50925,16 @@
 </file>
 
 <file path=customXml/itemProps3.xml><?xml version="1.0" encoding="utf-8"?>
-<ds:datastoreItem xmlns:ds="http://schemas.openxmlformats.org/officeDocument/2006/customXml" ds:itemID="{ADA5D674-9920-4D2F-B065-BC24FD29F86D}">
+<ds:datastoreItem xmlns:ds="http://schemas.openxmlformats.org/officeDocument/2006/customXml" ds:itemID="{F346CD18-12AD-4AEC-8965-62D46F5CB212}">
   <ds:schemaRefs>
-    <ds:schemaRef ds:uri="http://schemas.microsoft.com/sharepoint/v3/contenttype/forms"/>
+    <ds:schemaRef ds:uri="http://purl.org/dc/terms/"/>
+    <ds:schemaRef ds:uri="http://schemas.microsoft.com/office/2006/documentManagement/types"/>
+    <ds:schemaRef ds:uri="http://purl.org/dc/elements/1.1/"/>
+    <ds:schemaRef ds:uri="http://purl.org/dc/dcmitype/"/>
+    <ds:schemaRef ds:uri="http://www.w3.org/XML/1998/namespace"/>
+    <ds:schemaRef ds:uri="http://schemas.openxmlformats.org/package/2006/metadata/core-properties"/>
+    <ds:schemaRef ds:uri="http://schemas.microsoft.com/office/2006/metadata/properties"/>
+    <ds:schemaRef ds:uri="http://schemas.microsoft.com/office/infopath/2007/PartnerControls"/>
   </ds:schemaRefs>
 </ds:datastoreItem>
 </file>
--- a/JavaFX meetup juli 2016.pptx
+++ b/JavaFX meetup juli 2016.pptx
@@ -121,7 +121,7 @@
   </p:defaultTextStyle>
   <p:extLst>
     <p:ext uri="{EFAFB233-063F-42B5-8137-9DF3F51BA10A}">
-      <p15:sldGuideLst xmlns="" xmlns:p15="http://schemas.microsoft.com/office/powerpoint/2012/main">
+      <p15:sldGuideLst xmlns:p15="http://schemas.microsoft.com/office/powerpoint/2012/main" xmlns="">
         <p15:guide id="1" orient="horz" pos="835">
           <p15:clr>
             <a:srgbClr val="A4A3A4"/>
@@ -185,7 +185,7 @@
       </p15:sldGuideLst>
     </p:ext>
     <p:ext uri="{2D200454-40CA-4A62-9FC3-DE9A4176ACB9}">
-      <p15:notesGuideLst xmlns="" xmlns:p15="http://schemas.microsoft.com/office/powerpoint/2012/main">
+      <p15:notesGuideLst xmlns:p15="http://schemas.microsoft.com/office/powerpoint/2012/main" xmlns="">
         <p15:guide id="1" orient="horz" pos="2880">
           <p15:clr>
             <a:srgbClr val="A4A3A4"/>
@@ -298,7 +298,7 @@
                 <a:latin typeface="Arial" pitchFamily="34" charset="0"/>
               </a:rPr>
               <a:pPr/>
-              <a:t>7/19/2016</a:t>
+              <a:t>7/28/2016</a:t>
             </a:fld>
             <a:endParaRPr lang="en-US" dirty="0">
               <a:latin typeface="Arial" pitchFamily="34" charset="0"/>
@@ -382,7 +382,7 @@
     </p:spTree>
     <p:extLst>
       <p:ext uri="{BB962C8B-B14F-4D97-AF65-F5344CB8AC3E}">
-        <p14:creationId xmlns="" xmlns:p14="http://schemas.microsoft.com/office/powerpoint/2010/main" val="3809342365"/>
+        <p14:creationId xmlns:p14="http://schemas.microsoft.com/office/powerpoint/2010/main" xmlns="" val="3809342365"/>
       </p:ext>
     </p:extLst>
   </p:cSld>
@@ -477,7 +477,7 @@
             <a:fld id="{B5D7A87D-1CDA-443F-BAE3-82C9C05446C3}" type="datetimeFigureOut">
               <a:rPr lang="en-US" smtClean="0"/>
               <a:pPr/>
-              <a:t>7/19/2016</a:t>
+              <a:t>7/28/2016</a:t>
             </a:fld>
             <a:endParaRPr lang="en-US" dirty="0"/>
           </a:p>
@@ -652,7 +652,7 @@
     </p:spTree>
     <p:extLst>
       <p:ext uri="{BB962C8B-B14F-4D97-AF65-F5344CB8AC3E}">
-        <p14:creationId xmlns="" xmlns:p14="http://schemas.microsoft.com/office/powerpoint/2010/main" val="3116277547"/>
+        <p14:creationId xmlns:p14="http://schemas.microsoft.com/office/powerpoint/2010/main" xmlns="" val="3116277547"/>
       </p:ext>
     </p:extLst>
   </p:cSld>
@@ -829,7 +829,7 @@
     </p:spTree>
     <p:extLst>
       <p:ext uri="{BB962C8B-B14F-4D97-AF65-F5344CB8AC3E}">
-        <p14:creationId xmlns="" xmlns:p14="http://schemas.microsoft.com/office/powerpoint/2010/main" val="3950182644"/>
+        <p14:creationId xmlns:p14="http://schemas.microsoft.com/office/powerpoint/2010/main" xmlns="" val="3950182644"/>
       </p:ext>
     </p:extLst>
   </p:cSld>
@@ -869,7 +869,7 @@
             <a:grayscl/>
             <a:extLst>
               <a:ext uri="{28A0092B-C50C-407E-A947-70E740481C1C}">
-                <a14:useLocalDpi xmlns="" xmlns:a14="http://schemas.microsoft.com/office/drawing/2010/main" val="0"/>
+                <a14:useLocalDpi xmlns:a14="http://schemas.microsoft.com/office/drawing/2010/main" xmlns="" val="0"/>
               </a:ext>
             </a:extLst>
           </a:blip>
@@ -890,7 +890,7 @@
           </a:ln>
           <a:extLst>
             <a:ext uri="{909E8E84-426E-40DD-AFC4-6F175D3DCCD1}">
-              <a14:hiddenFill xmlns="" xmlns:a14="http://schemas.microsoft.com/office/drawing/2010/main">
+              <a14:hiddenFill xmlns:a14="http://schemas.microsoft.com/office/drawing/2010/main" xmlns="">
                 <a:solidFill>
                   <a:srgbClr val="FFFFFF"/>
                 </a:solidFill>
@@ -37673,7 +37673,7 @@
             <a:grayscl/>
             <a:extLst>
               <a:ext uri="{28A0092B-C50C-407E-A947-70E740481C1C}">
-                <a14:useLocalDpi xmlns="" xmlns:a14="http://schemas.microsoft.com/office/drawing/2010/main" val="0"/>
+                <a14:useLocalDpi xmlns:a14="http://schemas.microsoft.com/office/drawing/2010/main" xmlns="" val="0"/>
               </a:ext>
             </a:extLst>
           </a:blip>
@@ -37694,7 +37694,7 @@
           </a:ln>
           <a:extLst>
             <a:ext uri="{909E8E84-426E-40DD-AFC4-6F175D3DCCD1}">
-              <a14:hiddenFill xmlns="" xmlns:a14="http://schemas.microsoft.com/office/drawing/2010/main">
+              <a14:hiddenFill xmlns:a14="http://schemas.microsoft.com/office/drawing/2010/main" xmlns="">
                 <a:solidFill>
                   <a:srgbClr val="FFFFFF"/>
                 </a:solidFill>
@@ -45006,7 +45006,7 @@
     </p:spTree>
     <p:extLst>
       <p:ext uri="{BB962C8B-B14F-4D97-AF65-F5344CB8AC3E}">
-        <p14:creationId xmlns="" xmlns:p14="http://schemas.microsoft.com/office/powerpoint/2010/main" val="3697878167"/>
+        <p14:creationId xmlns:p14="http://schemas.microsoft.com/office/powerpoint/2010/main" xmlns="" val="3697878167"/>
       </p:ext>
     </p:extLst>
   </p:cSld>
@@ -45820,7 +45820,7 @@
     </p:spTree>
     <p:extLst>
       <p:ext uri="{BB962C8B-B14F-4D97-AF65-F5344CB8AC3E}">
-        <p14:creationId xmlns="" xmlns:p14="http://schemas.microsoft.com/office/powerpoint/2010/main" val="4261803648"/>
+        <p14:creationId xmlns:p14="http://schemas.microsoft.com/office/powerpoint/2010/main" xmlns="" val="4261803648"/>
       </p:ext>
     </p:extLst>
   </p:cSld>
@@ -45953,6 +45953,17 @@
               <a:t> </a:t>
             </a:r>
             <a:r>
+              <a:rPr lang="en-US" sz="3000" dirty="0" smtClean="0">
+                <a:solidFill>
+                  <a:schemeClr val="tx2"/>
+                </a:solidFill>
+                <a:latin typeface="Arial" pitchFamily="34" charset="0"/>
+                <a:ea typeface="+mj-ea"/>
+                <a:cs typeface="+mj-cs"/>
+              </a:rPr>
+              <a:t>declarative design: </a:t>
+            </a:r>
+            <a:r>
               <a:rPr lang="en-US" sz="3000" dirty="0" err="1" smtClean="0">
                 <a:solidFill>
                   <a:schemeClr val="tx2"/>
@@ -45972,7 +45983,18 @@
                 <a:ea typeface="+mj-ea"/>
                 <a:cs typeface="+mj-cs"/>
               </a:rPr>
-              <a:t> / </a:t>
+              <a:t> </a:t>
+            </a:r>
+            <a:r>
+              <a:rPr lang="en-US" sz="3000" dirty="0" smtClean="0">
+                <a:solidFill>
+                  <a:schemeClr val="tx2"/>
+                </a:solidFill>
+                <a:latin typeface="Arial" pitchFamily="34" charset="0"/>
+                <a:ea typeface="+mj-ea"/>
+                <a:cs typeface="+mj-cs"/>
+              </a:rPr>
+              <a:t>/ </a:t>
             </a:r>
             <a:r>
               <a:rPr lang="en-US" sz="3000" dirty="0" err="1" smtClean="0">
@@ -46072,7 +46094,29 @@
                 <a:ea typeface="+mj-ea"/>
                 <a:cs typeface="+mj-cs"/>
               </a:rPr>
-              <a:t> Swing / </a:t>
+              <a:t> </a:t>
+            </a:r>
+            <a:r>
+              <a:rPr lang="en-US" sz="3000" dirty="0" smtClean="0">
+                <a:solidFill>
+                  <a:schemeClr val="tx2"/>
+                </a:solidFill>
+                <a:latin typeface="Arial" pitchFamily="34" charset="0"/>
+                <a:ea typeface="+mj-ea"/>
+                <a:cs typeface="+mj-cs"/>
+              </a:rPr>
+              <a:t>de predecessors: swing </a:t>
+            </a:r>
+            <a:r>
+              <a:rPr lang="en-US" sz="3000" dirty="0" smtClean="0">
+                <a:solidFill>
+                  <a:schemeClr val="tx2"/>
+                </a:solidFill>
+                <a:latin typeface="Arial" pitchFamily="34" charset="0"/>
+                <a:ea typeface="+mj-ea"/>
+                <a:cs typeface="+mj-cs"/>
+              </a:rPr>
+              <a:t>/ </a:t>
             </a:r>
             <a:r>
               <a:rPr lang="en-US" sz="3000" dirty="0" err="1" smtClean="0">
@@ -46127,39 +46171,24 @@
                 <a:ea typeface="+mj-ea"/>
                 <a:cs typeface="+mj-cs"/>
               </a:rPr>
-              <a:t> Java</a:t>
+              <a:t> </a:t>
             </a:r>
-          </a:p>
-          <a:p>
-            <a:pPr lvl="1">
-              <a:spcBef>
-                <a:spcPct val="0"/>
-              </a:spcBef>
-              <a:buFont typeface="Arial" pitchFamily="34" charset="0"/>
-              <a:buChar char="•"/>
-              <a:defRPr/>
-            </a:pPr>
             <a:r>
-              <a:rPr lang="en-US" sz="3000" dirty="0" smtClean="0">
+              <a:rPr kumimoji="0" lang="en-US" sz="3000" b="0" i="0" u="none" strike="noStrike" kern="1200" cap="none" spc="0" normalizeH="0" noProof="0" dirty="0" smtClean="0">
+                <a:ln>
+                  <a:noFill/>
+                </a:ln>
                 <a:solidFill>
                   <a:schemeClr val="tx2"/>
                 </a:solidFill>
+                <a:effectLst/>
+                <a:uLnTx/>
+                <a:uFillTx/>
                 <a:latin typeface="Arial" pitchFamily="34" charset="0"/>
                 <a:ea typeface="+mj-ea"/>
                 <a:cs typeface="+mj-cs"/>
               </a:rPr>
-              <a:t> </a:t>
-            </a:r>
-            <a:r>
-              <a:rPr lang="en-US" sz="1600" dirty="0" smtClean="0">
-                <a:solidFill>
-                  <a:schemeClr val="tx2"/>
-                </a:solidFill>
-                <a:latin typeface="Arial" pitchFamily="34" charset="0"/>
-                <a:ea typeface="+mj-ea"/>
-                <a:cs typeface="+mj-cs"/>
-              </a:rPr>
-              <a:t>https://docs.oracle.com/javafx/2/</a:t>
+              <a:t>java as basis</a:t>
             </a:r>
             <a:endParaRPr kumimoji="0" lang="en-US" sz="1600" b="0" i="0" u="none" strike="noStrike" kern="1200" cap="none" spc="0" normalizeH="0" noProof="0" dirty="0" smtClean="0">
               <a:ln>
@@ -46394,7 +46423,7 @@
     </p:spTree>
     <p:extLst>
       <p:ext uri="{BB962C8B-B14F-4D97-AF65-F5344CB8AC3E}">
-        <p14:creationId xmlns="" xmlns:p14="http://schemas.microsoft.com/office/powerpoint/2010/main" val="1362647605"/>
+        <p14:creationId xmlns:p14="http://schemas.microsoft.com/office/powerpoint/2010/main" xmlns="" val="1362647605"/>
       </p:ext>
     </p:extLst>
   </p:cSld>
@@ -46495,7 +46524,7 @@
         <p:spPr>
           <a:xfrm>
             <a:off x="457200" y="990600"/>
-            <a:ext cx="8458200" cy="5257800"/>
+            <a:ext cx="8458200" cy="4800600"/>
           </a:xfrm>
           <a:prstGeom prst="rect">
             <a:avLst/>
@@ -47683,107 +47712,6 @@
                 <a:ea typeface="+mj-ea"/>
                 <a:cs typeface="Courier New" pitchFamily="49" charset="0"/>
               </a:rPr>
-              <a:t>    public </a:t>
-            </a:r>
-            <a:r>
-              <a:rPr lang="en-US" sz="1400" dirty="0" err="1" smtClean="0">
-                <a:solidFill>
-                  <a:schemeClr val="tx2"/>
-                </a:solidFill>
-                <a:latin typeface="Courier New" pitchFamily="49" charset="0"/>
-                <a:ea typeface="+mj-ea"/>
-                <a:cs typeface="Courier New" pitchFamily="49" charset="0"/>
-              </a:rPr>
-              <a:t>StringProperty</a:t>
-            </a:r>
-            <a:r>
-              <a:rPr lang="en-US" sz="1400" dirty="0" smtClean="0">
-                <a:solidFill>
-                  <a:schemeClr val="tx2"/>
-                </a:solidFill>
-                <a:latin typeface="Courier New" pitchFamily="49" charset="0"/>
-                <a:ea typeface="+mj-ea"/>
-                <a:cs typeface="Courier New" pitchFamily="49" charset="0"/>
-              </a:rPr>
-              <a:t> </a:t>
-            </a:r>
-            <a:r>
-              <a:rPr lang="en-US" sz="1400" dirty="0" err="1" smtClean="0">
-                <a:solidFill>
-                  <a:schemeClr val="tx2"/>
-                </a:solidFill>
-                <a:latin typeface="Courier New" pitchFamily="49" charset="0"/>
-                <a:ea typeface="+mj-ea"/>
-                <a:cs typeface="Courier New" pitchFamily="49" charset="0"/>
-              </a:rPr>
-              <a:t>textProperty</a:t>
-            </a:r>
-            <a:r>
-              <a:rPr lang="en-US" sz="1400" dirty="0" smtClean="0">
-                <a:solidFill>
-                  <a:schemeClr val="tx2"/>
-                </a:solidFill>
-                <a:latin typeface="Courier New" pitchFamily="49" charset="0"/>
-                <a:ea typeface="+mj-ea"/>
-                <a:cs typeface="Courier New" pitchFamily="49" charset="0"/>
-              </a:rPr>
-              <a:t>() {return </a:t>
-            </a:r>
-            <a:r>
-              <a:rPr lang="en-US" sz="1400" dirty="0" err="1" smtClean="0">
-                <a:solidFill>
-                  <a:schemeClr val="tx2"/>
-                </a:solidFill>
-                <a:latin typeface="Courier New" pitchFamily="49" charset="0"/>
-                <a:ea typeface="+mj-ea"/>
-                <a:cs typeface="Courier New" pitchFamily="49" charset="0"/>
-              </a:rPr>
-              <a:t>textField.textProperty</a:t>
-            </a:r>
-            <a:r>
-              <a:rPr lang="en-US" sz="1400" dirty="0" smtClean="0">
-                <a:solidFill>
-                  <a:schemeClr val="tx2"/>
-                </a:solidFill>
-                <a:latin typeface="Courier New" pitchFamily="49" charset="0"/>
-                <a:ea typeface="+mj-ea"/>
-                <a:cs typeface="Courier New" pitchFamily="49" charset="0"/>
-              </a:rPr>
-              <a:t>();}</a:t>
-            </a:r>
-          </a:p>
-          <a:p>
-            <a:pPr lvl="0">
-              <a:spcBef>
-                <a:spcPct val="0"/>
-              </a:spcBef>
-              <a:defRPr/>
-            </a:pPr>
-            <a:endParaRPr lang="en-US" sz="1400" dirty="0" smtClean="0">
-              <a:solidFill>
-                <a:schemeClr val="tx2"/>
-              </a:solidFill>
-              <a:latin typeface="Courier New" pitchFamily="49" charset="0"/>
-              <a:ea typeface="+mj-ea"/>
-              <a:cs typeface="Courier New" pitchFamily="49" charset="0"/>
-            </a:endParaRPr>
-          </a:p>
-          <a:p>
-            <a:pPr lvl="0">
-              <a:spcBef>
-                <a:spcPct val="0"/>
-              </a:spcBef>
-              <a:defRPr/>
-            </a:pPr>
-            <a:r>
-              <a:rPr lang="en-US" sz="1400" dirty="0" smtClean="0">
-                <a:solidFill>
-                  <a:schemeClr val="tx2"/>
-                </a:solidFill>
-                <a:latin typeface="Courier New" pitchFamily="49" charset="0"/>
-                <a:ea typeface="+mj-ea"/>
-                <a:cs typeface="Courier New" pitchFamily="49" charset="0"/>
-              </a:rPr>
               <a:t>    @FXML</a:t>
             </a:r>
           </a:p>
@@ -47945,7 +47873,7 @@
     </p:spTree>
     <p:extLst>
       <p:ext uri="{BB962C8B-B14F-4D97-AF65-F5344CB8AC3E}">
-        <p14:creationId xmlns="" xmlns:p14="http://schemas.microsoft.com/office/powerpoint/2010/main" val="1362647605"/>
+        <p14:creationId xmlns:p14="http://schemas.microsoft.com/office/powerpoint/2010/main" xmlns="" val="1362647605"/>
       </p:ext>
     </p:extLst>
   </p:cSld>
@@ -48373,8 +48301,27 @@
                 <a:ea typeface="+mj-ea"/>
                 <a:cs typeface="+mj-cs"/>
               </a:rPr>
-              <a:t>Java in browser trouble</a:t>
+              <a:t>Java </a:t>
             </a:r>
+            <a:r>
+              <a:rPr lang="en-US" sz="3000" dirty="0" smtClean="0">
+                <a:solidFill>
+                  <a:srgbClr val="FF0000"/>
+                </a:solidFill>
+                <a:latin typeface="Arial" pitchFamily="34" charset="0"/>
+                <a:ea typeface="+mj-ea"/>
+                <a:cs typeface="+mj-cs"/>
+              </a:rPr>
+              <a:t>deployment trouble</a:t>
+            </a:r>
+            <a:endParaRPr lang="en-US" sz="3000" dirty="0" smtClean="0">
+              <a:solidFill>
+                <a:srgbClr val="FF0000"/>
+              </a:solidFill>
+              <a:latin typeface="Arial" pitchFamily="34" charset="0"/>
+              <a:ea typeface="+mj-ea"/>
+              <a:cs typeface="+mj-cs"/>
+            </a:endParaRPr>
           </a:p>
           <a:p>
             <a:pPr marL="0" marR="0" lvl="0" indent="0" algn="l" defTabSz="914400" rtl="0" eaLnBrk="1" fontAlgn="auto" latinLnBrk="0" hangingPunct="1">
@@ -48451,15 +48398,51 @@
                 <a:ea typeface="+mj-ea"/>
                 <a:cs typeface="+mj-cs"/>
               </a:rPr>
-              <a:t> (sometimes)</a:t>
+              <a:t> (sometimes</a:t>
             </a:r>
+            <a:r>
+              <a:rPr lang="en-US" sz="3000" dirty="0" smtClean="0">
+                <a:solidFill>
+                  <a:srgbClr val="FF0000"/>
+                </a:solidFill>
+                <a:latin typeface="Arial" pitchFamily="34" charset="0"/>
+                <a:ea typeface="+mj-ea"/>
+                <a:cs typeface="+mj-cs"/>
+              </a:rPr>
+              <a:t>)</a:t>
+            </a:r>
+          </a:p>
+          <a:p>
+            <a:pPr marL="0" marR="0" lvl="0" indent="0" algn="l" defTabSz="914400" rtl="0" eaLnBrk="1" fontAlgn="auto" latinLnBrk="0" hangingPunct="1">
+              <a:lnSpc>
+                <a:spcPct val="100000"/>
+              </a:lnSpc>
+              <a:spcBef>
+                <a:spcPct val="0"/>
+              </a:spcBef>
+              <a:spcAft>
+                <a:spcPts val="0"/>
+              </a:spcAft>
+              <a:buClrTx/>
+              <a:buSzTx/>
+              <a:tabLst/>
+              <a:defRPr/>
+            </a:pPr>
+            <a:endParaRPr lang="en-US" sz="3000" dirty="0" smtClean="0">
+              <a:solidFill>
+                <a:srgbClr val="FF0000"/>
+              </a:solidFill>
+              <a:latin typeface="Arial" pitchFamily="34" charset="0"/>
+              <a:ea typeface="+mj-ea"/>
+              <a:cs typeface="+mj-cs"/>
+            </a:endParaRPr>
           </a:p>
         </p:txBody>
       </p:sp>
     </p:spTree>
     <p:extLst>
       <p:ext uri="{BB962C8B-B14F-4D97-AF65-F5344CB8AC3E}">
-        <p14:creationId xmlns="" xmlns:p14="http://schemas.microsoft.com/office/powerpoint/2010/main" val="1362647605"/>
+        <p14:creationId xmlns:p14="http://schemas.microsoft.com/office/powerpoint/2010/main" xmlns="" val="1362647605"/>
       </p:ext>
     </p:extLst>
   </p:cSld>
@@ -48739,7 +48722,7 @@
     </p:spTree>
     <p:extLst>
       <p:ext uri="{BB962C8B-B14F-4D97-AF65-F5344CB8AC3E}">
-        <p14:creationId xmlns="" xmlns:p14="http://schemas.microsoft.com/office/powerpoint/2010/main" val="1362647605"/>
+        <p14:creationId xmlns:p14="http://schemas.microsoft.com/office/powerpoint/2010/main" xmlns="" val="1362647605"/>
       </p:ext>
     </p:extLst>
   </p:cSld>
@@ -49003,7 +48986,7 @@
     </p:spTree>
     <p:extLst>
       <p:ext uri="{BB962C8B-B14F-4D97-AF65-F5344CB8AC3E}">
-        <p14:creationId xmlns="" xmlns:p14="http://schemas.microsoft.com/office/powerpoint/2010/main" val="1362647605"/>
+        <p14:creationId xmlns:p14="http://schemas.microsoft.com/office/powerpoint/2010/main" xmlns="" val="1362647605"/>
       </p:ext>
     </p:extLst>
   </p:cSld>
@@ -49280,7 +49263,7 @@
     </p:spTree>
     <p:extLst>
       <p:ext uri="{BB962C8B-B14F-4D97-AF65-F5344CB8AC3E}">
-        <p14:creationId xmlns="" xmlns:p14="http://schemas.microsoft.com/office/powerpoint/2010/main" val="1362647605"/>
+        <p14:creationId xmlns:p14="http://schemas.microsoft.com/office/powerpoint/2010/main" xmlns="" val="1362647605"/>
       </p:ext>
     </p:extLst>
   </p:cSld>
@@ -49851,7 +49834,24 @@
                 <a:ea typeface="+mj-ea"/>
                 <a:cs typeface="+mj-cs"/>
               </a:rPr>
-              <a:t> cheat: diff to develop </a:t>
+              <a:t> cheat: diff to </a:t>
+            </a:r>
+            <a:r>
+              <a:rPr kumimoji="0" lang="en-US" sz="2400" b="0" i="0" u="none" strike="noStrike" kern="1200" cap="none" spc="0" normalizeH="0" baseline="0" noProof="0" dirty="0" err="1" smtClean="0">
+                <a:ln>
+                  <a:noFill/>
+                </a:ln>
+                <a:solidFill>
+                  <a:schemeClr val="tx2"/>
+                </a:solidFill>
+                <a:effectLst/>
+                <a:uLnTx/>
+                <a:uFillTx/>
+                <a:latin typeface="Arial" pitchFamily="34" charset="0"/>
+                <a:ea typeface="+mj-ea"/>
+                <a:cs typeface="+mj-cs"/>
+              </a:rPr>
+              <a:t>workshopsolution</a:t>
             </a:r>
             <a:r>
               <a:rPr kumimoji="0" lang="en-US" sz="2400" b="0" i="0" u="none" strike="noStrike" kern="1200" cap="none" spc="0" normalizeH="0" baseline="0" noProof="0" smtClean="0">
@@ -49868,7 +49868,7 @@
                 <a:ea typeface="+mj-ea"/>
                 <a:cs typeface="+mj-cs"/>
               </a:rPr>
-              <a:t>branche</a:t>
+              <a:t> branche</a:t>
             </a:r>
             <a:endParaRPr kumimoji="0" lang="nl-NL" sz="2400" b="0" i="0" u="none" strike="noStrike" kern="1200" cap="none" spc="0" normalizeH="0" baseline="0" noProof="0" dirty="0">
               <a:ln>
@@ -49890,7 +49890,7 @@
     </p:spTree>
     <p:extLst>
       <p:ext uri="{BB962C8B-B14F-4D97-AF65-F5344CB8AC3E}">
-        <p14:creationId xmlns="" xmlns:p14="http://schemas.microsoft.com/office/powerpoint/2010/main" val="1419182396"/>
+        <p14:creationId xmlns:p14="http://schemas.microsoft.com/office/powerpoint/2010/main" xmlns="" val="1419182396"/>
       </p:ext>
     </p:extLst>
   </p:cSld>
@@ -50838,12 +50838,9 @@
 </file>
 
 <file path=customXml/item1.xml><?xml version="1.0" encoding="utf-8"?>
-<?mso-contentType ?>
-<FormTemplates xmlns="http://schemas.microsoft.com/sharepoint/v3/contenttype/forms">
-  <Display>DocumentLibraryForm</Display>
-  <Edit>DocumentLibraryForm</Edit>
-  <New>DocumentLibraryForm</New>
-</FormTemplates>
+<p:properties xmlns:p="http://schemas.microsoft.com/office/2006/metadata/properties" xmlns:xsi="http://www.w3.org/2001/XMLSchema-instance" xmlns:pc="http://schemas.microsoft.com/office/infopath/2007/PartnerControls">
+  <documentManagement/>
+</p:properties>
 </file>
 
 <file path=customXml/item2.xml><?xml version="1.0" encoding="utf-8"?>
@@ -50896,15 +50893,25 @@
 </file>
 
 <file path=customXml/item3.xml><?xml version="1.0" encoding="utf-8"?>
-<p:properties xmlns:p="http://schemas.microsoft.com/office/2006/metadata/properties" xmlns:xsi="http://www.w3.org/2001/XMLSchema-instance" xmlns:pc="http://schemas.microsoft.com/office/infopath/2007/PartnerControls">
-  <documentManagement/>
-</p:properties>
+<?mso-contentType ?>
+<FormTemplates xmlns="http://schemas.microsoft.com/sharepoint/v3/contenttype/forms">
+  <Display>DocumentLibraryForm</Display>
+  <Edit>DocumentLibraryForm</Edit>
+  <New>DocumentLibraryForm</New>
+</FormTemplates>
 </file>
 
 <file path=customXml/itemProps1.xml><?xml version="1.0" encoding="utf-8"?>
-<ds:datastoreItem xmlns:ds="http://schemas.openxmlformats.org/officeDocument/2006/customXml" ds:itemID="{ADA5D674-9920-4D2F-B065-BC24FD29F86D}">
+<ds:datastoreItem xmlns:ds="http://schemas.openxmlformats.org/officeDocument/2006/customXml" ds:itemID="{F346CD18-12AD-4AEC-8965-62D46F5CB212}">
   <ds:schemaRefs>
-    <ds:schemaRef ds:uri="http://schemas.microsoft.com/sharepoint/v3/contenttype/forms"/>
+    <ds:schemaRef ds:uri="http://purl.org/dc/terms/"/>
+    <ds:schemaRef ds:uri="http://schemas.microsoft.com/office/2006/documentManagement/types"/>
+    <ds:schemaRef ds:uri="http://purl.org/dc/elements/1.1/"/>
+    <ds:schemaRef ds:uri="http://purl.org/dc/dcmitype/"/>
+    <ds:schemaRef ds:uri="http://www.w3.org/XML/1998/namespace"/>
+    <ds:schemaRef ds:uri="http://schemas.openxmlformats.org/package/2006/metadata/core-properties"/>
+    <ds:schemaRef ds:uri="http://schemas.microsoft.com/office/2006/metadata/properties"/>
+    <ds:schemaRef ds:uri="http://schemas.microsoft.com/office/infopath/2007/PartnerControls"/>
   </ds:schemaRefs>
 </ds:datastoreItem>
 </file>
@@ -50925,16 +50932,9 @@
 </file>
 
 <file path=customXml/itemProps3.xml><?xml version="1.0" encoding="utf-8"?>
-<ds:datastoreItem xmlns:ds="http://schemas.openxmlformats.org/officeDocument/2006/customXml" ds:itemID="{F346CD18-12AD-4AEC-8965-62D46F5CB212}">
+<ds:datastoreItem xmlns:ds="http://schemas.openxmlformats.org/officeDocument/2006/customXml" ds:itemID="{ADA5D674-9920-4D2F-B065-BC24FD29F86D}">
   <ds:schemaRefs>
-    <ds:schemaRef ds:uri="http://purl.org/dc/terms/"/>
-    <ds:schemaRef ds:uri="http://schemas.microsoft.com/office/2006/documentManagement/types"/>
-    <ds:schemaRef ds:uri="http://purl.org/dc/elements/1.1/"/>
-    <ds:schemaRef ds:uri="http://purl.org/dc/dcmitype/"/>
-    <ds:schemaRef ds:uri="http://www.w3.org/XML/1998/namespace"/>
-    <ds:schemaRef ds:uri="http://schemas.openxmlformats.org/package/2006/metadata/core-properties"/>
-    <ds:schemaRef ds:uri="http://schemas.microsoft.com/office/2006/metadata/properties"/>
-    <ds:schemaRef ds:uri="http://schemas.microsoft.com/office/infopath/2007/PartnerControls"/>
+    <ds:schemaRef ds:uri="http://schemas.microsoft.com/sharepoint/v3/contenttype/forms"/>
   </ds:schemaRefs>
 </ds:datastoreItem>
 </file>